--- a/Presentations/Presentations Power Point/06_hashes_and_symbols.pptx
+++ b/Presentations/Presentations Power Point/06_hashes_and_symbols.pptx
@@ -1,23 +1,23 @@
 
 <file path=ppt/presentation.xml><?xml version="1.0" encoding="utf-8"?>
-<p:presentation xmlns:a="http://schemas.openxmlformats.org/drawingml/2006/main" xmlns:r="http://schemas.openxmlformats.org/officeDocument/2006/relationships" xmlns:p="http://schemas.openxmlformats.org/presentationml/2006/main" xmlns:m="http://schemas.openxmlformats.org/officeDocument/2006/math" xmlns:a14="http://schemas.microsoft.com/office/drawing/2010/main">
+<p:presentation xmlns:a="http://schemas.openxmlformats.org/drawingml/2006/main" xmlns:r="http://schemas.openxmlformats.org/officeDocument/2006/relationships" xmlns:p="http://schemas.openxmlformats.org/presentationml/2006/main">
   <p:sldMasterIdLst>
-    <p:sldMasterId id="2147483648" r:id="rId5"/>
+    <p:sldMasterId id="2147483648" r:id="rId1"/>
   </p:sldMasterIdLst>
   <p:notesMasterIdLst>
-    <p:notesMasterId r:id="rId7"/>
+    <p:notesMasterId r:id="rId12"/>
   </p:notesMasterIdLst>
   <p:sldIdLst>
-    <p:sldId id="256" r:id="rId8"/>
-    <p:sldId id="257" r:id="rId9"/>
-    <p:sldId id="258" r:id="rId10"/>
-    <p:sldId id="259" r:id="rId11"/>
-    <p:sldId id="260" r:id="rId12"/>
-    <p:sldId id="261" r:id="rId13"/>
-    <p:sldId id="262" r:id="rId14"/>
-    <p:sldId id="263" r:id="rId15"/>
-    <p:sldId id="264" r:id="rId16"/>
-    <p:sldId id="265" r:id="rId17"/>
+    <p:sldId id="256" r:id="rId2"/>
+    <p:sldId id="257" r:id="rId3"/>
+    <p:sldId id="258" r:id="rId4"/>
+    <p:sldId id="259" r:id="rId5"/>
+    <p:sldId id="260" r:id="rId6"/>
+    <p:sldId id="261" r:id="rId7"/>
+    <p:sldId id="264" r:id="rId8"/>
+    <p:sldId id="262" r:id="rId9"/>
+    <p:sldId id="263" r:id="rId10"/>
+    <p:sldId id="265" r:id="rId11"/>
   </p:sldIdLst>
   <p:sldSz cx="13004800" cy="9753600"/>
   <p:notesSz cx="6858000" cy="9144000"/>
@@ -37,7 +37,7 @@
       <a:buFontTx/>
       <a:buNone/>
       <a:tabLst/>
-      <a:defRPr b="0" baseline="0" cap="none" i="0" spc="0" strike="noStrike" sz="1800" u="none" kumimoji="0" normalizeH="0">
+      <a:defRPr kumimoji="0" sz="1800" b="0" i="0" u="none" strike="noStrike" cap="none" spc="0" normalizeH="0" baseline="0">
         <a:ln>
           <a:noFill/>
         </a:ln>
@@ -63,7 +63,7 @@
       <a:buFontTx/>
       <a:buNone/>
       <a:tabLst/>
-      <a:defRPr b="0" baseline="0" cap="none" i="0" spc="0" strike="noStrike" sz="5800" u="none" kumimoji="0" normalizeH="0">
+      <a:defRPr kumimoji="0" sz="5800" b="0" i="0" u="none" strike="noStrike" cap="none" spc="0" normalizeH="0" baseline="0">
         <a:ln>
           <a:noFill/>
         </a:ln>
@@ -93,7 +93,7 @@
       <a:buFontTx/>
       <a:buNone/>
       <a:tabLst/>
-      <a:defRPr b="0" baseline="0" cap="none" i="0" spc="0" strike="noStrike" sz="5800" u="none" kumimoji="0" normalizeH="0">
+      <a:defRPr kumimoji="0" sz="5800" b="0" i="0" u="none" strike="noStrike" cap="none" spc="0" normalizeH="0" baseline="0">
         <a:ln>
           <a:noFill/>
         </a:ln>
@@ -123,7 +123,7 @@
       <a:buFontTx/>
       <a:buNone/>
       <a:tabLst/>
-      <a:defRPr b="0" baseline="0" cap="none" i="0" spc="0" strike="noStrike" sz="5800" u="none" kumimoji="0" normalizeH="0">
+      <a:defRPr kumimoji="0" sz="5800" b="0" i="0" u="none" strike="noStrike" cap="none" spc="0" normalizeH="0" baseline="0">
         <a:ln>
           <a:noFill/>
         </a:ln>
@@ -153,7 +153,7 @@
       <a:buFontTx/>
       <a:buNone/>
       <a:tabLst/>
-      <a:defRPr b="0" baseline="0" cap="none" i="0" spc="0" strike="noStrike" sz="5800" u="none" kumimoji="0" normalizeH="0">
+      <a:defRPr kumimoji="0" sz="5800" b="0" i="0" u="none" strike="noStrike" cap="none" spc="0" normalizeH="0" baseline="0">
         <a:ln>
           <a:noFill/>
         </a:ln>
@@ -183,7 +183,7 @@
       <a:buFontTx/>
       <a:buNone/>
       <a:tabLst/>
-      <a:defRPr b="0" baseline="0" cap="none" i="0" spc="0" strike="noStrike" sz="5800" u="none" kumimoji="0" normalizeH="0">
+      <a:defRPr kumimoji="0" sz="5800" b="0" i="0" u="none" strike="noStrike" cap="none" spc="0" normalizeH="0" baseline="0">
         <a:ln>
           <a:noFill/>
         </a:ln>
@@ -213,7 +213,7 @@
       <a:buFontTx/>
       <a:buNone/>
       <a:tabLst/>
-      <a:defRPr b="0" baseline="0" cap="none" i="0" spc="0" strike="noStrike" sz="5800" u="none" kumimoji="0" normalizeH="0">
+      <a:defRPr kumimoji="0" sz="5800" b="0" i="0" u="none" strike="noStrike" cap="none" spc="0" normalizeH="0" baseline="0">
         <a:ln>
           <a:noFill/>
         </a:ln>
@@ -243,7 +243,7 @@
       <a:buFontTx/>
       <a:buNone/>
       <a:tabLst/>
-      <a:defRPr b="0" baseline="0" cap="none" i="0" spc="0" strike="noStrike" sz="5800" u="none" kumimoji="0" normalizeH="0">
+      <a:defRPr kumimoji="0" sz="5800" b="0" i="0" u="none" strike="noStrike" cap="none" spc="0" normalizeH="0" baseline="0">
         <a:ln>
           <a:noFill/>
         </a:ln>
@@ -273,7 +273,7 @@
       <a:buFontTx/>
       <a:buNone/>
       <a:tabLst/>
-      <a:defRPr b="0" baseline="0" cap="none" i="0" spc="0" strike="noStrike" sz="5800" u="none" kumimoji="0" normalizeH="0">
+      <a:defRPr kumimoji="0" sz="5800" b="0" i="0" u="none" strike="noStrike" cap="none" spc="0" normalizeH="0" baseline="0">
         <a:ln>
           <a:noFill/>
         </a:ln>
@@ -303,7 +303,7 @@
       <a:buFontTx/>
       <a:buNone/>
       <a:tabLst/>
-      <a:defRPr b="0" baseline="0" cap="none" i="0" spc="0" strike="noStrike" sz="5800" u="none" kumimoji="0" normalizeH="0">
+      <a:defRPr kumimoji="0" sz="5800" b="0" i="0" u="none" strike="noStrike" cap="none" spc="0" normalizeH="0" baseline="0">
         <a:ln>
           <a:noFill/>
         </a:ln>
@@ -322,13 +322,14 @@
 </p:presentation>
 </file>
 
-<file path=ppt/commentAuthors.xml><?xml version="1.0" encoding="utf-8"?>
-<p:cmAuthorLst xmlns:a="http://schemas.openxmlformats.org/drawingml/2006/main" xmlns:r="http://schemas.openxmlformats.org/officeDocument/2006/relationships" xmlns:p="http://schemas.openxmlformats.org/presentationml/2006/main" xmlns:m="http://schemas.openxmlformats.org/officeDocument/2006/math" xmlns:a14="http://schemas.microsoft.com/office/drawing/2010/main"/>
-</file>
-
 <file path=ppt/notesMasters/notesMaster1.xml><?xml version="1.0" encoding="utf-8"?>
-<p:notesMaster xmlns:a="http://schemas.openxmlformats.org/drawingml/2006/main" xmlns:r="http://schemas.openxmlformats.org/officeDocument/2006/relationships" xmlns:p="http://schemas.openxmlformats.org/presentationml/2006/main" xmlns:m="http://schemas.openxmlformats.org/officeDocument/2006/math" xmlns:a14="http://schemas.microsoft.com/office/drawing/2010/main">
+<p:notesMaster xmlns:a="http://schemas.openxmlformats.org/drawingml/2006/main" xmlns:r="http://schemas.openxmlformats.org/officeDocument/2006/relationships" xmlns:p="http://schemas.openxmlformats.org/presentationml/2006/main">
   <p:cSld>
+    <p:bg>
+      <p:bgRef idx="1001">
+        <a:schemeClr val="bg1"/>
+      </p:bgRef>
+    </p:bg>
     <p:spTree>
       <p:nvGrpSpPr>
         <p:cNvPr id="1" name=""/>
@@ -346,7 +347,9 @@
       <p:sp>
         <p:nvSpPr>
           <p:cNvPr id="116" name="Shape 116"/>
-          <p:cNvSpPr/>
+          <p:cNvSpPr>
+            <a:spLocks noGrp="1" noRot="1" noChangeAspect="1"/>
+          </p:cNvSpPr>
           <p:nvPr>
             <p:ph type="sldImg"/>
           </p:nvPr>
@@ -364,14 +367,16 @@
           <a:bodyPr/>
           <a:lstStyle/>
           <a:p>
-            <a:pPr/>
+            <a:endParaRPr/>
           </a:p>
         </p:txBody>
       </p:sp>
       <p:sp>
         <p:nvSpPr>
           <p:cNvPr id="117" name="Shape 117"/>
-          <p:cNvSpPr/>
+          <p:cNvSpPr>
+            <a:spLocks noGrp="1"/>
+          </p:cNvSpPr>
           <p:nvPr>
             <p:ph type="body" sz="quarter" idx="1"/>
           </p:nvPr>
@@ -389,7 +394,7 @@
           <a:bodyPr/>
           <a:lstStyle/>
           <a:p>
-            <a:pPr/>
+            <a:endParaRPr/>
           </a:p>
         </p:txBody>
       </p:sp>
@@ -500,8 +505,69 @@
 </p:notesMaster>
 </file>
 
+<file path=ppt/notesSlides/notesSlide1.xml><?xml version="1.0" encoding="utf-8"?>
+<p:notes xmlns:a="http://schemas.openxmlformats.org/drawingml/2006/main" xmlns:r="http://schemas.openxmlformats.org/officeDocument/2006/relationships" xmlns:p="http://schemas.openxmlformats.org/presentationml/2006/main">
+  <p:cSld>
+    <p:spTree>
+      <p:nvGrpSpPr>
+        <p:cNvPr id="1" name=""/>
+        <p:cNvGrpSpPr/>
+        <p:nvPr/>
+      </p:nvGrpSpPr>
+      <p:grpSpPr>
+        <a:xfrm>
+          <a:off x="0" y="0"/>
+          <a:ext cx="0" cy="0"/>
+          <a:chOff x="0" y="0"/>
+          <a:chExt cx="0" cy="0"/>
+        </a:xfrm>
+      </p:grpSpPr>
+      <p:sp>
+        <p:nvSpPr>
+          <p:cNvPr id="2" name="Slide Image Placeholder 1"/>
+          <p:cNvSpPr>
+            <a:spLocks noGrp="1" noRot="1" noChangeAspect="1"/>
+          </p:cNvSpPr>
+          <p:nvPr>
+            <p:ph type="sldImg"/>
+          </p:nvPr>
+        </p:nvSpPr>
+        <p:spPr/>
+      </p:sp>
+      <p:sp>
+        <p:nvSpPr>
+          <p:cNvPr id="3" name="Notes Placeholder 2"/>
+          <p:cNvSpPr>
+            <a:spLocks noGrp="1"/>
+          </p:cNvSpPr>
+          <p:nvPr>
+            <p:ph type="body" idx="1"/>
+          </p:nvPr>
+        </p:nvSpPr>
+        <p:spPr/>
+        <p:txBody>
+          <a:bodyPr/>
+          <a:lstStyle/>
+          <a:p>
+            <a:endParaRPr lang="en-CA" dirty="0"/>
+          </a:p>
+        </p:txBody>
+      </p:sp>
+    </p:spTree>
+    <p:extLst>
+      <p:ext uri="{BB962C8B-B14F-4D97-AF65-F5344CB8AC3E}">
+        <p14:creationId xmlns:p14="http://schemas.microsoft.com/office/powerpoint/2010/main" val="3630819229"/>
+      </p:ext>
+    </p:extLst>
+  </p:cSld>
+  <p:clrMapOvr>
+    <a:masterClrMapping/>
+  </p:clrMapOvr>
+</p:notes>
+</file>
+
 <file path=ppt/slideLayouts/slideLayout1.xml><?xml version="1.0" encoding="utf-8"?>
-<p:sldLayout xmlns:a="http://schemas.openxmlformats.org/drawingml/2006/main" xmlns:r="http://schemas.openxmlformats.org/officeDocument/2006/relationships" xmlns:p="http://schemas.openxmlformats.org/presentationml/2006/main" xmlns:m="http://schemas.openxmlformats.org/officeDocument/2006/math" xmlns:a14="http://schemas.microsoft.com/office/drawing/2010/main" type="title" showMasterSp="1" showMasterPhAnim="1">
+<p:sldLayout xmlns:a="http://schemas.openxmlformats.org/drawingml/2006/main" xmlns:r="http://schemas.openxmlformats.org/officeDocument/2006/relationships" xmlns:p="http://schemas.openxmlformats.org/presentationml/2006/main" type="title">
   <p:cSld name="Titre et sous-titre">
     <p:spTree>
       <p:nvGrpSpPr>
@@ -520,7 +586,9 @@
       <p:sp>
         <p:nvSpPr>
           <p:cNvPr id="11" name="Title Text"/>
-          <p:cNvSpPr txBox="1"/>
+          <p:cNvSpPr txBox="1">
+            <a:spLocks noGrp="1"/>
+          </p:cNvSpPr>
           <p:nvPr>
             <p:ph type="title"/>
           </p:nvPr>
@@ -534,7 +602,6 @@
           <a:bodyPr/>
           <a:lstStyle/>
           <a:p>
-            <a:pPr/>
             <a:r>
               <a:t>Title Text</a:t>
             </a:r>
@@ -544,7 +611,9 @@
       <p:sp>
         <p:nvSpPr>
           <p:cNvPr id="12" name="Body Level One…"/>
-          <p:cNvSpPr txBox="1"/>
+          <p:cNvSpPr txBox="1">
+            <a:spLocks noGrp="1"/>
+          </p:cNvSpPr>
           <p:nvPr>
             <p:ph type="body" sz="quarter" idx="1"/>
           </p:nvPr>
@@ -558,7 +627,6 @@
           <a:bodyPr/>
           <a:lstStyle/>
           <a:p>
-            <a:pPr/>
             <a:r>
               <a:t>Body Level One</a:t>
             </a:r>
@@ -592,7 +660,9 @@
       <p:sp>
         <p:nvSpPr>
           <p:cNvPr id="13" name="Slide Number"/>
-          <p:cNvSpPr txBox="1"/>
+          <p:cNvSpPr txBox="1">
+            <a:spLocks noGrp="1"/>
+          </p:cNvSpPr>
           <p:nvPr>
             <p:ph type="sldNum" sz="quarter" idx="2"/>
           </p:nvPr>
@@ -606,8 +676,10 @@
           <a:bodyPr/>
           <a:lstStyle/>
           <a:p>
-            <a:pPr/>
-            <a:fld id="{86CB4B4D-7CA3-9044-876B-883B54F8677D}" type="slidenum"/>
+            <a:fld id="{86CB4B4D-7CA3-9044-876B-883B54F8677D}" type="slidenum">
+              <a:t>‹#›</a:t>
+            </a:fld>
+            <a:endParaRPr/>
           </a:p>
         </p:txBody>
       </p:sp>
@@ -616,12 +688,12 @@
   <p:clrMapOvr>
     <a:masterClrMapping/>
   </p:clrMapOvr>
-  <p:transition xmlns:p14="http://schemas.microsoft.com/office/powerpoint/2010/main" spd="med" advClick="1"/>
+  <p:transition spd="med"/>
 </p:sldLayout>
 </file>
 
 <file path=ppt/slideLayouts/slideLayout10.xml><?xml version="1.0" encoding="utf-8"?>
-<p:sldLayout xmlns:a="http://schemas.openxmlformats.org/drawingml/2006/main" xmlns:r="http://schemas.openxmlformats.org/officeDocument/2006/relationships" xmlns:p="http://schemas.openxmlformats.org/presentationml/2006/main" xmlns:m="http://schemas.openxmlformats.org/officeDocument/2006/math" xmlns:a14="http://schemas.microsoft.com/office/drawing/2010/main" type="tx" showMasterSp="1" showMasterPhAnim="1">
+<p:sldLayout xmlns:a="http://schemas.openxmlformats.org/drawingml/2006/main" xmlns:r="http://schemas.openxmlformats.org/officeDocument/2006/relationships" xmlns:p="http://schemas.openxmlformats.org/presentationml/2006/main" type="tx">
   <p:cSld name="Citation">
     <p:spTree>
       <p:nvGrpSpPr>
@@ -640,7 +712,9 @@
       <p:sp>
         <p:nvSpPr>
           <p:cNvPr id="93" name="-Gilles Allain"/>
-          <p:cNvSpPr/>
+          <p:cNvSpPr>
+            <a:spLocks noGrp="1"/>
+          </p:cNvSpPr>
           <p:nvPr>
             <p:ph type="body" sz="quarter" idx="13"/>
           </p:nvPr>
@@ -669,7 +743,6 @@
             </a:lvl1pPr>
           </a:lstStyle>
           <a:p>
-            <a:pPr/>
             <a:r>
               <a:t>-Gilles Allain</a:t>
             </a:r>
@@ -679,7 +752,9 @@
       <p:sp>
         <p:nvSpPr>
           <p:cNvPr id="94" name="« Saisissez une citation ici. »"/>
-          <p:cNvSpPr/>
+          <p:cNvSpPr>
+            <a:spLocks noGrp="1"/>
+          </p:cNvSpPr>
           <p:nvPr>
             <p:ph type="body" sz="quarter" idx="14"/>
           </p:nvPr>
@@ -703,7 +778,6 @@
             </a:lvl1pPr>
           </a:lstStyle>
           <a:p>
-            <a:pPr/>
             <a:r>
               <a:t>« Saisissez une citation ici. » </a:t>
             </a:r>
@@ -713,7 +787,9 @@
       <p:sp>
         <p:nvSpPr>
           <p:cNvPr id="95" name="Slide Number"/>
-          <p:cNvSpPr txBox="1"/>
+          <p:cNvSpPr txBox="1">
+            <a:spLocks noGrp="1"/>
+          </p:cNvSpPr>
           <p:nvPr>
             <p:ph type="sldNum" sz="quarter" idx="2"/>
           </p:nvPr>
@@ -727,8 +803,10 @@
           <a:bodyPr/>
           <a:lstStyle/>
           <a:p>
-            <a:pPr/>
-            <a:fld id="{86CB4B4D-7CA3-9044-876B-883B54F8677D}" type="slidenum"/>
+            <a:fld id="{86CB4B4D-7CA3-9044-876B-883B54F8677D}" type="slidenum">
+              <a:t>‹#›</a:t>
+            </a:fld>
+            <a:endParaRPr/>
           </a:p>
         </p:txBody>
       </p:sp>
@@ -737,12 +815,12 @@
   <p:clrMapOvr>
     <a:masterClrMapping/>
   </p:clrMapOvr>
-  <p:transition xmlns:p14="http://schemas.microsoft.com/office/powerpoint/2010/main" spd="med" advClick="1"/>
+  <p:transition spd="med"/>
 </p:sldLayout>
 </file>
 
 <file path=ppt/slideLayouts/slideLayout11.xml><?xml version="1.0" encoding="utf-8"?>
-<p:sldLayout xmlns:a="http://schemas.openxmlformats.org/drawingml/2006/main" xmlns:r="http://schemas.openxmlformats.org/officeDocument/2006/relationships" xmlns:p="http://schemas.openxmlformats.org/presentationml/2006/main" xmlns:m="http://schemas.openxmlformats.org/officeDocument/2006/math" xmlns:a14="http://schemas.microsoft.com/office/drawing/2010/main" type="tx" showMasterSp="1" showMasterPhAnim="1">
+<p:sldLayout xmlns:a="http://schemas.openxmlformats.org/drawingml/2006/main" xmlns:r="http://schemas.openxmlformats.org/officeDocument/2006/relationships" xmlns:p="http://schemas.openxmlformats.org/presentationml/2006/main" type="tx">
   <p:cSld name="Photo">
     <p:spTree>
       <p:nvGrpSpPr>
@@ -761,7 +839,9 @@
       <p:sp>
         <p:nvSpPr>
           <p:cNvPr id="102" name="Image"/>
-          <p:cNvSpPr/>
+          <p:cNvSpPr>
+            <a:spLocks noGrp="1"/>
+          </p:cNvSpPr>
           <p:nvPr>
             <p:ph type="pic" idx="13"/>
           </p:nvPr>
@@ -781,14 +861,16 @@
           </a:bodyPr>
           <a:lstStyle/>
           <a:p>
-            <a:pPr/>
+            <a:endParaRPr/>
           </a:p>
         </p:txBody>
       </p:sp>
       <p:sp>
         <p:nvSpPr>
           <p:cNvPr id="103" name="Slide Number"/>
-          <p:cNvSpPr txBox="1"/>
+          <p:cNvSpPr txBox="1">
+            <a:spLocks noGrp="1"/>
+          </p:cNvSpPr>
           <p:nvPr>
             <p:ph type="sldNum" sz="quarter" idx="2"/>
           </p:nvPr>
@@ -802,8 +884,10 @@
           <a:bodyPr/>
           <a:lstStyle/>
           <a:p>
-            <a:pPr/>
-            <a:fld id="{86CB4B4D-7CA3-9044-876B-883B54F8677D}" type="slidenum"/>
+            <a:fld id="{86CB4B4D-7CA3-9044-876B-883B54F8677D}" type="slidenum">
+              <a:t>‹#›</a:t>
+            </a:fld>
+            <a:endParaRPr/>
           </a:p>
         </p:txBody>
       </p:sp>
@@ -812,12 +896,12 @@
   <p:clrMapOvr>
     <a:masterClrMapping/>
   </p:clrMapOvr>
-  <p:transition xmlns:p14="http://schemas.microsoft.com/office/powerpoint/2010/main" spd="med" advClick="1"/>
+  <p:transition spd="med"/>
 </p:sldLayout>
 </file>
 
 <file path=ppt/slideLayouts/slideLayout12.xml><?xml version="1.0" encoding="utf-8"?>
-<p:sldLayout xmlns:a="http://schemas.openxmlformats.org/drawingml/2006/main" xmlns:r="http://schemas.openxmlformats.org/officeDocument/2006/relationships" xmlns:p="http://schemas.openxmlformats.org/presentationml/2006/main" xmlns:m="http://schemas.openxmlformats.org/officeDocument/2006/math" xmlns:a14="http://schemas.microsoft.com/office/drawing/2010/main" type="tx" showMasterSp="1" showMasterPhAnim="1">
+<p:sldLayout xmlns:a="http://schemas.openxmlformats.org/drawingml/2006/main" xmlns:r="http://schemas.openxmlformats.org/officeDocument/2006/relationships" xmlns:p="http://schemas.openxmlformats.org/presentationml/2006/main" type="tx">
   <p:cSld name="Vierge">
     <p:spTree>
       <p:nvGrpSpPr>
@@ -836,7 +920,9 @@
       <p:sp>
         <p:nvSpPr>
           <p:cNvPr id="110" name="Slide Number"/>
-          <p:cNvSpPr txBox="1"/>
+          <p:cNvSpPr txBox="1">
+            <a:spLocks noGrp="1"/>
+          </p:cNvSpPr>
           <p:nvPr>
             <p:ph type="sldNum" sz="quarter" idx="2"/>
           </p:nvPr>
@@ -850,8 +936,10 @@
           <a:bodyPr/>
           <a:lstStyle/>
           <a:p>
-            <a:pPr/>
-            <a:fld id="{86CB4B4D-7CA3-9044-876B-883B54F8677D}" type="slidenum"/>
+            <a:fld id="{86CB4B4D-7CA3-9044-876B-883B54F8677D}" type="slidenum">
+              <a:t>‹#›</a:t>
+            </a:fld>
+            <a:endParaRPr/>
           </a:p>
         </p:txBody>
       </p:sp>
@@ -860,12 +948,12 @@
   <p:clrMapOvr>
     <a:masterClrMapping/>
   </p:clrMapOvr>
-  <p:transition xmlns:p14="http://schemas.microsoft.com/office/powerpoint/2010/main" spd="med" advClick="1"/>
+  <p:transition spd="med"/>
 </p:sldLayout>
 </file>
 
 <file path=ppt/slideLayouts/slideLayout2.xml><?xml version="1.0" encoding="utf-8"?>
-<p:sldLayout xmlns:a="http://schemas.openxmlformats.org/drawingml/2006/main" xmlns:r="http://schemas.openxmlformats.org/officeDocument/2006/relationships" xmlns:p="http://schemas.openxmlformats.org/presentationml/2006/main" xmlns:m="http://schemas.openxmlformats.org/officeDocument/2006/math" xmlns:a14="http://schemas.microsoft.com/office/drawing/2010/main" type="tx" showMasterSp="1" showMasterPhAnim="1">
+<p:sldLayout xmlns:a="http://schemas.openxmlformats.org/drawingml/2006/main" xmlns:r="http://schemas.openxmlformats.org/officeDocument/2006/relationships" xmlns:p="http://schemas.openxmlformats.org/presentationml/2006/main" type="tx">
   <p:cSld name="Photo - Horizontale">
     <p:spTree>
       <p:nvGrpSpPr>
@@ -884,7 +972,9 @@
       <p:sp>
         <p:nvSpPr>
           <p:cNvPr id="20" name="Image"/>
-          <p:cNvSpPr/>
+          <p:cNvSpPr>
+            <a:spLocks noGrp="1"/>
+          </p:cNvSpPr>
           <p:nvPr>
             <p:ph type="pic" sz="half" idx="13"/>
           </p:nvPr>
@@ -904,14 +994,16 @@
           </a:bodyPr>
           <a:lstStyle/>
           <a:p>
-            <a:pPr/>
+            <a:endParaRPr/>
           </a:p>
         </p:txBody>
       </p:sp>
       <p:sp>
         <p:nvSpPr>
           <p:cNvPr id="21" name="Title Text"/>
-          <p:cNvSpPr txBox="1"/>
+          <p:cNvSpPr txBox="1">
+            <a:spLocks noGrp="1"/>
+          </p:cNvSpPr>
           <p:nvPr>
             <p:ph type="title"/>
           </p:nvPr>
@@ -929,7 +1021,6 @@
           <a:bodyPr/>
           <a:lstStyle/>
           <a:p>
-            <a:pPr/>
             <a:r>
               <a:t>Title Text</a:t>
             </a:r>
@@ -939,7 +1030,9 @@
       <p:sp>
         <p:nvSpPr>
           <p:cNvPr id="22" name="Body Level One…"/>
-          <p:cNvSpPr txBox="1"/>
+          <p:cNvSpPr txBox="1">
+            <a:spLocks noGrp="1"/>
+          </p:cNvSpPr>
           <p:nvPr>
             <p:ph type="body" sz="quarter" idx="1"/>
           </p:nvPr>
@@ -957,7 +1050,6 @@
           <a:bodyPr/>
           <a:lstStyle/>
           <a:p>
-            <a:pPr/>
             <a:r>
               <a:t>Body Level One</a:t>
             </a:r>
@@ -991,7 +1083,9 @@
       <p:sp>
         <p:nvSpPr>
           <p:cNvPr id="23" name="Slide Number"/>
-          <p:cNvSpPr txBox="1"/>
+          <p:cNvSpPr txBox="1">
+            <a:spLocks noGrp="1"/>
+          </p:cNvSpPr>
           <p:nvPr>
             <p:ph type="sldNum" sz="quarter" idx="2"/>
           </p:nvPr>
@@ -1009,8 +1103,10 @@
           <a:bodyPr/>
           <a:lstStyle/>
           <a:p>
-            <a:pPr/>
-            <a:fld id="{86CB4B4D-7CA3-9044-876B-883B54F8677D}" type="slidenum"/>
+            <a:fld id="{86CB4B4D-7CA3-9044-876B-883B54F8677D}" type="slidenum">
+              <a:t>‹#›</a:t>
+            </a:fld>
+            <a:endParaRPr/>
           </a:p>
         </p:txBody>
       </p:sp>
@@ -1019,12 +1115,12 @@
   <p:clrMapOvr>
     <a:masterClrMapping/>
   </p:clrMapOvr>
-  <p:transition xmlns:p14="http://schemas.microsoft.com/office/powerpoint/2010/main" spd="med" advClick="1"/>
+  <p:transition spd="med"/>
 </p:sldLayout>
 </file>
 
 <file path=ppt/slideLayouts/slideLayout3.xml><?xml version="1.0" encoding="utf-8"?>
-<p:sldLayout xmlns:a="http://schemas.openxmlformats.org/drawingml/2006/main" xmlns:r="http://schemas.openxmlformats.org/officeDocument/2006/relationships" xmlns:p="http://schemas.openxmlformats.org/presentationml/2006/main" xmlns:m="http://schemas.openxmlformats.org/officeDocument/2006/math" xmlns:a14="http://schemas.microsoft.com/office/drawing/2010/main" type="tx" showMasterSp="1" showMasterPhAnim="1">
+<p:sldLayout xmlns:a="http://schemas.openxmlformats.org/drawingml/2006/main" xmlns:r="http://schemas.openxmlformats.org/officeDocument/2006/relationships" xmlns:p="http://schemas.openxmlformats.org/presentationml/2006/main" type="tx">
   <p:cSld name="Titre - Centré">
     <p:spTree>
       <p:nvGrpSpPr>
@@ -1043,7 +1139,9 @@
       <p:sp>
         <p:nvSpPr>
           <p:cNvPr id="30" name="Title Text"/>
-          <p:cNvSpPr txBox="1"/>
+          <p:cNvSpPr txBox="1">
+            <a:spLocks noGrp="1"/>
+          </p:cNvSpPr>
           <p:nvPr>
             <p:ph type="title"/>
           </p:nvPr>
@@ -1061,7 +1159,6 @@
           <a:bodyPr anchor="ctr"/>
           <a:lstStyle/>
           <a:p>
-            <a:pPr/>
             <a:r>
               <a:t>Title Text</a:t>
             </a:r>
@@ -1071,7 +1168,9 @@
       <p:sp>
         <p:nvSpPr>
           <p:cNvPr id="31" name="Slide Number"/>
-          <p:cNvSpPr txBox="1"/>
+          <p:cNvSpPr txBox="1">
+            <a:spLocks noGrp="1"/>
+          </p:cNvSpPr>
           <p:nvPr>
             <p:ph type="sldNum" sz="quarter" idx="2"/>
           </p:nvPr>
@@ -1085,8 +1184,10 @@
           <a:bodyPr/>
           <a:lstStyle/>
           <a:p>
-            <a:pPr/>
-            <a:fld id="{86CB4B4D-7CA3-9044-876B-883B54F8677D}" type="slidenum"/>
+            <a:fld id="{86CB4B4D-7CA3-9044-876B-883B54F8677D}" type="slidenum">
+              <a:t>‹#›</a:t>
+            </a:fld>
+            <a:endParaRPr/>
           </a:p>
         </p:txBody>
       </p:sp>
@@ -1095,12 +1196,12 @@
   <p:clrMapOvr>
     <a:masterClrMapping/>
   </p:clrMapOvr>
-  <p:transition xmlns:p14="http://schemas.microsoft.com/office/powerpoint/2010/main" spd="med" advClick="1"/>
+  <p:transition spd="med"/>
 </p:sldLayout>
 </file>
 
 <file path=ppt/slideLayouts/slideLayout4.xml><?xml version="1.0" encoding="utf-8"?>
-<p:sldLayout xmlns:a="http://schemas.openxmlformats.org/drawingml/2006/main" xmlns:r="http://schemas.openxmlformats.org/officeDocument/2006/relationships" xmlns:p="http://schemas.openxmlformats.org/presentationml/2006/main" xmlns:m="http://schemas.openxmlformats.org/officeDocument/2006/math" xmlns:a14="http://schemas.microsoft.com/office/drawing/2010/main" type="tx" showMasterSp="1" showMasterPhAnim="1">
+<p:sldLayout xmlns:a="http://schemas.openxmlformats.org/drawingml/2006/main" xmlns:r="http://schemas.openxmlformats.org/officeDocument/2006/relationships" xmlns:p="http://schemas.openxmlformats.org/presentationml/2006/main" type="tx">
   <p:cSld name="Photo - Verticale">
     <p:spTree>
       <p:nvGrpSpPr>
@@ -1119,7 +1220,9 @@
       <p:sp>
         <p:nvSpPr>
           <p:cNvPr id="38" name="Image"/>
-          <p:cNvSpPr/>
+          <p:cNvSpPr>
+            <a:spLocks noGrp="1"/>
+          </p:cNvSpPr>
           <p:nvPr>
             <p:ph type="pic" idx="13"/>
           </p:nvPr>
@@ -1139,14 +1242,16 @@
           </a:bodyPr>
           <a:lstStyle/>
           <a:p>
-            <a:pPr/>
+            <a:endParaRPr/>
           </a:p>
         </p:txBody>
       </p:sp>
       <p:sp>
         <p:nvSpPr>
           <p:cNvPr id="39" name="Title Text"/>
-          <p:cNvSpPr txBox="1"/>
+          <p:cNvSpPr txBox="1">
+            <a:spLocks noGrp="1"/>
+          </p:cNvSpPr>
           <p:nvPr>
             <p:ph type="title"/>
           </p:nvPr>
@@ -1168,7 +1273,6 @@
             </a:lvl1pPr>
           </a:lstStyle>
           <a:p>
-            <a:pPr/>
             <a:r>
               <a:t>Title Text</a:t>
             </a:r>
@@ -1178,7 +1282,9 @@
       <p:sp>
         <p:nvSpPr>
           <p:cNvPr id="40" name="Body Level One…"/>
-          <p:cNvSpPr txBox="1"/>
+          <p:cNvSpPr txBox="1">
+            <a:spLocks noGrp="1"/>
+          </p:cNvSpPr>
           <p:nvPr>
             <p:ph type="body" sz="quarter" idx="1"/>
           </p:nvPr>
@@ -1196,7 +1302,6 @@
           <a:bodyPr/>
           <a:lstStyle/>
           <a:p>
-            <a:pPr/>
             <a:r>
               <a:t>Body Level One</a:t>
             </a:r>
@@ -1230,7 +1335,9 @@
       <p:sp>
         <p:nvSpPr>
           <p:cNvPr id="41" name="Slide Number"/>
-          <p:cNvSpPr txBox="1"/>
+          <p:cNvSpPr txBox="1">
+            <a:spLocks noGrp="1"/>
+          </p:cNvSpPr>
           <p:nvPr>
             <p:ph type="sldNum" sz="quarter" idx="2"/>
           </p:nvPr>
@@ -1244,8 +1351,10 @@
           <a:bodyPr/>
           <a:lstStyle/>
           <a:p>
-            <a:pPr/>
-            <a:fld id="{86CB4B4D-7CA3-9044-876B-883B54F8677D}" type="slidenum"/>
+            <a:fld id="{86CB4B4D-7CA3-9044-876B-883B54F8677D}" type="slidenum">
+              <a:t>‹#›</a:t>
+            </a:fld>
+            <a:endParaRPr/>
           </a:p>
         </p:txBody>
       </p:sp>
@@ -1254,12 +1363,12 @@
   <p:clrMapOvr>
     <a:masterClrMapping/>
   </p:clrMapOvr>
-  <p:transition xmlns:p14="http://schemas.microsoft.com/office/powerpoint/2010/main" spd="med" advClick="1"/>
+  <p:transition spd="med"/>
 </p:sldLayout>
 </file>
 
 <file path=ppt/slideLayouts/slideLayout5.xml><?xml version="1.0" encoding="utf-8"?>
-<p:sldLayout xmlns:a="http://schemas.openxmlformats.org/drawingml/2006/main" xmlns:r="http://schemas.openxmlformats.org/officeDocument/2006/relationships" xmlns:p="http://schemas.openxmlformats.org/presentationml/2006/main" xmlns:m="http://schemas.openxmlformats.org/officeDocument/2006/math" xmlns:a14="http://schemas.microsoft.com/office/drawing/2010/main" type="tx" showMasterSp="1" showMasterPhAnim="1">
+<p:sldLayout xmlns:a="http://schemas.openxmlformats.org/drawingml/2006/main" xmlns:r="http://schemas.openxmlformats.org/officeDocument/2006/relationships" xmlns:p="http://schemas.openxmlformats.org/presentationml/2006/main" type="tx">
   <p:cSld name="Titre - Haut">
     <p:spTree>
       <p:nvGrpSpPr>
@@ -1278,7 +1387,9 @@
       <p:sp>
         <p:nvSpPr>
           <p:cNvPr id="48" name="Title Text"/>
-          <p:cNvSpPr txBox="1"/>
+          <p:cNvSpPr txBox="1">
+            <a:spLocks noGrp="1"/>
+          </p:cNvSpPr>
           <p:nvPr>
             <p:ph type="title"/>
           </p:nvPr>
@@ -1296,7 +1407,6 @@
           <a:bodyPr anchor="ctr"/>
           <a:lstStyle/>
           <a:p>
-            <a:pPr/>
             <a:r>
               <a:t>Title Text</a:t>
             </a:r>
@@ -1306,7 +1416,9 @@
       <p:sp>
         <p:nvSpPr>
           <p:cNvPr id="49" name="Slide Number"/>
-          <p:cNvSpPr txBox="1"/>
+          <p:cNvSpPr txBox="1">
+            <a:spLocks noGrp="1"/>
+          </p:cNvSpPr>
           <p:nvPr>
             <p:ph type="sldNum" sz="quarter" idx="2"/>
           </p:nvPr>
@@ -1320,8 +1432,10 @@
           <a:bodyPr/>
           <a:lstStyle/>
           <a:p>
-            <a:pPr/>
-            <a:fld id="{86CB4B4D-7CA3-9044-876B-883B54F8677D}" type="slidenum"/>
+            <a:fld id="{86CB4B4D-7CA3-9044-876B-883B54F8677D}" type="slidenum">
+              <a:t>‹#›</a:t>
+            </a:fld>
+            <a:endParaRPr/>
           </a:p>
         </p:txBody>
       </p:sp>
@@ -1330,12 +1444,12 @@
   <p:clrMapOvr>
     <a:masterClrMapping/>
   </p:clrMapOvr>
-  <p:transition xmlns:p14="http://schemas.microsoft.com/office/powerpoint/2010/main" spd="med" advClick="1"/>
+  <p:transition spd="med"/>
 </p:sldLayout>
 </file>
 
 <file path=ppt/slideLayouts/slideLayout6.xml><?xml version="1.0" encoding="utf-8"?>
-<p:sldLayout xmlns:a="http://schemas.openxmlformats.org/drawingml/2006/main" xmlns:r="http://schemas.openxmlformats.org/officeDocument/2006/relationships" xmlns:p="http://schemas.openxmlformats.org/presentationml/2006/main" xmlns:m="http://schemas.openxmlformats.org/officeDocument/2006/math" xmlns:a14="http://schemas.microsoft.com/office/drawing/2010/main" type="tx" showMasterSp="1" showMasterPhAnim="1">
+<p:sldLayout xmlns:a="http://schemas.openxmlformats.org/drawingml/2006/main" xmlns:r="http://schemas.openxmlformats.org/officeDocument/2006/relationships" xmlns:p="http://schemas.openxmlformats.org/presentationml/2006/main" type="tx">
   <p:cSld name="Titre et puces">
     <p:spTree>
       <p:nvGrpSpPr>
@@ -1354,7 +1468,9 @@
       <p:sp>
         <p:nvSpPr>
           <p:cNvPr id="56" name="Title Text"/>
-          <p:cNvSpPr txBox="1"/>
+          <p:cNvSpPr txBox="1">
+            <a:spLocks noGrp="1"/>
+          </p:cNvSpPr>
           <p:nvPr>
             <p:ph type="title"/>
           </p:nvPr>
@@ -1372,7 +1488,6 @@
           <a:bodyPr anchor="ctr"/>
           <a:lstStyle/>
           <a:p>
-            <a:pPr/>
             <a:r>
               <a:t>Title Text</a:t>
             </a:r>
@@ -1382,7 +1497,9 @@
       <p:sp>
         <p:nvSpPr>
           <p:cNvPr id="57" name="Body Level One…"/>
-          <p:cNvSpPr txBox="1"/>
+          <p:cNvSpPr txBox="1">
+            <a:spLocks noGrp="1"/>
+          </p:cNvSpPr>
           <p:nvPr>
             <p:ph type="body" sz="half" idx="1"/>
           </p:nvPr>
@@ -1441,7 +1558,6 @@
             </a:lvl5pPr>
           </a:lstStyle>
           <a:p>
-            <a:pPr/>
             <a:r>
               <a:t>Body Level One</a:t>
             </a:r>
@@ -1475,7 +1591,9 @@
       <p:sp>
         <p:nvSpPr>
           <p:cNvPr id="58" name="Slide Number"/>
-          <p:cNvSpPr txBox="1"/>
+          <p:cNvSpPr txBox="1">
+            <a:spLocks noGrp="1"/>
+          </p:cNvSpPr>
           <p:nvPr>
             <p:ph type="sldNum" sz="quarter" idx="2"/>
           </p:nvPr>
@@ -1489,8 +1607,10 @@
           <a:bodyPr/>
           <a:lstStyle/>
           <a:p>
-            <a:pPr/>
-            <a:fld id="{86CB4B4D-7CA3-9044-876B-883B54F8677D}" type="slidenum"/>
+            <a:fld id="{86CB4B4D-7CA3-9044-876B-883B54F8677D}" type="slidenum">
+              <a:t>‹#›</a:t>
+            </a:fld>
+            <a:endParaRPr/>
           </a:p>
         </p:txBody>
       </p:sp>
@@ -1499,12 +1619,12 @@
   <p:clrMapOvr>
     <a:masterClrMapping/>
   </p:clrMapOvr>
-  <p:transition xmlns:p14="http://schemas.microsoft.com/office/powerpoint/2010/main" spd="med" advClick="1"/>
+  <p:transition spd="med"/>
 </p:sldLayout>
 </file>
 
 <file path=ppt/slideLayouts/slideLayout7.xml><?xml version="1.0" encoding="utf-8"?>
-<p:sldLayout xmlns:a="http://schemas.openxmlformats.org/drawingml/2006/main" xmlns:r="http://schemas.openxmlformats.org/officeDocument/2006/relationships" xmlns:p="http://schemas.openxmlformats.org/presentationml/2006/main" xmlns:m="http://schemas.openxmlformats.org/officeDocument/2006/math" xmlns:a14="http://schemas.microsoft.com/office/drawing/2010/main" type="tx" showMasterSp="1" showMasterPhAnim="1">
+<p:sldLayout xmlns:a="http://schemas.openxmlformats.org/drawingml/2006/main" xmlns:r="http://schemas.openxmlformats.org/officeDocument/2006/relationships" xmlns:p="http://schemas.openxmlformats.org/presentationml/2006/main" type="tx">
   <p:cSld name="Titre, puces et photo">
     <p:spTree>
       <p:nvGrpSpPr>
@@ -1523,7 +1643,9 @@
       <p:sp>
         <p:nvSpPr>
           <p:cNvPr id="65" name="Image"/>
-          <p:cNvSpPr/>
+          <p:cNvSpPr>
+            <a:spLocks noGrp="1"/>
+          </p:cNvSpPr>
           <p:nvPr>
             <p:ph type="pic" sz="half" idx="13"/>
           </p:nvPr>
@@ -1543,14 +1665,16 @@
           </a:bodyPr>
           <a:lstStyle/>
           <a:p>
-            <a:pPr/>
+            <a:endParaRPr/>
           </a:p>
         </p:txBody>
       </p:sp>
       <p:sp>
         <p:nvSpPr>
           <p:cNvPr id="66" name="Title Text"/>
-          <p:cNvSpPr txBox="1"/>
+          <p:cNvSpPr txBox="1">
+            <a:spLocks noGrp="1"/>
+          </p:cNvSpPr>
           <p:nvPr>
             <p:ph type="title"/>
           </p:nvPr>
@@ -1568,7 +1692,6 @@
           <a:bodyPr anchor="ctr"/>
           <a:lstStyle/>
           <a:p>
-            <a:pPr/>
             <a:r>
               <a:t>Title Text</a:t>
             </a:r>
@@ -1578,7 +1701,9 @@
       <p:sp>
         <p:nvSpPr>
           <p:cNvPr id="67" name="Body Level One…"/>
-          <p:cNvSpPr txBox="1"/>
+          <p:cNvSpPr txBox="1">
+            <a:spLocks noGrp="1"/>
+          </p:cNvSpPr>
           <p:nvPr>
             <p:ph type="body" sz="quarter" idx="1"/>
           </p:nvPr>
@@ -1637,7 +1762,6 @@
             </a:lvl5pPr>
           </a:lstStyle>
           <a:p>
-            <a:pPr/>
             <a:r>
               <a:t>Body Level One</a:t>
             </a:r>
@@ -1671,7 +1795,9 @@
       <p:sp>
         <p:nvSpPr>
           <p:cNvPr id="68" name="Slide Number"/>
-          <p:cNvSpPr txBox="1"/>
+          <p:cNvSpPr txBox="1">
+            <a:spLocks noGrp="1"/>
+          </p:cNvSpPr>
           <p:nvPr>
             <p:ph type="sldNum" sz="quarter" idx="2"/>
           </p:nvPr>
@@ -1685,8 +1811,10 @@
           <a:bodyPr/>
           <a:lstStyle/>
           <a:p>
-            <a:pPr/>
-            <a:fld id="{86CB4B4D-7CA3-9044-876B-883B54F8677D}" type="slidenum"/>
+            <a:fld id="{86CB4B4D-7CA3-9044-876B-883B54F8677D}" type="slidenum">
+              <a:t>‹#›</a:t>
+            </a:fld>
+            <a:endParaRPr/>
           </a:p>
         </p:txBody>
       </p:sp>
@@ -1695,12 +1823,12 @@
   <p:clrMapOvr>
     <a:masterClrMapping/>
   </p:clrMapOvr>
-  <p:transition xmlns:p14="http://schemas.microsoft.com/office/powerpoint/2010/main" spd="med" advClick="1"/>
+  <p:transition spd="med"/>
 </p:sldLayout>
 </file>
 
 <file path=ppt/slideLayouts/slideLayout8.xml><?xml version="1.0" encoding="utf-8"?>
-<p:sldLayout xmlns:a="http://schemas.openxmlformats.org/drawingml/2006/main" xmlns:r="http://schemas.openxmlformats.org/officeDocument/2006/relationships" xmlns:p="http://schemas.openxmlformats.org/presentationml/2006/main" xmlns:m="http://schemas.openxmlformats.org/officeDocument/2006/math" xmlns:a14="http://schemas.microsoft.com/office/drawing/2010/main" type="tx" showMasterSp="1" showMasterPhAnim="1">
+<p:sldLayout xmlns:a="http://schemas.openxmlformats.org/drawingml/2006/main" xmlns:r="http://schemas.openxmlformats.org/officeDocument/2006/relationships" xmlns:p="http://schemas.openxmlformats.org/presentationml/2006/main" type="tx">
   <p:cSld name="Puces">
     <p:spTree>
       <p:nvGrpSpPr>
@@ -1719,7 +1847,9 @@
       <p:sp>
         <p:nvSpPr>
           <p:cNvPr id="75" name="Body Level One…"/>
-          <p:cNvSpPr txBox="1"/>
+          <p:cNvSpPr txBox="1">
+            <a:spLocks noGrp="1"/>
+          </p:cNvSpPr>
           <p:nvPr>
             <p:ph type="body" sz="half" idx="1"/>
           </p:nvPr>
@@ -1778,7 +1908,6 @@
             </a:lvl5pPr>
           </a:lstStyle>
           <a:p>
-            <a:pPr/>
             <a:r>
               <a:t>Body Level One</a:t>
             </a:r>
@@ -1812,7 +1941,9 @@
       <p:sp>
         <p:nvSpPr>
           <p:cNvPr id="76" name="Slide Number"/>
-          <p:cNvSpPr txBox="1"/>
+          <p:cNvSpPr txBox="1">
+            <a:spLocks noGrp="1"/>
+          </p:cNvSpPr>
           <p:nvPr>
             <p:ph type="sldNum" sz="quarter" idx="2"/>
           </p:nvPr>
@@ -1826,8 +1957,10 @@
           <a:bodyPr/>
           <a:lstStyle/>
           <a:p>
-            <a:pPr/>
-            <a:fld id="{86CB4B4D-7CA3-9044-876B-883B54F8677D}" type="slidenum"/>
+            <a:fld id="{86CB4B4D-7CA3-9044-876B-883B54F8677D}" type="slidenum">
+              <a:t>‹#›</a:t>
+            </a:fld>
+            <a:endParaRPr/>
           </a:p>
         </p:txBody>
       </p:sp>
@@ -1836,12 +1969,12 @@
   <p:clrMapOvr>
     <a:masterClrMapping/>
   </p:clrMapOvr>
-  <p:transition xmlns:p14="http://schemas.microsoft.com/office/powerpoint/2010/main" spd="med" advClick="1"/>
+  <p:transition spd="med"/>
 </p:sldLayout>
 </file>
 
 <file path=ppt/slideLayouts/slideLayout9.xml><?xml version="1.0" encoding="utf-8"?>
-<p:sldLayout xmlns:a="http://schemas.openxmlformats.org/drawingml/2006/main" xmlns:r="http://schemas.openxmlformats.org/officeDocument/2006/relationships" xmlns:p="http://schemas.openxmlformats.org/presentationml/2006/main" xmlns:m="http://schemas.openxmlformats.org/officeDocument/2006/math" xmlns:a14="http://schemas.microsoft.com/office/drawing/2010/main" type="tx" showMasterSp="1" showMasterPhAnim="1">
+<p:sldLayout xmlns:a="http://schemas.openxmlformats.org/drawingml/2006/main" xmlns:r="http://schemas.openxmlformats.org/officeDocument/2006/relationships" xmlns:p="http://schemas.openxmlformats.org/presentationml/2006/main" type="tx">
   <p:cSld name="Photo - 3">
     <p:spTree>
       <p:nvGrpSpPr>
@@ -1860,7 +1993,9 @@
       <p:sp>
         <p:nvSpPr>
           <p:cNvPr id="83" name="Image"/>
-          <p:cNvSpPr/>
+          <p:cNvSpPr>
+            <a:spLocks noGrp="1"/>
+          </p:cNvSpPr>
           <p:nvPr>
             <p:ph type="pic" sz="quarter" idx="13"/>
           </p:nvPr>
@@ -1880,14 +2015,16 @@
           </a:bodyPr>
           <a:lstStyle/>
           <a:p>
-            <a:pPr/>
+            <a:endParaRPr/>
           </a:p>
         </p:txBody>
       </p:sp>
       <p:sp>
         <p:nvSpPr>
           <p:cNvPr id="84" name="Image"/>
-          <p:cNvSpPr/>
+          <p:cNvSpPr>
+            <a:spLocks noGrp="1"/>
+          </p:cNvSpPr>
           <p:nvPr>
             <p:ph type="pic" sz="quarter" idx="14"/>
           </p:nvPr>
@@ -1907,14 +2044,16 @@
           </a:bodyPr>
           <a:lstStyle/>
           <a:p>
-            <a:pPr/>
+            <a:endParaRPr/>
           </a:p>
         </p:txBody>
       </p:sp>
       <p:sp>
         <p:nvSpPr>
           <p:cNvPr id="85" name="Image"/>
-          <p:cNvSpPr/>
+          <p:cNvSpPr>
+            <a:spLocks noGrp="1"/>
+          </p:cNvSpPr>
           <p:nvPr>
             <p:ph type="pic" idx="15"/>
           </p:nvPr>
@@ -1934,14 +2073,16 @@
           </a:bodyPr>
           <a:lstStyle/>
           <a:p>
-            <a:pPr/>
+            <a:endParaRPr/>
           </a:p>
         </p:txBody>
       </p:sp>
       <p:sp>
         <p:nvSpPr>
           <p:cNvPr id="86" name="Slide Number"/>
-          <p:cNvSpPr txBox="1"/>
+          <p:cNvSpPr txBox="1">
+            <a:spLocks noGrp="1"/>
+          </p:cNvSpPr>
           <p:nvPr>
             <p:ph type="sldNum" sz="quarter" idx="2"/>
           </p:nvPr>
@@ -1955,8 +2096,10 @@
           <a:bodyPr/>
           <a:lstStyle/>
           <a:p>
-            <a:pPr/>
-            <a:fld id="{86CB4B4D-7CA3-9044-876B-883B54F8677D}" type="slidenum"/>
+            <a:fld id="{86CB4B4D-7CA3-9044-876B-883B54F8677D}" type="slidenum">
+              <a:t>‹#›</a:t>
+            </a:fld>
+            <a:endParaRPr/>
           </a:p>
         </p:txBody>
       </p:sp>
@@ -1965,18 +2108,19 @@
   <p:clrMapOvr>
     <a:masterClrMapping/>
   </p:clrMapOvr>
-  <p:transition xmlns:p14="http://schemas.microsoft.com/office/powerpoint/2010/main" spd="med" advClick="1"/>
+  <p:transition spd="med"/>
 </p:sldLayout>
 </file>
 
 <file path=ppt/slideMasters/slideMaster1.xml><?xml version="1.0" encoding="utf-8"?>
-<p:sldMaster xmlns:a="http://schemas.openxmlformats.org/drawingml/2006/main" xmlns:r="http://schemas.openxmlformats.org/officeDocument/2006/relationships" xmlns:p="http://schemas.openxmlformats.org/presentationml/2006/main" xmlns:m="http://schemas.openxmlformats.org/officeDocument/2006/math" xmlns:a14="http://schemas.microsoft.com/office/drawing/2010/main">
+<p:sldMaster xmlns:a="http://schemas.openxmlformats.org/drawingml/2006/main" xmlns:r="http://schemas.openxmlformats.org/officeDocument/2006/relationships" xmlns:p="http://schemas.openxmlformats.org/presentationml/2006/main">
   <p:cSld>
     <p:bg>
       <p:bgPr>
         <a:solidFill>
           <a:srgbClr val="FFFFFF"/>
         </a:solidFill>
+        <a:effectLst/>
       </p:bgPr>
     </p:bg>
     <p:spTree>
@@ -1996,7 +2140,9 @@
       <p:sp>
         <p:nvSpPr>
           <p:cNvPr id="2" name="Title Text"/>
-          <p:cNvSpPr txBox="1"/>
+          <p:cNvSpPr txBox="1">
+            <a:spLocks noGrp="1"/>
+          </p:cNvSpPr>
           <p:nvPr>
             <p:ph type="title"/>
           </p:nvPr>
@@ -2014,17 +2160,16 @@
           </a:ln>
           <a:extLst>
             <a:ext uri="{C572A759-6A51-4108-AA02-DFA0A04FC94B}">
-              <ma14:wrappingTextBoxFlag xmlns:ma14="http://schemas.microsoft.com/office/mac/drawingml/2011/main" val="1"/>
+              <ma14:wrappingTextBoxFlag xmlns:ma14="http://schemas.microsoft.com/office/mac/drawingml/2011/main" xmlns:a14="http://schemas.microsoft.com/office/drawing/2010/main" xmlns:m="http://schemas.openxmlformats.org/officeDocument/2006/math" xmlns="" val="1"/>
             </a:ext>
           </a:extLst>
         </p:spPr>
         <p:txBody>
           <a:bodyPr lIns="38100" tIns="38100" rIns="38100" bIns="38100" anchor="b">
-            <a:normAutofit fontScale="100000" lnSpcReduction="0"/>
+            <a:normAutofit/>
           </a:bodyPr>
           <a:lstStyle/>
           <a:p>
-            <a:pPr/>
             <a:r>
               <a:t>Title Text</a:t>
             </a:r>
@@ -2034,7 +2179,9 @@
       <p:sp>
         <p:nvSpPr>
           <p:cNvPr id="3" name="Body Level One…"/>
-          <p:cNvSpPr txBox="1"/>
+          <p:cNvSpPr txBox="1">
+            <a:spLocks noGrp="1"/>
+          </p:cNvSpPr>
           <p:nvPr>
             <p:ph type="body" idx="1"/>
           </p:nvPr>
@@ -2052,17 +2199,16 @@
           </a:ln>
           <a:extLst>
             <a:ext uri="{C572A759-6A51-4108-AA02-DFA0A04FC94B}">
-              <ma14:wrappingTextBoxFlag xmlns:ma14="http://schemas.microsoft.com/office/mac/drawingml/2011/main" val="1"/>
+              <ma14:wrappingTextBoxFlag xmlns:ma14="http://schemas.microsoft.com/office/mac/drawingml/2011/main" xmlns:a14="http://schemas.microsoft.com/office/drawing/2010/main" xmlns:m="http://schemas.openxmlformats.org/officeDocument/2006/math" xmlns="" val="1"/>
             </a:ext>
           </a:extLst>
         </p:spPr>
         <p:txBody>
           <a:bodyPr lIns="38100" tIns="38100" rIns="38100" bIns="38100">
-            <a:normAutofit fontScale="100000" lnSpcReduction="0"/>
+            <a:normAutofit/>
           </a:bodyPr>
           <a:lstStyle/>
           <a:p>
-            <a:pPr/>
             <a:r>
               <a:t>Body Level One</a:t>
             </a:r>
@@ -2096,7 +2242,9 @@
       <p:sp>
         <p:nvSpPr>
           <p:cNvPr id="4" name="Slide Number"/>
-          <p:cNvSpPr txBox="1"/>
+          <p:cNvSpPr txBox="1">
+            <a:spLocks noGrp="1"/>
+          </p:cNvSpPr>
           <p:nvPr>
             <p:ph type="sldNum" sz="quarter" idx="2"/>
           </p:nvPr>
@@ -2131,8 +2279,10 @@
             </a:lvl1pPr>
           </a:lstStyle>
           <a:p>
-            <a:pPr/>
-            <a:fld id="{86CB4B4D-7CA3-9044-876B-883B54F8677D}" type="slidenum"/>
+            <a:fld id="{86CB4B4D-7CA3-9044-876B-883B54F8677D}" type="slidenum">
+              <a:t>‹#›</a:t>
+            </a:fld>
+            <a:endParaRPr/>
           </a:p>
         </p:txBody>
       </p:sp>
@@ -2140,20 +2290,20 @@
   </p:cSld>
   <p:clrMap bg1="lt1" tx1="dk1" bg2="lt2" tx2="dk2" accent1="accent1" accent2="accent2" accent3="accent3" accent4="accent4" accent5="accent5" accent6="accent6" hlink="hlink" folHlink="folHlink"/>
   <p:sldLayoutIdLst>
-    <p:sldLayoutId id="2147483649" r:id="rId2"/>
-    <p:sldLayoutId id="2147483650" r:id="rId3"/>
-    <p:sldLayoutId id="2147483651" r:id="rId4"/>
-    <p:sldLayoutId id="2147483652" r:id="rId5"/>
-    <p:sldLayoutId id="2147483653" r:id="rId6"/>
-    <p:sldLayoutId id="2147483654" r:id="rId7"/>
-    <p:sldLayoutId id="2147483655" r:id="rId8"/>
-    <p:sldLayoutId id="2147483656" r:id="rId9"/>
-    <p:sldLayoutId id="2147483657" r:id="rId10"/>
-    <p:sldLayoutId id="2147483658" r:id="rId11"/>
-    <p:sldLayoutId id="2147483659" r:id="rId12"/>
-    <p:sldLayoutId id="2147483660" r:id="rId13"/>
+    <p:sldLayoutId id="2147483649" r:id="rId1"/>
+    <p:sldLayoutId id="2147483650" r:id="rId2"/>
+    <p:sldLayoutId id="2147483651" r:id="rId3"/>
+    <p:sldLayoutId id="2147483652" r:id="rId4"/>
+    <p:sldLayoutId id="2147483653" r:id="rId5"/>
+    <p:sldLayoutId id="2147483654" r:id="rId6"/>
+    <p:sldLayoutId id="2147483655" r:id="rId7"/>
+    <p:sldLayoutId id="2147483656" r:id="rId8"/>
+    <p:sldLayoutId id="2147483657" r:id="rId9"/>
+    <p:sldLayoutId id="2147483658" r:id="rId10"/>
+    <p:sldLayoutId id="2147483659" r:id="rId11"/>
+    <p:sldLayoutId id="2147483660" r:id="rId12"/>
   </p:sldLayoutIdLst>
-  <p:transition xmlns:p14="http://schemas.microsoft.com/office/powerpoint/2010/main" spd="med" advClick="1"/>
+  <p:transition spd="med"/>
   <p:txStyles>
     <p:titleStyle>
       <a:lvl1pPr marL="0" marR="0" indent="0" algn="ctr" defTabSz="584200" rtl="0" latinLnBrk="0">
@@ -2171,7 +2321,7 @@
         <a:buFontTx/>
         <a:buNone/>
         <a:tabLst/>
-        <a:defRPr b="0" baseline="0" cap="none" i="0" spc="0" strike="noStrike" sz="7800" u="none">
+        <a:defRPr sz="7800" b="0" i="0" u="none" strike="noStrike" cap="none" spc="0" baseline="0">
           <a:solidFill>
             <a:srgbClr val="000000"/>
           </a:solidFill>
@@ -2197,7 +2347,7 @@
         <a:buFontTx/>
         <a:buNone/>
         <a:tabLst/>
-        <a:defRPr b="0" baseline="0" cap="none" i="0" spc="0" strike="noStrike" sz="7800" u="none">
+        <a:defRPr sz="7800" b="0" i="0" u="none" strike="noStrike" cap="none" spc="0" baseline="0">
           <a:solidFill>
             <a:srgbClr val="000000"/>
           </a:solidFill>
@@ -2223,7 +2373,7 @@
         <a:buFontTx/>
         <a:buNone/>
         <a:tabLst/>
-        <a:defRPr b="0" baseline="0" cap="none" i="0" spc="0" strike="noStrike" sz="7800" u="none">
+        <a:defRPr sz="7800" b="0" i="0" u="none" strike="noStrike" cap="none" spc="0" baseline="0">
           <a:solidFill>
             <a:srgbClr val="000000"/>
           </a:solidFill>
@@ -2249,7 +2399,7 @@
         <a:buFontTx/>
         <a:buNone/>
         <a:tabLst/>
-        <a:defRPr b="0" baseline="0" cap="none" i="0" spc="0" strike="noStrike" sz="7800" u="none">
+        <a:defRPr sz="7800" b="0" i="0" u="none" strike="noStrike" cap="none" spc="0" baseline="0">
           <a:solidFill>
             <a:srgbClr val="000000"/>
           </a:solidFill>
@@ -2275,7 +2425,7 @@
         <a:buFontTx/>
         <a:buNone/>
         <a:tabLst/>
-        <a:defRPr b="0" baseline="0" cap="none" i="0" spc="0" strike="noStrike" sz="7800" u="none">
+        <a:defRPr sz="7800" b="0" i="0" u="none" strike="noStrike" cap="none" spc="0" baseline="0">
           <a:solidFill>
             <a:srgbClr val="000000"/>
           </a:solidFill>
@@ -2301,7 +2451,7 @@
         <a:buFontTx/>
         <a:buNone/>
         <a:tabLst/>
-        <a:defRPr b="0" baseline="0" cap="none" i="0" spc="0" strike="noStrike" sz="7800" u="none">
+        <a:defRPr sz="7800" b="0" i="0" u="none" strike="noStrike" cap="none" spc="0" baseline="0">
           <a:solidFill>
             <a:srgbClr val="000000"/>
           </a:solidFill>
@@ -2327,7 +2477,7 @@
         <a:buFontTx/>
         <a:buNone/>
         <a:tabLst/>
-        <a:defRPr b="0" baseline="0" cap="none" i="0" spc="0" strike="noStrike" sz="7800" u="none">
+        <a:defRPr sz="7800" b="0" i="0" u="none" strike="noStrike" cap="none" spc="0" baseline="0">
           <a:solidFill>
             <a:srgbClr val="000000"/>
           </a:solidFill>
@@ -2353,7 +2503,7 @@
         <a:buFontTx/>
         <a:buNone/>
         <a:tabLst/>
-        <a:defRPr b="0" baseline="0" cap="none" i="0" spc="0" strike="noStrike" sz="7800" u="none">
+        <a:defRPr sz="7800" b="0" i="0" u="none" strike="noStrike" cap="none" spc="0" baseline="0">
           <a:solidFill>
             <a:srgbClr val="000000"/>
           </a:solidFill>
@@ -2379,7 +2529,7 @@
         <a:buFontTx/>
         <a:buNone/>
         <a:tabLst/>
-        <a:defRPr b="0" baseline="0" cap="none" i="0" spc="0" strike="noStrike" sz="7800" u="none">
+        <a:defRPr sz="7800" b="0" i="0" u="none" strike="noStrike" cap="none" spc="0" baseline="0">
           <a:solidFill>
             <a:srgbClr val="000000"/>
           </a:solidFill>
@@ -2407,7 +2557,7 @@
         <a:buFontTx/>
         <a:buNone/>
         <a:tabLst/>
-        <a:defRPr b="0" baseline="0" cap="none" i="0" spc="0" strike="noStrike" sz="3000" u="none">
+        <a:defRPr sz="3000" b="0" i="0" u="none" strike="noStrike" cap="none" spc="0" baseline="0">
           <a:solidFill>
             <a:srgbClr val="000000"/>
           </a:solidFill>
@@ -2433,7 +2583,7 @@
         <a:buFontTx/>
         <a:buNone/>
         <a:tabLst/>
-        <a:defRPr b="0" baseline="0" cap="none" i="0" spc="0" strike="noStrike" sz="3000" u="none">
+        <a:defRPr sz="3000" b="0" i="0" u="none" strike="noStrike" cap="none" spc="0" baseline="0">
           <a:solidFill>
             <a:srgbClr val="000000"/>
           </a:solidFill>
@@ -2459,7 +2609,7 @@
         <a:buFontTx/>
         <a:buNone/>
         <a:tabLst/>
-        <a:defRPr b="0" baseline="0" cap="none" i="0" spc="0" strike="noStrike" sz="3000" u="none">
+        <a:defRPr sz="3000" b="0" i="0" u="none" strike="noStrike" cap="none" spc="0" baseline="0">
           <a:solidFill>
             <a:srgbClr val="000000"/>
           </a:solidFill>
@@ -2485,7 +2635,7 @@
         <a:buFontTx/>
         <a:buNone/>
         <a:tabLst/>
-        <a:defRPr b="0" baseline="0" cap="none" i="0" spc="0" strike="noStrike" sz="3000" u="none">
+        <a:defRPr sz="3000" b="0" i="0" u="none" strike="noStrike" cap="none" spc="0" baseline="0">
           <a:solidFill>
             <a:srgbClr val="000000"/>
           </a:solidFill>
@@ -2511,7 +2661,7 @@
         <a:buFontTx/>
         <a:buNone/>
         <a:tabLst/>
-        <a:defRPr b="0" baseline="0" cap="none" i="0" spc="0" strike="noStrike" sz="3000" u="none">
+        <a:defRPr sz="3000" b="0" i="0" u="none" strike="noStrike" cap="none" spc="0" baseline="0">
           <a:solidFill>
             <a:srgbClr val="000000"/>
           </a:solidFill>
@@ -2537,7 +2687,7 @@
         <a:buFontTx/>
         <a:buNone/>
         <a:tabLst/>
-        <a:defRPr b="0" baseline="0" cap="none" i="0" spc="0" strike="noStrike" sz="3000" u="none">
+        <a:defRPr sz="3000" b="0" i="0" u="none" strike="noStrike" cap="none" spc="0" baseline="0">
           <a:solidFill>
             <a:srgbClr val="000000"/>
           </a:solidFill>
@@ -2563,7 +2713,7 @@
         <a:buFontTx/>
         <a:buNone/>
         <a:tabLst/>
-        <a:defRPr b="0" baseline="0" cap="none" i="0" spc="0" strike="noStrike" sz="3000" u="none">
+        <a:defRPr sz="3000" b="0" i="0" u="none" strike="noStrike" cap="none" spc="0" baseline="0">
           <a:solidFill>
             <a:srgbClr val="000000"/>
           </a:solidFill>
@@ -2589,7 +2739,7 @@
         <a:buFontTx/>
         <a:buNone/>
         <a:tabLst/>
-        <a:defRPr b="0" baseline="0" cap="none" i="0" spc="0" strike="noStrike" sz="3000" u="none">
+        <a:defRPr sz="3000" b="0" i="0" u="none" strike="noStrike" cap="none" spc="0" baseline="0">
           <a:solidFill>
             <a:srgbClr val="000000"/>
           </a:solidFill>
@@ -2615,7 +2765,7 @@
         <a:buFontTx/>
         <a:buNone/>
         <a:tabLst/>
-        <a:defRPr b="0" baseline="0" cap="none" i="0" spc="0" strike="noStrike" sz="3000" u="none">
+        <a:defRPr sz="3000" b="0" i="0" u="none" strike="noStrike" cap="none" spc="0" baseline="0">
           <a:solidFill>
             <a:srgbClr val="000000"/>
           </a:solidFill>
@@ -2643,7 +2793,7 @@
         <a:buFontTx/>
         <a:buNone/>
         <a:tabLst/>
-        <a:defRPr b="0" baseline="0" cap="none" i="0" spc="0" strike="noStrike" sz="1600" u="none">
+        <a:defRPr sz="1600" b="0" i="0" u="none" strike="noStrike" cap="none" spc="0" baseline="0">
           <a:solidFill>
             <a:schemeClr val="tx1"/>
           </a:solidFill>
@@ -2669,7 +2819,7 @@
         <a:buFontTx/>
         <a:buNone/>
         <a:tabLst/>
-        <a:defRPr b="0" baseline="0" cap="none" i="0" spc="0" strike="noStrike" sz="1600" u="none">
+        <a:defRPr sz="1600" b="0" i="0" u="none" strike="noStrike" cap="none" spc="0" baseline="0">
           <a:solidFill>
             <a:schemeClr val="tx1"/>
           </a:solidFill>
@@ -2695,7 +2845,7 @@
         <a:buFontTx/>
         <a:buNone/>
         <a:tabLst/>
-        <a:defRPr b="0" baseline="0" cap="none" i="0" spc="0" strike="noStrike" sz="1600" u="none">
+        <a:defRPr sz="1600" b="0" i="0" u="none" strike="noStrike" cap="none" spc="0" baseline="0">
           <a:solidFill>
             <a:schemeClr val="tx1"/>
           </a:solidFill>
@@ -2721,7 +2871,7 @@
         <a:buFontTx/>
         <a:buNone/>
         <a:tabLst/>
-        <a:defRPr b="0" baseline="0" cap="none" i="0" spc="0" strike="noStrike" sz="1600" u="none">
+        <a:defRPr sz="1600" b="0" i="0" u="none" strike="noStrike" cap="none" spc="0" baseline="0">
           <a:solidFill>
             <a:schemeClr val="tx1"/>
           </a:solidFill>
@@ -2747,7 +2897,7 @@
         <a:buFontTx/>
         <a:buNone/>
         <a:tabLst/>
-        <a:defRPr b="0" baseline="0" cap="none" i="0" spc="0" strike="noStrike" sz="1600" u="none">
+        <a:defRPr sz="1600" b="0" i="0" u="none" strike="noStrike" cap="none" spc="0" baseline="0">
           <a:solidFill>
             <a:schemeClr val="tx1"/>
           </a:solidFill>
@@ -2773,7 +2923,7 @@
         <a:buFontTx/>
         <a:buNone/>
         <a:tabLst/>
-        <a:defRPr b="0" baseline="0" cap="none" i="0" spc="0" strike="noStrike" sz="1600" u="none">
+        <a:defRPr sz="1600" b="0" i="0" u="none" strike="noStrike" cap="none" spc="0" baseline="0">
           <a:solidFill>
             <a:schemeClr val="tx1"/>
           </a:solidFill>
@@ -2799,7 +2949,7 @@
         <a:buFontTx/>
         <a:buNone/>
         <a:tabLst/>
-        <a:defRPr b="0" baseline="0" cap="none" i="0" spc="0" strike="noStrike" sz="1600" u="none">
+        <a:defRPr sz="1600" b="0" i="0" u="none" strike="noStrike" cap="none" spc="0" baseline="0">
           <a:solidFill>
             <a:schemeClr val="tx1"/>
           </a:solidFill>
@@ -2825,7 +2975,7 @@
         <a:buFontTx/>
         <a:buNone/>
         <a:tabLst/>
-        <a:defRPr b="0" baseline="0" cap="none" i="0" spc="0" strike="noStrike" sz="1600" u="none">
+        <a:defRPr sz="1600" b="0" i="0" u="none" strike="noStrike" cap="none" spc="0" baseline="0">
           <a:solidFill>
             <a:schemeClr val="tx1"/>
           </a:solidFill>
@@ -2851,7 +3001,7 @@
         <a:buFontTx/>
         <a:buNone/>
         <a:tabLst/>
-        <a:defRPr b="0" baseline="0" cap="none" i="0" spc="0" strike="noStrike" sz="1600" u="none">
+        <a:defRPr sz="1600" b="0" i="0" u="none" strike="noStrike" cap="none" spc="0" baseline="0">
           <a:solidFill>
             <a:schemeClr val="tx1"/>
           </a:solidFill>
@@ -2868,7 +3018,7 @@
 </file>
 
 <file path=ppt/slides/slide1.xml><?xml version="1.0" encoding="utf-8"?>
-<p:sld xmlns:a="http://schemas.openxmlformats.org/drawingml/2006/main" xmlns:r="http://schemas.openxmlformats.org/officeDocument/2006/relationships" xmlns:p="http://schemas.openxmlformats.org/presentationml/2006/main" xmlns:m="http://schemas.openxmlformats.org/officeDocument/2006/math" xmlns:a14="http://schemas.microsoft.com/office/drawing/2010/main" showMasterSp="1" showMasterPhAnim="1">
+<p:sld xmlns:a="http://schemas.openxmlformats.org/drawingml/2006/main" xmlns:r="http://schemas.openxmlformats.org/officeDocument/2006/relationships" xmlns:p="http://schemas.openxmlformats.org/presentationml/2006/main">
   <p:cSld>
     <p:spTree>
       <p:nvGrpSpPr>
@@ -2903,7 +3053,7 @@
           </a:ln>
           <a:extLst>
             <a:ext uri="{C572A759-6A51-4108-AA02-DFA0A04FC94B}">
-              <ma14:wrappingTextBoxFlag xmlns:ma14="http://schemas.microsoft.com/office/mac/drawingml/2011/main" val="1"/>
+              <ma14:wrappingTextBoxFlag xmlns:ma14="http://schemas.microsoft.com/office/mac/drawingml/2011/main" xmlns:a14="http://schemas.microsoft.com/office/drawing/2010/main" xmlns:m="http://schemas.openxmlformats.org/officeDocument/2006/math" xmlns="" val="1"/>
             </a:ext>
           </a:extLst>
         </p:spPr>
@@ -2914,7 +3064,7 @@
           <a:lstStyle/>
           <a:p>
             <a:pPr>
-              <a:defRPr b="1" sz="8700">
+              <a:defRPr sz="8700" b="1">
                 <a:solidFill>
                   <a:srgbClr val="000000"/>
                 </a:solidFill>
@@ -2930,7 +3080,7 @@
           </a:p>
           <a:p>
             <a:pPr>
-              <a:defRPr b="1" sz="8700">
+              <a:defRPr sz="8700" b="1">
                 <a:solidFill>
                   <a:srgbClr val="000000"/>
                 </a:solidFill>
@@ -2946,7 +3096,7 @@
           </a:p>
           <a:p>
             <a:pPr>
-              <a:defRPr b="1" sz="8700">
+              <a:defRPr sz="8700" b="1">
                 <a:solidFill>
                   <a:srgbClr val="000000"/>
                 </a:solidFill>
@@ -2962,7 +3112,7 @@
           </a:p>
           <a:p>
             <a:pPr>
-              <a:defRPr b="1" sz="7900">
+              <a:defRPr sz="7900" b="1">
                 <a:solidFill>
                   <a:srgbClr val="FFFFFF"/>
                 </a:solidFill>
@@ -2972,10 +3122,11 @@
                 <a:sym typeface="Circular Std"/>
               </a:defRPr>
             </a:pPr>
+            <a:endParaRPr/>
           </a:p>
           <a:p>
             <a:pPr>
-              <a:defRPr b="1" sz="6200">
+              <a:defRPr sz="6200" b="1">
                 <a:solidFill>
                   <a:srgbClr val="000000"/>
                 </a:solidFill>
@@ -3000,9 +3151,7 @@
           <p:nvPr/>
         </p:nvPicPr>
         <p:blipFill>
-          <a:blip r:embed="rId2">
-            <a:extLst/>
-          </a:blip>
+          <a:blip r:embed="rId2"/>
           <a:stretch>
             <a:fillRect/>
           </a:stretch>
@@ -3029,9 +3178,7 @@
           <p:nvPr/>
         </p:nvPicPr>
         <p:blipFill>
-          <a:blip r:embed="rId3">
-            <a:extLst/>
-          </a:blip>
+          <a:blip r:embed="rId3"/>
           <a:stretch>
             <a:fillRect/>
           </a:stretch>
@@ -3054,12 +3201,12 @@
   <p:clrMapOvr>
     <a:masterClrMapping/>
   </p:clrMapOvr>
-  <p:transition xmlns:p14="http://schemas.microsoft.com/office/powerpoint/2010/main" spd="med" advClick="1"/>
+  <p:transition spd="med"/>
 </p:sld>
 </file>
 
 <file path=ppt/slides/slide10.xml><?xml version="1.0" encoding="utf-8"?>
-<p:sld xmlns:a="http://schemas.openxmlformats.org/drawingml/2006/main" xmlns:r="http://schemas.openxmlformats.org/officeDocument/2006/relationships" xmlns:p="http://schemas.openxmlformats.org/presentationml/2006/main" xmlns:m="http://schemas.openxmlformats.org/officeDocument/2006/math" xmlns:a14="http://schemas.microsoft.com/office/drawing/2010/main" showMasterSp="1" showMasterPhAnim="1">
+<p:sld xmlns:a="http://schemas.openxmlformats.org/drawingml/2006/main" xmlns:r="http://schemas.openxmlformats.org/officeDocument/2006/relationships" xmlns:p="http://schemas.openxmlformats.org/presentationml/2006/main">
   <p:cSld>
     <p:spTree>
       <p:nvGrpSpPr>
@@ -3111,7 +3258,7 @@
             <a:effectLst/>
             <a:extLst>
               <a:ext uri="{C572A759-6A51-4108-AA02-DFA0A04FC94B}">
-                <ma14:wrappingTextBoxFlag xmlns:ma14="http://schemas.microsoft.com/office/mac/drawingml/2011/main" val="1"/>
+                <ma14:wrappingTextBoxFlag xmlns:ma14="http://schemas.microsoft.com/office/mac/drawingml/2011/main" xmlns:a14="http://schemas.microsoft.com/office/drawing/2010/main" xmlns:m="http://schemas.openxmlformats.org/officeDocument/2006/math" xmlns="" val="1"/>
               </a:ext>
             </a:extLst>
           </p:spPr>
@@ -3133,7 +3280,6 @@
               </a:lvl1pPr>
             </a:lstStyle>
             <a:p>
-              <a:pPr/>
               <a:r>
                 <a:t>Thank</a:t>
               </a:r>
@@ -3166,7 +3312,7 @@
             <a:effectLst/>
             <a:extLst>
               <a:ext uri="{C572A759-6A51-4108-AA02-DFA0A04FC94B}">
-                <ma14:wrappingTextBoxFlag xmlns:ma14="http://schemas.microsoft.com/office/mac/drawingml/2011/main" val="1"/>
+                <ma14:wrappingTextBoxFlag xmlns:ma14="http://schemas.microsoft.com/office/mac/drawingml/2011/main" xmlns:a14="http://schemas.microsoft.com/office/drawing/2010/main" xmlns:m="http://schemas.openxmlformats.org/officeDocument/2006/math" xmlns="" val="1"/>
               </a:ext>
             </a:extLst>
           </p:spPr>
@@ -3188,7 +3334,6 @@
               </a:lvl1pPr>
             </a:lstStyle>
             <a:p>
-              <a:pPr/>
               <a:r>
                 <a:t>you.</a:t>
               </a:r>
@@ -3205,9 +3350,7 @@
           <p:nvPr/>
         </p:nvPicPr>
         <p:blipFill>
-          <a:blip r:embed="rId2">
-            <a:extLst/>
-          </a:blip>
+          <a:blip r:embed="rId2"/>
           <a:stretch>
             <a:fillRect/>
           </a:stretch>
@@ -3230,12 +3373,12 @@
   <p:clrMapOvr>
     <a:masterClrMapping/>
   </p:clrMapOvr>
-  <p:transition xmlns:p14="http://schemas.microsoft.com/office/powerpoint/2010/main" spd="med" advClick="1"/>
+  <p:transition spd="med"/>
 </p:sld>
 </file>
 
 <file path=ppt/slides/slide2.xml><?xml version="1.0" encoding="utf-8"?>
-<p:sld xmlns:a="http://schemas.openxmlformats.org/drawingml/2006/main" xmlns:r="http://schemas.openxmlformats.org/officeDocument/2006/relationships" xmlns:p="http://schemas.openxmlformats.org/presentationml/2006/main" xmlns:m="http://schemas.openxmlformats.org/officeDocument/2006/math" xmlns:a14="http://schemas.microsoft.com/office/drawing/2010/main" showMasterSp="1" showMasterPhAnim="1">
+<p:sld xmlns:a="http://schemas.openxmlformats.org/drawingml/2006/main" xmlns:r="http://schemas.openxmlformats.org/officeDocument/2006/relationships" xmlns:p="http://schemas.openxmlformats.org/presentationml/2006/main">
   <p:cSld>
     <p:spTree>
       <p:nvGrpSpPr>
@@ -3270,7 +3413,7 @@
           </a:ln>
           <a:extLst>
             <a:ext uri="{C572A759-6A51-4108-AA02-DFA0A04FC94B}">
-              <ma14:wrappingTextBoxFlag xmlns:ma14="http://schemas.microsoft.com/office/mac/drawingml/2011/main" val="1"/>
+              <ma14:wrappingTextBoxFlag xmlns:ma14="http://schemas.microsoft.com/office/mac/drawingml/2011/main" xmlns:a14="http://schemas.microsoft.com/office/drawing/2010/main" xmlns:m="http://schemas.openxmlformats.org/officeDocument/2006/math" xmlns="" val="1"/>
             </a:ext>
           </a:extLst>
         </p:spPr>
@@ -3292,7 +3435,7 @@
               </a:defRPr>
             </a:pPr>
             <a:r>
-              <a:rPr b="1">
+              <a:rPr b="1" dirty="0">
                 <a:solidFill>
                   <a:srgbClr val="FA1116"/>
                 </a:solidFill>
@@ -3300,7 +3443,7 @@
               <a:t>hashes</a:t>
             </a:r>
             <a:r>
-              <a:rPr sz="3600">
+              <a:rPr sz="3600" dirty="0">
                 <a:solidFill>
                   <a:srgbClr val="000000"/>
                 </a:solidFill>
@@ -3308,6 +3451,7 @@
               <a:t> </a:t>
             </a:r>
             <a:r>
+              <a:rPr dirty="0"/>
               <a:t>are a type of Ruby collection of key-value pairs, where unique keys are associated with some values</a:t>
             </a:r>
           </a:p>
@@ -3323,6 +3467,7 @@
                 <a:sym typeface="Helvetica"/>
               </a:defRPr>
             </a:pPr>
+            <a:endParaRPr dirty="0"/>
           </a:p>
           <a:p>
             <a:pPr algn="l" defTabSz="457200">
@@ -3337,7 +3482,7 @@
               </a:defRPr>
             </a:pPr>
             <a:r>
-              <a:rPr b="1">
+              <a:rPr b="1" dirty="0">
                 <a:solidFill>
                   <a:srgbClr val="FA1116"/>
                 </a:solidFill>
@@ -3345,9 +3490,10 @@
               <a:t>keys</a:t>
             </a:r>
             <a:r>
+              <a:rPr dirty="0"/>
               <a:t> must be unique, but values can be repeated</a:t>
             </a:r>
-            <a:endParaRPr sz="3600">
+            <a:endParaRPr sz="3600" dirty="0">
               <a:solidFill>
                 <a:srgbClr val="000000"/>
               </a:solidFill>
@@ -3368,7 +3514,7 @@
                 <a:sym typeface="Helvetica"/>
               </a:defRPr>
             </a:pPr>
-            <a:endParaRPr sz="3600">
+            <a:endParaRPr sz="3600" dirty="0">
               <a:solidFill>
                 <a:srgbClr val="000000"/>
               </a:solidFill>
@@ -3405,7 +3551,7 @@
               </a:defRPr>
             </a:pPr>
             <a:r>
-              <a:rPr sz="3600">
+              <a:rPr sz="3600" dirty="0">
                 <a:solidFill>
                   <a:srgbClr val="000000"/>
                 </a:solidFill>
@@ -3413,7 +3559,7 @@
               <a:t>                    </a:t>
             </a:r>
             <a:r>
-              <a:rPr sz="3100">
+              <a:rPr sz="3100" dirty="0">
                 <a:solidFill>
                   <a:schemeClr val="accent1">
                     <a:hueOff val="273561"/>
@@ -3428,19 +3574,6 @@
               </a:rPr>
               <a:t>       breakfast = { </a:t>
             </a:r>
-            <a:endParaRPr sz="3100">
-              <a:solidFill>
-                <a:schemeClr val="accent1">
-                  <a:hueOff val="273561"/>
-                  <a:satOff val="2937"/>
-                  <a:lumOff val="-22233"/>
-                </a:schemeClr>
-              </a:solidFill>
-              <a:latin typeface="Consolas"/>
-              <a:ea typeface="Consolas"/>
-              <a:cs typeface="Consolas"/>
-              <a:sym typeface="Consolas"/>
-            </a:endParaRPr>
           </a:p>
           <a:p>
             <a:pPr algn="l" defTabSz="457200">
@@ -3477,6 +3610,7 @@
               </a:defRPr>
             </a:pPr>
             <a:r>
+              <a:rPr dirty="0"/>
               <a:t>                     "bacon" =&gt; "tasty",</a:t>
             </a:r>
           </a:p>
@@ -3515,6 +3649,7 @@
               </a:defRPr>
             </a:pPr>
             <a:r>
+              <a:rPr dirty="0"/>
               <a:t>                     "eggs" =&gt; "tasty",</a:t>
             </a:r>
           </a:p>
@@ -3553,6 +3688,7 @@
               </a:defRPr>
             </a:pPr>
             <a:r>
+              <a:rPr dirty="0"/>
               <a:t>                     "oatmeal" =&gt; "healthy",</a:t>
             </a:r>
           </a:p>
@@ -3591,6 +3727,7 @@
               </a:defRPr>
             </a:pPr>
             <a:r>
+              <a:rPr dirty="0"/>
               <a:t>                     "OJ" =&gt; "juicy"</a:t>
             </a:r>
           </a:p>
@@ -3629,6 +3766,7 @@
               </a:defRPr>
             </a:pPr>
             <a:r>
+              <a:rPr dirty="0"/>
               <a:t>                     }</a:t>
             </a:r>
           </a:p>
@@ -3659,6 +3797,7 @@
                 <a:sym typeface="Helvetica"/>
               </a:defRPr>
             </a:pPr>
+            <a:endParaRPr dirty="0"/>
           </a:p>
           <a:p>
             <a:pPr algn="l" defTabSz="457200">
@@ -3670,10 +3809,11 @@
               </a:defRPr>
             </a:pPr>
             <a:r>
+              <a:rPr dirty="0"/>
               <a:t>So far, we’ve only used </a:t>
             </a:r>
             <a:r>
-              <a:rPr b="1">
+              <a:rPr b="1" dirty="0">
                 <a:solidFill>
                   <a:srgbClr val="FA1116"/>
                 </a:solidFill>
@@ -3685,10 +3825,11 @@
               <a:t>strings</a:t>
             </a:r>
             <a:r>
+              <a:rPr dirty="0"/>
               <a:t> as </a:t>
             </a:r>
             <a:r>
-              <a:rPr b="1">
+              <a:rPr b="1" dirty="0">
                 <a:solidFill>
                   <a:srgbClr val="FA1116"/>
                 </a:solidFill>
@@ -3700,10 +3841,19 @@
               <a:t>hash keys</a:t>
             </a:r>
             <a:r>
-              <a:t>, but a more "Rubyist" approach would be to use </a:t>
-            </a:r>
-            <a:r>
-              <a:rPr b="1">
+              <a:rPr dirty="0"/>
+              <a:t>, but a more "</a:t>
+            </a:r>
+            <a:r>
+              <a:rPr dirty="0" err="1"/>
+              <a:t>Rubyist</a:t>
+            </a:r>
+            <a:r>
+              <a:rPr dirty="0"/>
+              <a:t>" approach would be to use </a:t>
+            </a:r>
+            <a:r>
+              <a:rPr b="1" dirty="0">
                 <a:solidFill>
                   <a:srgbClr val="FA1116"/>
                 </a:solidFill>
@@ -3736,7 +3886,7 @@
           </a:ln>
           <a:extLst>
             <a:ext uri="{C572A759-6A51-4108-AA02-DFA0A04FC94B}">
-              <ma14:wrappingTextBoxFlag xmlns:ma14="http://schemas.microsoft.com/office/mac/drawingml/2011/main" val="1"/>
+              <ma14:wrappingTextBoxFlag xmlns:ma14="http://schemas.microsoft.com/office/mac/drawingml/2011/main" xmlns:a14="http://schemas.microsoft.com/office/drawing/2010/main" xmlns:m="http://schemas.openxmlformats.org/officeDocument/2006/math" xmlns="" val="1"/>
             </a:ext>
           </a:extLst>
         </p:spPr>
@@ -3781,12 +3931,12 @@
   <p:clrMapOvr>
     <a:masterClrMapping/>
   </p:clrMapOvr>
-  <p:transition xmlns:p14="http://schemas.microsoft.com/office/powerpoint/2010/main" spd="med" advClick="1"/>
+  <p:transition spd="med"/>
 </p:sld>
 </file>
 
 <file path=ppt/slides/slide3.xml><?xml version="1.0" encoding="utf-8"?>
-<p:sld xmlns:a="http://schemas.openxmlformats.org/drawingml/2006/main" xmlns:r="http://schemas.openxmlformats.org/officeDocument/2006/relationships" xmlns:p="http://schemas.openxmlformats.org/presentationml/2006/main" xmlns:m="http://schemas.openxmlformats.org/officeDocument/2006/math" xmlns:a14="http://schemas.microsoft.com/office/drawing/2010/main" showMasterSp="1" showMasterPhAnim="1">
+<p:sld xmlns:a="http://schemas.openxmlformats.org/drawingml/2006/main" xmlns:r="http://schemas.openxmlformats.org/officeDocument/2006/relationships" xmlns:p="http://schemas.openxmlformats.org/presentationml/2006/main">
   <p:cSld>
     <p:spTree>
       <p:nvGrpSpPr>
@@ -3821,7 +3971,7 @@
           </a:ln>
           <a:extLst>
             <a:ext uri="{C572A759-6A51-4108-AA02-DFA0A04FC94B}">
-              <ma14:wrappingTextBoxFlag xmlns:ma14="http://schemas.microsoft.com/office/mac/drawingml/2011/main" val="1"/>
+              <ma14:wrappingTextBoxFlag xmlns:ma14="http://schemas.microsoft.com/office/mac/drawingml/2011/main" xmlns:a14="http://schemas.microsoft.com/office/drawing/2010/main" xmlns:m="http://schemas.openxmlformats.org/officeDocument/2006/math" xmlns="" val="1"/>
             </a:ext>
           </a:extLst>
         </p:spPr>
@@ -3896,7 +4046,7 @@
           </a:ln>
           <a:extLst>
             <a:ext uri="{C572A759-6A51-4108-AA02-DFA0A04FC94B}">
-              <ma14:wrappingTextBoxFlag xmlns:ma14="http://schemas.microsoft.com/office/mac/drawingml/2011/main" val="1"/>
+              <ma14:wrappingTextBoxFlag xmlns:ma14="http://schemas.microsoft.com/office/mac/drawingml/2011/main" xmlns:a14="http://schemas.microsoft.com/office/drawing/2010/main" xmlns:m="http://schemas.openxmlformats.org/officeDocument/2006/math" xmlns="" val="1"/>
             </a:ext>
           </a:extLst>
         </p:spPr>
@@ -3918,7 +4068,7 @@
               </a:defRPr>
             </a:pPr>
             <a:r>
-              <a:rPr b="1" sz="3500">
+              <a:rPr sz="3500" b="1">
                 <a:solidFill>
                   <a:srgbClr val="FA1116"/>
                 </a:solidFill>
@@ -3929,7 +4079,7 @@
               <a:t> are mainly used in Ruby either as </a:t>
             </a:r>
             <a:r>
-              <a:rPr b="1" sz="3500">
+              <a:rPr sz="3500" b="1">
                 <a:solidFill>
                   <a:srgbClr val="FA1116"/>
                 </a:solidFill>
@@ -3952,6 +4102,7 @@
                 <a:sym typeface="Helvetica"/>
               </a:defRPr>
             </a:pPr>
+            <a:endParaRPr/>
           </a:p>
           <a:p>
             <a:pPr algn="l" defTabSz="457200">
@@ -4053,6 +4204,7 @@
                 <a:sym typeface="Helvetica Neue"/>
               </a:defRPr>
             </a:pPr>
+            <a:endParaRPr/>
           </a:p>
           <a:p>
             <a:pPr algn="l" defTabSz="457200">
@@ -4066,6 +4218,7 @@
                 <a:sym typeface="Helvetica"/>
               </a:defRPr>
             </a:pPr>
+            <a:endParaRPr/>
           </a:p>
           <a:p>
             <a:pPr algn="l" defTabSz="457200">
@@ -4080,7 +4233,7 @@
               </a:defRPr>
             </a:pPr>
             <a:r>
-              <a:rPr b="1" sz="3500">
+              <a:rPr sz="3500" b="1">
                 <a:solidFill>
                   <a:srgbClr val="FA1116"/>
                 </a:solidFill>
@@ -4091,7 +4244,7 @@
               <a:t> always start with a colon (</a:t>
             </a:r>
             <a:r>
-              <a:rPr b="1" sz="3500">
+              <a:rPr sz="3500" b="1">
                 <a:solidFill>
                   <a:srgbClr val="FA1116"/>
                 </a:solidFill>
@@ -4102,7 +4255,7 @@
               <a:t>), the first character after the colon has to be a letter or an underscore (</a:t>
             </a:r>
             <a:r>
-              <a:rPr b="1" sz="3500">
+              <a:rPr sz="3500" b="1">
                 <a:solidFill>
                   <a:srgbClr val="FA1116"/>
                 </a:solidFill>
@@ -4139,12 +4292,12 @@
   <p:clrMapOvr>
     <a:masterClrMapping/>
   </p:clrMapOvr>
-  <p:transition xmlns:p14="http://schemas.microsoft.com/office/powerpoint/2010/main" spd="med" advClick="1"/>
+  <p:transition spd="med"/>
 </p:sld>
 </file>
 
 <file path=ppt/slides/slide4.xml><?xml version="1.0" encoding="utf-8"?>
-<p:sld xmlns:a="http://schemas.openxmlformats.org/drawingml/2006/main" xmlns:r="http://schemas.openxmlformats.org/officeDocument/2006/relationships" xmlns:p="http://schemas.openxmlformats.org/presentationml/2006/main" xmlns:m="http://schemas.openxmlformats.org/officeDocument/2006/math" xmlns:a14="http://schemas.microsoft.com/office/drawing/2010/main" showMasterSp="1" showMasterPhAnim="1">
+<p:sld xmlns:a="http://schemas.openxmlformats.org/drawingml/2006/main" xmlns:r="http://schemas.openxmlformats.org/officeDocument/2006/relationships" xmlns:p="http://schemas.openxmlformats.org/presentationml/2006/main">
   <p:cSld>
     <p:spTree>
       <p:nvGrpSpPr>
@@ -4179,7 +4332,7 @@
           </a:ln>
           <a:extLst>
             <a:ext uri="{C572A759-6A51-4108-AA02-DFA0A04FC94B}">
-              <ma14:wrappingTextBoxFlag xmlns:ma14="http://schemas.microsoft.com/office/mac/drawingml/2011/main" val="1"/>
+              <ma14:wrappingTextBoxFlag xmlns:ma14="http://schemas.microsoft.com/office/mac/drawingml/2011/main" xmlns:a14="http://schemas.microsoft.com/office/drawing/2010/main" xmlns:m="http://schemas.openxmlformats.org/officeDocument/2006/math" xmlns="" val="1"/>
             </a:ext>
           </a:extLst>
         </p:spPr>
@@ -4399,7 +4552,7 @@
           </a:ln>
           <a:extLst>
             <a:ext uri="{C572A759-6A51-4108-AA02-DFA0A04FC94B}">
-              <ma14:wrappingTextBoxFlag xmlns:ma14="http://schemas.microsoft.com/office/mac/drawingml/2011/main" val="1"/>
+              <ma14:wrappingTextBoxFlag xmlns:ma14="http://schemas.microsoft.com/office/mac/drawingml/2011/main" xmlns:a14="http://schemas.microsoft.com/office/drawing/2010/main" xmlns:m="http://schemas.openxmlformats.org/officeDocument/2006/math" xmlns="" val="1"/>
             </a:ext>
           </a:extLst>
         </p:spPr>
@@ -4694,7 +4847,7 @@
           </a:ln>
           <a:extLst>
             <a:ext uri="{C572A759-6A51-4108-AA02-DFA0A04FC94B}">
-              <ma14:wrappingTextBoxFlag xmlns:ma14="http://schemas.microsoft.com/office/mac/drawingml/2011/main" val="1"/>
+              <ma14:wrappingTextBoxFlag xmlns:ma14="http://schemas.microsoft.com/office/mac/drawingml/2011/main" xmlns:a14="http://schemas.microsoft.com/office/drawing/2010/main" xmlns:m="http://schemas.openxmlformats.org/officeDocument/2006/math" xmlns="" val="1"/>
             </a:ext>
           </a:extLst>
         </p:spPr>
@@ -4738,7 +4891,6 @@
             </a:lvl1pPr>
           </a:lstStyle>
           <a:p>
-            <a:pPr/>
             <a:r>
               <a:t>cat_name = my_hash["cat"]</a:t>
             </a:r>
@@ -4764,7 +4916,7 @@
           </a:ln>
           <a:extLst>
             <a:ext uri="{C572A759-6A51-4108-AA02-DFA0A04FC94B}">
-              <ma14:wrappingTextBoxFlag xmlns:ma14="http://schemas.microsoft.com/office/mac/drawingml/2011/main" val="1"/>
+              <ma14:wrappingTextBoxFlag xmlns:ma14="http://schemas.microsoft.com/office/mac/drawingml/2011/main" xmlns:a14="http://schemas.microsoft.com/office/drawing/2010/main" xmlns:m="http://schemas.openxmlformats.org/officeDocument/2006/math" xmlns="" val="1"/>
             </a:ext>
           </a:extLst>
         </p:spPr>
@@ -4860,7 +5012,7 @@
           </a:ln>
           <a:extLst>
             <a:ext uri="{C572A759-6A51-4108-AA02-DFA0A04FC94B}">
-              <ma14:wrappingTextBoxFlag xmlns:ma14="http://schemas.microsoft.com/office/mac/drawingml/2011/main" val="1"/>
+              <ma14:wrappingTextBoxFlag xmlns:ma14="http://schemas.microsoft.com/office/mac/drawingml/2011/main" xmlns:a14="http://schemas.microsoft.com/office/drawing/2010/main" xmlns:m="http://schemas.openxmlformats.org/officeDocument/2006/math" xmlns="" val="1"/>
             </a:ext>
           </a:extLst>
         </p:spPr>
@@ -4874,7 +5026,6 @@
             </a:lvl1pPr>
           </a:lstStyle>
           <a:p>
-            <a:pPr/>
             <a:r>
               <a:t>No more strings as keys from now on!</a:t>
             </a:r>
@@ -4900,7 +5051,7 @@
           </a:ln>
           <a:extLst>
             <a:ext uri="{C572A759-6A51-4108-AA02-DFA0A04FC94B}">
-              <ma14:wrappingTextBoxFlag xmlns:ma14="http://schemas.microsoft.com/office/mac/drawingml/2011/main" val="1"/>
+              <ma14:wrappingTextBoxFlag xmlns:ma14="http://schemas.microsoft.com/office/mac/drawingml/2011/main" xmlns:a14="http://schemas.microsoft.com/office/drawing/2010/main" xmlns:m="http://schemas.openxmlformats.org/officeDocument/2006/math" xmlns="" val="1"/>
             </a:ext>
           </a:extLst>
         </p:spPr>
@@ -4995,7 +5146,7 @@
             </a:cxnLst>
             <a:rect l="0" t="0" r="r" b="b"/>
             <a:pathLst>
-              <a:path w="21452" h="20404" fill="norm" stroke="1" extrusionOk="0">
+              <a:path w="21452" h="20404" extrusionOk="0">
                 <a:moveTo>
                   <a:pt x="19340" y="6"/>
                 </a:moveTo>
@@ -5115,7 +5266,7 @@
             <a:miter lim="400000"/>
           </a:ln>
           <a:effectLst>
-            <a:outerShdw sx="100000" sy="100000" kx="0" ky="0" algn="b" rotWithShape="0" blurRad="25400" dist="12700" dir="5400000">
+            <a:outerShdw blurRad="25400" dist="12700" dir="5400000" rotWithShape="0">
               <a:srgbClr val="000000">
                 <a:alpha val="50000"/>
               </a:srgbClr>
@@ -5137,6 +5288,7 @@
                 <a:sym typeface="Helvetica Light"/>
               </a:defRPr>
             </a:pPr>
+            <a:endParaRPr/>
           </a:p>
         </p:txBody>
       </p:sp>
@@ -5171,7 +5323,7 @@
             </a:cxnLst>
             <a:rect l="0" t="0" r="r" b="b"/>
             <a:pathLst>
-              <a:path w="21484" h="21548" fill="norm" stroke="1" extrusionOk="0">
+              <a:path w="21484" h="21548" extrusionOk="0">
                 <a:moveTo>
                   <a:pt x="18655" y="0"/>
                 </a:moveTo>
@@ -5421,7 +5573,7 @@
             <a:miter lim="400000"/>
           </a:ln>
           <a:effectLst>
-            <a:outerShdw sx="100000" sy="100000" kx="0" ky="0" algn="b" rotWithShape="0" blurRad="25400" dist="12700" dir="5400000">
+            <a:outerShdw blurRad="25400" dist="12700" dir="5400000" rotWithShape="0">
               <a:srgbClr val="000000">
                 <a:alpha val="50000"/>
               </a:srgbClr>
@@ -5443,6 +5595,7 @@
                 <a:sym typeface="Helvetica Light"/>
               </a:defRPr>
             </a:pPr>
+            <a:endParaRPr/>
           </a:p>
         </p:txBody>
       </p:sp>
@@ -5451,12 +5604,12 @@
   <p:clrMapOvr>
     <a:masterClrMapping/>
   </p:clrMapOvr>
-  <p:transition xmlns:p14="http://schemas.microsoft.com/office/powerpoint/2010/main" spd="med" advClick="1"/>
+  <p:transition spd="med"/>
 </p:sld>
 </file>
 
 <file path=ppt/slides/slide5.xml><?xml version="1.0" encoding="utf-8"?>
-<p:sld xmlns:a="http://schemas.openxmlformats.org/drawingml/2006/main" xmlns:r="http://schemas.openxmlformats.org/officeDocument/2006/relationships" xmlns:p="http://schemas.openxmlformats.org/presentationml/2006/main" xmlns:m="http://schemas.openxmlformats.org/officeDocument/2006/math" xmlns:a14="http://schemas.microsoft.com/office/drawing/2010/main" showMasterSp="1" showMasterPhAnim="1">
+<p:sld xmlns:a="http://schemas.openxmlformats.org/drawingml/2006/main" xmlns:r="http://schemas.openxmlformats.org/officeDocument/2006/relationships" xmlns:p="http://schemas.openxmlformats.org/presentationml/2006/main">
   <p:cSld>
     <p:spTree>
       <p:nvGrpSpPr>
@@ -5480,17 +5633,29 @@
         </p:nvGraphicFramePr>
         <p:xfrm>
           <a:off x="539384" y="7057159"/>
-          <a:ext cx="12135422" cy="2527301"/>
+          <a:ext cx="12127483" cy="2514600"/>
         </p:xfrm>
-        <a:graphic xmlns:a="http://schemas.openxmlformats.org/drawingml/2006/main">
+        <a:graphic>
           <a:graphicData uri="http://schemas.openxmlformats.org/drawingml/2006/table">
             <a:tbl>
-              <a:tblPr firstCol="0" firstRow="0" lastCol="0" lastRow="0" bandCol="0" bandRow="0" rtl="0">
+              <a:tblPr>
                 <a:tableStyleId>{C7B018BB-80A7-4F77-B60F-C8B233D01FF8}</a:tableStyleId>
               </a:tblPr>
               <a:tblGrid>
-                <a:gridCol w="6278379"/>
-                <a:gridCol w="5849104"/>
+                <a:gridCol w="6278379">
+                  <a:extLst>
+                    <a:ext uri="{9D8B030D-6E8A-4147-A177-3AD203B41FA5}">
+                      <a16:colId xmlns:a16="http://schemas.microsoft.com/office/drawing/2014/main" val="20000"/>
+                    </a:ext>
+                  </a:extLst>
+                </a:gridCol>
+                <a:gridCol w="5849104">
+                  <a:extLst>
+                    <a:ext uri="{9D8B030D-6E8A-4147-A177-3AD203B41FA5}">
+                      <a16:colId xmlns:a16="http://schemas.microsoft.com/office/drawing/2014/main" val="20001"/>
+                    </a:ext>
+                  </a:extLst>
+                </a:gridCol>
               </a:tblGrid>
               <a:tr h="2514600">
                 <a:tc>
@@ -5570,7 +5735,7 @@
                       </a:r>
                     </a:p>
                   </a:txBody>
-                  <a:tcPr marL="50800" marR="50800" marT="50800" marB="50800" anchor="ctr" anchorCtr="0" horzOverflow="overflow">
+                  <a:tcPr marL="50800" marR="50800" marT="50800" marB="50800" anchor="ctr" horzOverflow="overflow">
                     <a:lnL w="3175">
                       <a:solidFill>
                         <a:srgbClr val="FFFFFF"/>
@@ -5677,7 +5842,7 @@
                       </a:r>
                     </a:p>
                   </a:txBody>
-                  <a:tcPr marL="50800" marR="50800" marT="50800" marB="50800" anchor="ctr" anchorCtr="0" horzOverflow="overflow">
+                  <a:tcPr marL="50800" marR="50800" marT="50800" marB="50800" anchor="ctr" horzOverflow="overflow">
                     <a:lnL w="12700">
                       <a:solidFill>
                         <a:srgbClr val="FFFFFF"/>
@@ -5707,6 +5872,11 @@
                     </a:solidFill>
                   </a:tcPr>
                 </a:tc>
+                <a:extLst>
+                  <a:ext uri="{0D108BD9-81ED-4DB2-BD59-A6C34878D82A}">
+                    <a16:rowId xmlns:a16="http://schemas.microsoft.com/office/drawing/2014/main" val="10000"/>
+                  </a:ext>
+                </a:extLst>
               </a:tr>
             </a:tbl>
           </a:graphicData>
@@ -5731,7 +5901,7 @@
           </a:ln>
           <a:extLst>
             <a:ext uri="{C572A759-6A51-4108-AA02-DFA0A04FC94B}">
-              <ma14:wrappingTextBoxFlag xmlns:ma14="http://schemas.microsoft.com/office/mac/drawingml/2011/main" val="1"/>
+              <ma14:wrappingTextBoxFlag xmlns:ma14="http://schemas.microsoft.com/office/mac/drawingml/2011/main" xmlns:a14="http://schemas.microsoft.com/office/drawing/2010/main" xmlns:m="http://schemas.openxmlformats.org/officeDocument/2006/math" xmlns="" val="1"/>
             </a:ext>
           </a:extLst>
         </p:spPr>
@@ -5744,7 +5914,7 @@
               <a:spcBef>
                 <a:spcPts val="500"/>
               </a:spcBef>
-              <a:defRPr b="1" sz="3500">
+              <a:defRPr sz="3500" b="1">
                 <a:solidFill>
                   <a:srgbClr val="FA1116"/>
                 </a:solidFill>
@@ -5756,7 +5926,6 @@
             </a:lvl1pPr>
           </a:lstStyle>
           <a:p>
-            <a:pPr/>
             <a:r>
               <a:t>1. Converting symbols to strings</a:t>
             </a:r>
@@ -5771,8 +5940,8 @@
         </p:nvSpPr>
         <p:spPr>
           <a:xfrm>
-            <a:off x="1648205" y="75655"/>
-            <a:ext cx="9708389" cy="2514601"/>
+            <a:off x="1768732" y="63377"/>
+            <a:ext cx="9467335" cy="2539157"/>
           </a:xfrm>
           <a:prstGeom prst="rect">
             <a:avLst/>
@@ -5782,7 +5951,7 @@
           </a:ln>
           <a:extLst>
             <a:ext uri="{C572A759-6A51-4108-AA02-DFA0A04FC94B}">
-              <ma14:wrappingTextBoxFlag xmlns:ma14="http://schemas.microsoft.com/office/mac/drawingml/2011/main" val="1"/>
+              <ma14:wrappingTextBoxFlag xmlns:ma14="http://schemas.microsoft.com/office/mac/drawingml/2011/main" xmlns:a14="http://schemas.microsoft.com/office/drawing/2010/main" xmlns:m="http://schemas.openxmlformats.org/officeDocument/2006/math" xmlns="" val="1"/>
             </a:ext>
           </a:extLst>
         </p:spPr>
@@ -5804,7 +5973,7 @@
               </a:defRPr>
             </a:pPr>
             <a:r>
-              <a:rPr>
+              <a:rPr dirty="0">
                 <a:solidFill>
                   <a:srgbClr val="FA1116"/>
                 </a:solidFill>
@@ -5812,12 +5981,38 @@
               <a:t>C</a:t>
             </a:r>
             <a:r>
-              <a:rPr>
+              <a:rPr dirty="0">
                 <a:solidFill>
                   <a:srgbClr val="000000"/>
                 </a:solidFill>
               </a:rPr>
-              <a:t>onverting between symbols and strings</a:t>
+              <a:t>onverting between </a:t>
+            </a:r>
+            <a:endParaRPr lang="en-CA" dirty="0">
+              <a:solidFill>
+                <a:srgbClr val="000000"/>
+              </a:solidFill>
+            </a:endParaRPr>
+          </a:p>
+          <a:p>
+            <a:pPr>
+              <a:defRPr sz="8000">
+                <a:solidFill>
+                  <a:schemeClr val="accent5">
+                    <a:hueOff val="-444211"/>
+                    <a:satOff val="-14915"/>
+                    <a:lumOff val="22857"/>
+                  </a:schemeClr>
+                </a:solidFill>
+              </a:defRPr>
+            </a:pPr>
+            <a:r>
+              <a:rPr dirty="0">
+                <a:solidFill>
+                  <a:srgbClr val="000000"/>
+                </a:solidFill>
+              </a:rPr>
+              <a:t>symbols and strings</a:t>
             </a:r>
           </a:p>
         </p:txBody>
@@ -5841,7 +6036,7 @@
           </a:ln>
           <a:extLst>
             <a:ext uri="{C572A759-6A51-4108-AA02-DFA0A04FC94B}">
-              <ma14:wrappingTextBoxFlag xmlns:ma14="http://schemas.microsoft.com/office/mac/drawingml/2011/main" val="1"/>
+              <ma14:wrappingTextBoxFlag xmlns:ma14="http://schemas.microsoft.com/office/mac/drawingml/2011/main" xmlns:a14="http://schemas.microsoft.com/office/drawing/2010/main" xmlns:m="http://schemas.openxmlformats.org/officeDocument/2006/math" xmlns="" val="1"/>
             </a:ext>
           </a:extLst>
         </p:spPr>
@@ -5943,7 +6138,7 @@
           </a:ln>
           <a:extLst>
             <a:ext uri="{C572A759-6A51-4108-AA02-DFA0A04FC94B}">
-              <ma14:wrappingTextBoxFlag xmlns:ma14="http://schemas.microsoft.com/office/mac/drawingml/2011/main" val="1"/>
+              <ma14:wrappingTextBoxFlag xmlns:ma14="http://schemas.microsoft.com/office/mac/drawingml/2011/main" xmlns:a14="http://schemas.microsoft.com/office/drawing/2010/main" xmlns:m="http://schemas.openxmlformats.org/officeDocument/2006/math" xmlns="" val="1"/>
             </a:ext>
           </a:extLst>
         </p:spPr>
@@ -5956,7 +6151,7 @@
               <a:spcBef>
                 <a:spcPts val="500"/>
               </a:spcBef>
-              <a:defRPr b="1" sz="3500">
+              <a:defRPr sz="3500" b="1">
                 <a:solidFill>
                   <a:srgbClr val="FA1116"/>
                 </a:solidFill>
@@ -5968,7 +6163,6 @@
             </a:lvl1pPr>
           </a:lstStyle>
           <a:p>
-            <a:pPr/>
             <a:r>
               <a:t>2. Converting strings to symbols</a:t>
             </a:r>
@@ -5994,7 +6188,7 @@
           </a:ln>
           <a:extLst>
             <a:ext uri="{C572A759-6A51-4108-AA02-DFA0A04FC94B}">
-              <ma14:wrappingTextBoxFlag xmlns:ma14="http://schemas.microsoft.com/office/mac/drawingml/2011/main" val="1"/>
+              <ma14:wrappingTextBoxFlag xmlns:ma14="http://schemas.microsoft.com/office/mac/drawingml/2011/main" xmlns:a14="http://schemas.microsoft.com/office/drawing/2010/main" xmlns:m="http://schemas.openxmlformats.org/officeDocument/2006/math" xmlns="" val="1"/>
             </a:ext>
           </a:extLst>
         </p:spPr>
@@ -6016,7 +6210,6 @@
             </a:lvl1pPr>
           </a:lstStyle>
           <a:p>
-            <a:pPr/>
             <a:r>
               <a:t>or</a:t>
             </a:r>
@@ -6028,12 +6221,12 @@
   <p:clrMapOvr>
     <a:masterClrMapping/>
   </p:clrMapOvr>
-  <p:transition xmlns:p14="http://schemas.microsoft.com/office/powerpoint/2010/main" spd="med" advClick="1"/>
+  <p:transition spd="med"/>
 </p:sld>
 </file>
 
 <file path=ppt/slides/slide6.xml><?xml version="1.0" encoding="utf-8"?>
-<p:sld xmlns:a="http://schemas.openxmlformats.org/drawingml/2006/main" xmlns:r="http://schemas.openxmlformats.org/officeDocument/2006/relationships" xmlns:p="http://schemas.openxmlformats.org/presentationml/2006/main" xmlns:m="http://schemas.openxmlformats.org/officeDocument/2006/math" xmlns:a14="http://schemas.microsoft.com/office/drawing/2010/main" showMasterSp="1" showMasterPhAnim="1">
+<p:sld xmlns:a="http://schemas.openxmlformats.org/drawingml/2006/main" xmlns:r="http://schemas.openxmlformats.org/officeDocument/2006/relationships" xmlns:p="http://schemas.openxmlformats.org/presentationml/2006/main">
   <p:cSld>
     <p:spTree>
       <p:nvGrpSpPr>
@@ -6068,7 +6261,7 @@
           </a:ln>
           <a:extLst>
             <a:ext uri="{C572A759-6A51-4108-AA02-DFA0A04FC94B}">
-              <ma14:wrappingTextBoxFlag xmlns:ma14="http://schemas.microsoft.com/office/mac/drawingml/2011/main" val="1"/>
+              <ma14:wrappingTextBoxFlag xmlns:ma14="http://schemas.microsoft.com/office/mac/drawingml/2011/main" xmlns:a14="http://schemas.microsoft.com/office/drawing/2010/main" xmlns:m="http://schemas.openxmlformats.org/officeDocument/2006/math" xmlns="" val="1"/>
             </a:ext>
           </a:extLst>
         </p:spPr>
@@ -6320,6 +6513,7 @@
                 <a:sym typeface="Ubuntu Mono"/>
               </a:defRPr>
             </a:pPr>
+            <a:endParaRPr/>
           </a:p>
           <a:p>
             <a:pPr algn="l" defTabSz="457200">
@@ -6398,7 +6592,7 @@
           </a:ln>
           <a:extLst>
             <a:ext uri="{C572A759-6A51-4108-AA02-DFA0A04FC94B}">
-              <ma14:wrappingTextBoxFlag xmlns:ma14="http://schemas.microsoft.com/office/mac/drawingml/2011/main" val="1"/>
+              <ma14:wrappingTextBoxFlag xmlns:ma14="http://schemas.microsoft.com/office/mac/drawingml/2011/main" xmlns:a14="http://schemas.microsoft.com/office/drawing/2010/main" xmlns:m="http://schemas.openxmlformats.org/officeDocument/2006/math" xmlns="" val="1"/>
             </a:ext>
           </a:extLst>
         </p:spPr>
@@ -6644,6 +6838,7 @@
                 <a:sym typeface="Ubuntu Mono"/>
               </a:defRPr>
             </a:pPr>
+            <a:endParaRPr/>
           </a:p>
           <a:p>
             <a:pPr algn="l" defTabSz="457200">
@@ -6723,7 +6918,7 @@
           </a:ln>
           <a:extLst>
             <a:ext uri="{C572A759-6A51-4108-AA02-DFA0A04FC94B}">
-              <ma14:wrappingTextBoxFlag xmlns:ma14="http://schemas.microsoft.com/office/mac/drawingml/2011/main" val="1"/>
+              <ma14:wrappingTextBoxFlag xmlns:ma14="http://schemas.microsoft.com/office/mac/drawingml/2011/main" xmlns:a14="http://schemas.microsoft.com/office/drawing/2010/main" xmlns:m="http://schemas.openxmlformats.org/officeDocument/2006/math" xmlns="" val="1"/>
             </a:ext>
           </a:extLst>
         </p:spPr>
@@ -6799,6 +6994,7 @@
                 <a:sym typeface="Helvetica"/>
               </a:defRPr>
             </a:pPr>
+            <a:endParaRPr/>
           </a:p>
           <a:p>
             <a:pPr algn="l" defTabSz="457200">
@@ -6860,7 +7056,7 @@
           </a:ln>
           <a:extLst>
             <a:ext uri="{C572A759-6A51-4108-AA02-DFA0A04FC94B}">
-              <ma14:wrappingTextBoxFlag xmlns:ma14="http://schemas.microsoft.com/office/mac/drawingml/2011/main" val="1"/>
+              <ma14:wrappingTextBoxFlag xmlns:ma14="http://schemas.microsoft.com/office/mac/drawingml/2011/main" xmlns:a14="http://schemas.microsoft.com/office/drawing/2010/main" xmlns:m="http://schemas.openxmlformats.org/officeDocument/2006/math" xmlns="" val="1"/>
             </a:ext>
           </a:extLst>
         </p:spPr>
@@ -6931,7 +7127,7 @@
             </a:cxnLst>
             <a:rect l="0" t="0" r="r" b="b"/>
             <a:pathLst>
-              <a:path w="21452" h="20404" fill="norm" stroke="1" extrusionOk="0">
+              <a:path w="21452" h="20404" extrusionOk="0">
                 <a:moveTo>
                   <a:pt x="19340" y="6"/>
                 </a:moveTo>
@@ -7051,7 +7247,7 @@
             <a:miter lim="400000"/>
           </a:ln>
           <a:effectLst>
-            <a:outerShdw sx="100000" sy="100000" kx="0" ky="0" algn="b" rotWithShape="0" blurRad="25400" dist="12700" dir="5400000">
+            <a:outerShdw blurRad="25400" dist="12700" dir="5400000" rotWithShape="0">
               <a:srgbClr val="000000">
                 <a:alpha val="50000"/>
               </a:srgbClr>
@@ -7073,6 +7269,7 @@
                 <a:sym typeface="Helvetica Light"/>
               </a:defRPr>
             </a:pPr>
+            <a:endParaRPr/>
           </a:p>
         </p:txBody>
       </p:sp>
@@ -7107,7 +7304,7 @@
             </a:cxnLst>
             <a:rect l="0" t="0" r="r" b="b"/>
             <a:pathLst>
-              <a:path w="21484" h="21548" fill="norm" stroke="1" extrusionOk="0">
+              <a:path w="21484" h="21548" extrusionOk="0">
                 <a:moveTo>
                   <a:pt x="18655" y="0"/>
                 </a:moveTo>
@@ -7357,7 +7554,7 @@
             <a:miter lim="400000"/>
           </a:ln>
           <a:effectLst>
-            <a:outerShdw sx="100000" sy="100000" kx="0" ky="0" algn="b" rotWithShape="0" blurRad="25400" dist="12700" dir="5400000">
+            <a:outerShdw blurRad="25400" dist="12700" dir="5400000" rotWithShape="0">
               <a:srgbClr val="000000">
                 <a:alpha val="50000"/>
               </a:srgbClr>
@@ -7379,6 +7576,7 @@
                 <a:sym typeface="Helvetica Light"/>
               </a:defRPr>
             </a:pPr>
+            <a:endParaRPr/>
           </a:p>
         </p:txBody>
       </p:sp>
@@ -7387,12 +7585,543 @@
   <p:clrMapOvr>
     <a:masterClrMapping/>
   </p:clrMapOvr>
-  <p:transition xmlns:p14="http://schemas.microsoft.com/office/powerpoint/2010/main" spd="med" advClick="1"/>
+  <p:transition spd="med"/>
 </p:sld>
 </file>
 
 <file path=ppt/slides/slide7.xml><?xml version="1.0" encoding="utf-8"?>
-<p:sld xmlns:a="http://schemas.openxmlformats.org/drawingml/2006/main" xmlns:r="http://schemas.openxmlformats.org/officeDocument/2006/relationships" xmlns:p="http://schemas.openxmlformats.org/presentationml/2006/main" xmlns:m="http://schemas.openxmlformats.org/officeDocument/2006/math" xmlns:a14="http://schemas.microsoft.com/office/drawing/2010/main" showMasterSp="1" showMasterPhAnim="1">
+<p:sld xmlns:a="http://schemas.openxmlformats.org/drawingml/2006/main" xmlns:r="http://schemas.openxmlformats.org/officeDocument/2006/relationships" xmlns:p="http://schemas.openxmlformats.org/presentationml/2006/main">
+  <p:cSld>
+    <p:spTree>
+      <p:nvGrpSpPr>
+        <p:cNvPr id="1" name=""/>
+        <p:cNvGrpSpPr/>
+        <p:nvPr/>
+      </p:nvGrpSpPr>
+      <p:grpSpPr>
+        <a:xfrm>
+          <a:off x="0" y="0"/>
+          <a:ext cx="0" cy="0"/>
+          <a:chOff x="0" y="0"/>
+          <a:chExt cx="0" cy="0"/>
+        </a:xfrm>
+      </p:grpSpPr>
+      <p:sp>
+        <p:nvSpPr>
+          <p:cNvPr id="160" name="Selecting from hashes"/>
+          <p:cNvSpPr txBox="1"/>
+          <p:nvPr/>
+        </p:nvSpPr>
+        <p:spPr>
+          <a:xfrm>
+            <a:off x="1174467" y="379419"/>
+            <a:ext cx="11598441" cy="2139047"/>
+          </a:xfrm>
+          <a:prstGeom prst="rect">
+            <a:avLst/>
+          </a:prstGeom>
+          <a:ln w="3175">
+            <a:miter lim="400000"/>
+          </a:ln>
+          <a:extLst>
+            <a:ext uri="{C572A759-6A51-4108-AA02-DFA0A04FC94B}">
+              <ma14:wrappingTextBoxFlag xmlns:ma14="http://schemas.microsoft.com/office/mac/drawingml/2011/main" xmlns:a14="http://schemas.microsoft.com/office/drawing/2010/main" xmlns:m="http://schemas.openxmlformats.org/officeDocument/2006/math" xmlns="" val="1"/>
+            </a:ext>
+          </a:extLst>
+        </p:spPr>
+        <p:txBody>
+          <a:bodyPr wrap="square" lIns="38100" tIns="38100" rIns="38100" bIns="38100" anchor="ctr">
+            <a:spAutoFit/>
+          </a:bodyPr>
+          <a:lstStyle/>
+          <a:p>
+            <a:pPr algn="l">
+              <a:defRPr sz="8000">
+                <a:solidFill>
+                  <a:schemeClr val="accent5">
+                    <a:hueOff val="-444211"/>
+                    <a:satOff val="-14915"/>
+                    <a:lumOff val="22857"/>
+                  </a:schemeClr>
+                </a:solidFill>
+              </a:defRPr>
+            </a:pPr>
+            <a:r>
+              <a:rPr lang="en-CA" dirty="0">
+                <a:solidFill>
+                  <a:srgbClr val="FA1116"/>
+                </a:solidFill>
+              </a:rPr>
+              <a:t>R</a:t>
+            </a:r>
+            <a:r>
+              <a:rPr lang="en-CA" dirty="0">
+                <a:solidFill>
+                  <a:schemeClr val="tx1">
+                    <a:lumMod val="50000"/>
+                  </a:schemeClr>
+                </a:solidFill>
+              </a:rPr>
+              <a:t>eading</a:t>
+            </a:r>
+            <a:r>
+              <a:rPr dirty="0">
+                <a:solidFill>
+                  <a:srgbClr val="000000"/>
+                </a:solidFill>
+              </a:rPr>
+              <a:t> from hashes</a:t>
+            </a:r>
+            <a:r>
+              <a:rPr lang="en-CA" dirty="0">
+                <a:solidFill>
+                  <a:srgbClr val="000000"/>
+                </a:solidFill>
+              </a:rPr>
+              <a:t>:</a:t>
+            </a:r>
+          </a:p>
+          <a:p>
+            <a:pPr algn="l">
+              <a:defRPr sz="8000">
+                <a:solidFill>
+                  <a:schemeClr val="accent5">
+                    <a:hueOff val="-444211"/>
+                    <a:satOff val="-14915"/>
+                    <a:lumOff val="22857"/>
+                  </a:schemeClr>
+                </a:solidFill>
+              </a:defRPr>
+            </a:pPr>
+            <a:r>
+              <a:rPr lang="en-CA" sz="5400" dirty="0">
+                <a:solidFill>
+                  <a:srgbClr val="FF0000"/>
+                </a:solidFill>
+              </a:rPr>
+              <a:t>S</a:t>
+            </a:r>
+            <a:r>
+              <a:rPr lang="en-CA" sz="5400" dirty="0">
+                <a:solidFill>
+                  <a:schemeClr val="tx1">
+                    <a:lumMod val="50000"/>
+                  </a:schemeClr>
+                </a:solidFill>
+              </a:rPr>
+              <a:t>etting a default value</a:t>
+            </a:r>
+          </a:p>
+        </p:txBody>
+      </p:sp>
+      <p:sp>
+        <p:nvSpPr>
+          <p:cNvPr id="161" name="If we try to access a key that doesn’t exist we’ll get nil as a result…"/>
+          <p:cNvSpPr txBox="1"/>
+          <p:nvPr/>
+        </p:nvSpPr>
+        <p:spPr>
+          <a:xfrm>
+            <a:off x="844056" y="2947397"/>
+            <a:ext cx="11839298" cy="2929007"/>
+          </a:xfrm>
+          <a:prstGeom prst="rect">
+            <a:avLst/>
+          </a:prstGeom>
+          <a:ln w="3175">
+            <a:miter lim="400000"/>
+          </a:ln>
+          <a:extLst>
+            <a:ext uri="{C572A759-6A51-4108-AA02-DFA0A04FC94B}">
+              <ma14:wrappingTextBoxFlag xmlns:ma14="http://schemas.microsoft.com/office/mac/drawingml/2011/main" xmlns:a14="http://schemas.microsoft.com/office/drawing/2010/main" xmlns:m="http://schemas.openxmlformats.org/officeDocument/2006/math" xmlns="" val="1"/>
+            </a:ext>
+          </a:extLst>
+        </p:spPr>
+        <p:txBody>
+          <a:bodyPr wrap="square" lIns="38100" tIns="38100" rIns="38100" bIns="38100" anchor="ctr">
+            <a:spAutoFit/>
+          </a:bodyPr>
+          <a:lstStyle/>
+          <a:p>
+            <a:pPr algn="l" defTabSz="457200">
+              <a:spcBef>
+                <a:spcPts val="500"/>
+              </a:spcBef>
+              <a:defRPr sz="3500">
+                <a:latin typeface="Helvetica"/>
+                <a:ea typeface="Helvetica"/>
+                <a:cs typeface="Helvetica"/>
+                <a:sym typeface="Helvetica"/>
+              </a:defRPr>
+            </a:pPr>
+            <a:r>
+              <a:rPr dirty="0"/>
+              <a:t>If we try to access a </a:t>
+            </a:r>
+            <a:r>
+              <a:rPr sz="3600" b="1" dirty="0">
+                <a:solidFill>
+                  <a:srgbClr val="FA1116"/>
+                </a:solidFill>
+              </a:rPr>
+              <a:t>key</a:t>
+            </a:r>
+            <a:r>
+              <a:rPr dirty="0"/>
+              <a:t> that doesn’t exist we’ll get </a:t>
+            </a:r>
+            <a:r>
+              <a:rPr sz="3400" dirty="0">
+                <a:solidFill>
+                  <a:schemeClr val="accent1">
+                    <a:hueOff val="273561"/>
+                    <a:satOff val="2937"/>
+                    <a:lumOff val="-22233"/>
+                  </a:schemeClr>
+                </a:solidFill>
+                <a:latin typeface="Consolas"/>
+                <a:ea typeface="Consolas"/>
+                <a:cs typeface="Consolas"/>
+                <a:sym typeface="Consolas"/>
+              </a:rPr>
+              <a:t>nil</a:t>
+            </a:r>
+            <a:r>
+              <a:rPr i="1" dirty="0"/>
+              <a:t> </a:t>
+            </a:r>
+            <a:r>
+              <a:rPr dirty="0"/>
+              <a:t>as a result</a:t>
+            </a:r>
+          </a:p>
+          <a:p>
+            <a:pPr algn="l" defTabSz="457200">
+              <a:spcBef>
+                <a:spcPts val="500"/>
+              </a:spcBef>
+              <a:defRPr sz="3500">
+                <a:latin typeface="Helvetica"/>
+                <a:ea typeface="Helvetica"/>
+                <a:cs typeface="Helvetica"/>
+                <a:sym typeface="Helvetica"/>
+              </a:defRPr>
+            </a:pPr>
+            <a:endParaRPr dirty="0"/>
+          </a:p>
+          <a:p>
+            <a:pPr algn="l" defTabSz="457200">
+              <a:spcBef>
+                <a:spcPts val="500"/>
+              </a:spcBef>
+              <a:defRPr sz="3500">
+                <a:latin typeface="Helvetica"/>
+                <a:ea typeface="Helvetica"/>
+                <a:cs typeface="Helvetica"/>
+                <a:sym typeface="Helvetica"/>
+              </a:defRPr>
+            </a:pPr>
+            <a:r>
+              <a:rPr dirty="0"/>
+              <a:t>But if we create our </a:t>
+            </a:r>
+            <a:r>
+              <a:rPr sz="3600" b="1" dirty="0">
+                <a:solidFill>
+                  <a:srgbClr val="FA1116"/>
+                </a:solidFill>
+              </a:rPr>
+              <a:t>Hash</a:t>
+            </a:r>
+            <a:r>
+              <a:rPr dirty="0"/>
+              <a:t> using the </a:t>
+            </a:r>
+            <a:r>
+              <a:rPr sz="3300" dirty="0" err="1">
+                <a:solidFill>
+                  <a:schemeClr val="accent1">
+                    <a:hueOff val="273561"/>
+                    <a:satOff val="2937"/>
+                    <a:lumOff val="-22233"/>
+                  </a:schemeClr>
+                </a:solidFill>
+                <a:latin typeface="Consolas"/>
+                <a:ea typeface="Consolas"/>
+                <a:cs typeface="Consolas"/>
+                <a:sym typeface="Consolas"/>
+              </a:rPr>
+              <a:t>Hash.new</a:t>
+            </a:r>
+            <a:r>
+              <a:rPr dirty="0"/>
+              <a:t> syntax, we can specify a default value for non-existent keys</a:t>
+            </a:r>
+          </a:p>
+        </p:txBody>
+      </p:sp>
+      <p:sp>
+        <p:nvSpPr>
+          <p:cNvPr id="162" name="my_hash = Hash.new(&quot;Bob&quot;)…"/>
+          <p:cNvSpPr txBox="1"/>
+          <p:nvPr/>
+        </p:nvSpPr>
+        <p:spPr>
+          <a:xfrm>
+            <a:off x="1174467" y="6305336"/>
+            <a:ext cx="11178477" cy="3429001"/>
+          </a:xfrm>
+          <a:prstGeom prst="rect">
+            <a:avLst/>
+          </a:prstGeom>
+          <a:ln w="3175">
+            <a:miter lim="400000"/>
+          </a:ln>
+          <a:extLst>
+            <a:ext uri="{C572A759-6A51-4108-AA02-DFA0A04FC94B}">
+              <ma14:wrappingTextBoxFlag xmlns:ma14="http://schemas.microsoft.com/office/mac/drawingml/2011/main" xmlns:a14="http://schemas.microsoft.com/office/drawing/2010/main" xmlns:m="http://schemas.openxmlformats.org/officeDocument/2006/math" xmlns="" val="1"/>
+            </a:ext>
+          </a:extLst>
+        </p:spPr>
+        <p:txBody>
+          <a:bodyPr lIns="38100" tIns="38100" rIns="38100" bIns="38100" anchor="ctr">
+            <a:spAutoFit/>
+          </a:bodyPr>
+          <a:lstStyle/>
+          <a:p>
+            <a:pPr algn="l" defTabSz="457200">
+              <a:tabLst>
+                <a:tab pos="571500" algn="l"/>
+                <a:tab pos="1155700" algn="l"/>
+                <a:tab pos="1739900" algn="l"/>
+                <a:tab pos="2324100" algn="l"/>
+                <a:tab pos="2908300" algn="l"/>
+                <a:tab pos="3479800" algn="l"/>
+                <a:tab pos="4064000" algn="l"/>
+                <a:tab pos="4648200" algn="l"/>
+                <a:tab pos="5232400" algn="l"/>
+                <a:tab pos="5816600" algn="l"/>
+                <a:tab pos="6388100" algn="l"/>
+                <a:tab pos="6972300" algn="l"/>
+                <a:tab pos="7556500" algn="l"/>
+                <a:tab pos="8140700" algn="l"/>
+                <a:tab pos="8724900" algn="l"/>
+                <a:tab pos="9296400" algn="l"/>
+              </a:tabLst>
+              <a:defRPr sz="3200">
+                <a:solidFill>
+                  <a:schemeClr val="accent1">
+                    <a:hueOff val="273561"/>
+                    <a:satOff val="2937"/>
+                    <a:lumOff val="-22233"/>
+                  </a:schemeClr>
+                </a:solidFill>
+                <a:latin typeface="Consolas"/>
+                <a:ea typeface="Consolas"/>
+                <a:cs typeface="Consolas"/>
+                <a:sym typeface="Consolas"/>
+              </a:defRPr>
+            </a:pPr>
+            <a:r>
+              <a:rPr dirty="0" err="1"/>
+              <a:t>my_hash</a:t>
+            </a:r>
+            <a:r>
+              <a:rPr dirty="0"/>
+              <a:t> = </a:t>
+            </a:r>
+            <a:r>
+              <a:rPr dirty="0" err="1"/>
+              <a:t>Hash.new</a:t>
+            </a:r>
+            <a:r>
+              <a:rPr dirty="0"/>
+              <a:t>("Bob")</a:t>
+            </a:r>
+          </a:p>
+          <a:p>
+            <a:pPr algn="l" defTabSz="457200">
+              <a:tabLst>
+                <a:tab pos="571500" algn="l"/>
+                <a:tab pos="1155700" algn="l"/>
+                <a:tab pos="1739900" algn="l"/>
+                <a:tab pos="2324100" algn="l"/>
+                <a:tab pos="2908300" algn="l"/>
+                <a:tab pos="3479800" algn="l"/>
+                <a:tab pos="4064000" algn="l"/>
+                <a:tab pos="4648200" algn="l"/>
+                <a:tab pos="5232400" algn="l"/>
+                <a:tab pos="5816600" algn="l"/>
+                <a:tab pos="6388100" algn="l"/>
+                <a:tab pos="6972300" algn="l"/>
+                <a:tab pos="7556500" algn="l"/>
+                <a:tab pos="8140700" algn="l"/>
+                <a:tab pos="8724900" algn="l"/>
+                <a:tab pos="9296400" algn="l"/>
+              </a:tabLst>
+              <a:defRPr sz="3200">
+                <a:solidFill>
+                  <a:schemeClr val="accent1">
+                    <a:hueOff val="273561"/>
+                    <a:satOff val="2937"/>
+                    <a:lumOff val="-22233"/>
+                  </a:schemeClr>
+                </a:solidFill>
+                <a:latin typeface="Consolas"/>
+                <a:ea typeface="Consolas"/>
+                <a:cs typeface="Consolas"/>
+                <a:sym typeface="Consolas"/>
+              </a:defRPr>
+            </a:pPr>
+            <a:endParaRPr dirty="0"/>
+          </a:p>
+          <a:p>
+            <a:pPr algn="l" defTabSz="457200">
+              <a:tabLst>
+                <a:tab pos="571500" algn="l"/>
+                <a:tab pos="1155700" algn="l"/>
+                <a:tab pos="1739900" algn="l"/>
+                <a:tab pos="2324100" algn="l"/>
+                <a:tab pos="2908300" algn="l"/>
+                <a:tab pos="3479800" algn="l"/>
+                <a:tab pos="4064000" algn="l"/>
+                <a:tab pos="4648200" algn="l"/>
+                <a:tab pos="5232400" algn="l"/>
+                <a:tab pos="5816600" algn="l"/>
+                <a:tab pos="6388100" algn="l"/>
+                <a:tab pos="6972300" algn="l"/>
+                <a:tab pos="7556500" algn="l"/>
+                <a:tab pos="8140700" algn="l"/>
+                <a:tab pos="8724900" algn="l"/>
+                <a:tab pos="9296400" algn="l"/>
+              </a:tabLst>
+              <a:defRPr sz="3200">
+                <a:solidFill>
+                  <a:srgbClr val="53585F"/>
+                </a:solidFill>
+                <a:latin typeface="Consolas"/>
+                <a:ea typeface="Consolas"/>
+                <a:cs typeface="Consolas"/>
+                <a:sym typeface="Consolas"/>
+              </a:defRPr>
+            </a:pPr>
+            <a:r>
+              <a:rPr dirty="0"/>
+              <a:t># now if we try to access a non-existent key in </a:t>
+            </a:r>
+            <a:r>
+              <a:rPr dirty="0" err="1"/>
+              <a:t>my_hash</a:t>
+            </a:r>
+            <a:r>
+              <a:rPr dirty="0"/>
+              <a:t>, we’ll get "Bob" as a result</a:t>
+            </a:r>
+          </a:p>
+          <a:p>
+            <a:pPr algn="l" defTabSz="457200">
+              <a:tabLst>
+                <a:tab pos="571500" algn="l"/>
+                <a:tab pos="1155700" algn="l"/>
+                <a:tab pos="1739900" algn="l"/>
+                <a:tab pos="2324100" algn="l"/>
+                <a:tab pos="2908300" algn="l"/>
+                <a:tab pos="3479800" algn="l"/>
+                <a:tab pos="4064000" algn="l"/>
+                <a:tab pos="4648200" algn="l"/>
+                <a:tab pos="5232400" algn="l"/>
+                <a:tab pos="5816600" algn="l"/>
+                <a:tab pos="6388100" algn="l"/>
+                <a:tab pos="6972300" algn="l"/>
+                <a:tab pos="7556500" algn="l"/>
+                <a:tab pos="8140700" algn="l"/>
+                <a:tab pos="8724900" algn="l"/>
+                <a:tab pos="9296400" algn="l"/>
+              </a:tabLst>
+              <a:defRPr sz="3200">
+                <a:solidFill>
+                  <a:srgbClr val="53585F"/>
+                </a:solidFill>
+                <a:latin typeface="Consolas"/>
+                <a:ea typeface="Consolas"/>
+                <a:cs typeface="Consolas"/>
+                <a:sym typeface="Consolas"/>
+              </a:defRPr>
+            </a:pPr>
+            <a:endParaRPr dirty="0"/>
+          </a:p>
+          <a:p>
+            <a:pPr algn="l" defTabSz="457200">
+              <a:tabLst>
+                <a:tab pos="571500" algn="l"/>
+                <a:tab pos="1155700" algn="l"/>
+                <a:tab pos="1739900" algn="l"/>
+                <a:tab pos="2324100" algn="l"/>
+                <a:tab pos="2908300" algn="l"/>
+                <a:tab pos="3479800" algn="l"/>
+                <a:tab pos="4064000" algn="l"/>
+                <a:tab pos="4648200" algn="l"/>
+                <a:tab pos="5232400" algn="l"/>
+                <a:tab pos="5816600" algn="l"/>
+                <a:tab pos="6388100" algn="l"/>
+                <a:tab pos="6972300" algn="l"/>
+                <a:tab pos="7556500" algn="l"/>
+                <a:tab pos="8140700" algn="l"/>
+                <a:tab pos="8724900" algn="l"/>
+                <a:tab pos="9296400" algn="l"/>
+              </a:tabLst>
+              <a:defRPr sz="3200">
+                <a:solidFill>
+                  <a:schemeClr val="accent1">
+                    <a:hueOff val="273561"/>
+                    <a:satOff val="2937"/>
+                    <a:lumOff val="-22233"/>
+                  </a:schemeClr>
+                </a:solidFill>
+                <a:latin typeface="Consolas"/>
+                <a:ea typeface="Consolas"/>
+                <a:cs typeface="Consolas"/>
+                <a:sym typeface="Consolas"/>
+              </a:defRPr>
+            </a:pPr>
+            <a:r>
+              <a:rPr dirty="0" err="1"/>
+              <a:t>my_hash</a:t>
+            </a:r>
+            <a:r>
+              <a:rPr dirty="0"/>
+              <a:t>[:</a:t>
+            </a:r>
+            <a:r>
+              <a:rPr dirty="0" err="1"/>
+              <a:t>a_key</a:t>
+            </a:r>
+            <a:r>
+              <a:rPr dirty="0"/>
+              <a:t>]</a:t>
+            </a:r>
+            <a:r>
+              <a:rPr dirty="0">
+                <a:solidFill>
+                  <a:srgbClr val="53585F"/>
+                </a:solidFill>
+              </a:rPr>
+              <a:t> =&gt; 'Bob'</a:t>
+            </a:r>
+          </a:p>
+        </p:txBody>
+      </p:sp>
+    </p:spTree>
+  </p:cSld>
+  <p:clrMapOvr>
+    <a:masterClrMapping/>
+  </p:clrMapOvr>
+  <p:transition spd="med"/>
+</p:sld>
+</file>
+
+<file path=ppt/slides/slide8.xml><?xml version="1.0" encoding="utf-8"?>
+<p:sld xmlns:a="http://schemas.openxmlformats.org/drawingml/2006/main" xmlns:r="http://schemas.openxmlformats.org/officeDocument/2006/relationships" xmlns:p="http://schemas.openxmlformats.org/presentationml/2006/main">
   <p:cSld>
     <p:spTree>
       <p:nvGrpSpPr>
@@ -7427,7 +8156,7 @@
           </a:ln>
           <a:extLst>
             <a:ext uri="{C572A759-6A51-4108-AA02-DFA0A04FC94B}">
-              <ma14:wrappingTextBoxFlag xmlns:ma14="http://schemas.microsoft.com/office/mac/drawingml/2011/main" val="1"/>
+              <ma14:wrappingTextBoxFlag xmlns:ma14="http://schemas.microsoft.com/office/mac/drawingml/2011/main" xmlns:a14="http://schemas.microsoft.com/office/drawing/2010/main" xmlns:m="http://schemas.openxmlformats.org/officeDocument/2006/math" xmlns="" val="1"/>
             </a:ext>
           </a:extLst>
         </p:spPr>
@@ -7486,7 +8215,7 @@
           </a:ln>
           <a:extLst>
             <a:ext uri="{C572A759-6A51-4108-AA02-DFA0A04FC94B}">
-              <ma14:wrappingTextBoxFlag xmlns:ma14="http://schemas.microsoft.com/office/mac/drawingml/2011/main" val="1"/>
+              <ma14:wrappingTextBoxFlag xmlns:ma14="http://schemas.microsoft.com/office/mac/drawingml/2011/main" xmlns:a14="http://schemas.microsoft.com/office/drawing/2010/main" xmlns:m="http://schemas.openxmlformats.org/officeDocument/2006/math" xmlns="" val="1"/>
             </a:ext>
           </a:extLst>
         </p:spPr>
@@ -7505,10 +8234,11 @@
               </a:defRPr>
             </a:pPr>
             <a:r>
+              <a:rPr dirty="0"/>
               <a:t>to filter a hash for values that meet certain criteria we can use the </a:t>
             </a:r>
             <a:r>
-              <a:rPr b="1">
+              <a:rPr b="1" dirty="0">
                 <a:solidFill>
                   <a:srgbClr val="FA1116"/>
                 </a:solidFill>
@@ -7516,10 +8246,11 @@
               <a:t>.select</a:t>
             </a:r>
             <a:r>
-              <a:rPr b="1"/>
+              <a:rPr b="1" dirty="0"/>
               <a:t> </a:t>
             </a:r>
             <a:r>
+              <a:rPr dirty="0"/>
               <a:t>method</a:t>
             </a:r>
           </a:p>
@@ -7544,7 +8275,7 @@
           </a:ln>
           <a:extLst>
             <a:ext uri="{C572A759-6A51-4108-AA02-DFA0A04FC94B}">
-              <ma14:wrappingTextBoxFlag xmlns:ma14="http://schemas.microsoft.com/office/mac/drawingml/2011/main" val="1"/>
+              <ma14:wrappingTextBoxFlag xmlns:ma14="http://schemas.microsoft.com/office/mac/drawingml/2011/main" xmlns:a14="http://schemas.microsoft.com/office/drawing/2010/main" xmlns:m="http://schemas.openxmlformats.org/officeDocument/2006/math" xmlns="" val="1"/>
             </a:ext>
           </a:extLst>
         </p:spPr>
@@ -7588,6 +8319,7 @@
               </a:defRPr>
             </a:pPr>
             <a:r>
+              <a:rPr dirty="0"/>
               <a:t>grades = { </a:t>
             </a:r>
           </a:p>
@@ -7626,7 +8358,16 @@
               </a:defRPr>
             </a:pPr>
             <a:r>
-              <a:t>  alice: 100,</a:t>
+              <a:rPr dirty="0"/>
+              <a:t>  </a:t>
+            </a:r>
+            <a:r>
+              <a:rPr dirty="0" err="1"/>
+              <a:t>alice</a:t>
+            </a:r>
+            <a:r>
+              <a:rPr dirty="0"/>
+              <a:t>: 100,</a:t>
             </a:r>
           </a:p>
           <a:p>
@@ -7664,6 +8405,7 @@
               </a:defRPr>
             </a:pPr>
             <a:r>
+              <a:rPr dirty="0"/>
               <a:t>  bob: 92,</a:t>
             </a:r>
           </a:p>
@@ -7702,7 +8444,16 @@
               </a:defRPr>
             </a:pPr>
             <a:r>
-              <a:t>  chris: 95,</a:t>
+              <a:rPr dirty="0"/>
+              <a:t>  </a:t>
+            </a:r>
+            <a:r>
+              <a:rPr dirty="0" err="1"/>
+              <a:t>chris</a:t>
+            </a:r>
+            <a:r>
+              <a:rPr dirty="0"/>
+              <a:t>: 95,</a:t>
             </a:r>
           </a:p>
           <a:p>
@@ -7740,7 +8491,16 @@
               </a:defRPr>
             </a:pPr>
             <a:r>
-              <a:t>  dave: 97</a:t>
+              <a:rPr dirty="0"/>
+              <a:t>  </a:t>
+            </a:r>
+            <a:r>
+              <a:rPr dirty="0" err="1"/>
+              <a:t>dave</a:t>
+            </a:r>
+            <a:r>
+              <a:rPr dirty="0"/>
+              <a:t>: 97</a:t>
             </a:r>
           </a:p>
           <a:p>
@@ -7778,6 +8538,7 @@
               </a:defRPr>
             </a:pPr>
             <a:r>
+              <a:rPr dirty="0"/>
               <a:t>}</a:t>
             </a:r>
           </a:p>
@@ -7815,6 +8576,7 @@
                 <a:sym typeface="Consolas"/>
               </a:defRPr>
             </a:pPr>
+            <a:endParaRPr dirty="0"/>
           </a:p>
           <a:p>
             <a:pPr algn="l" defTabSz="457200">
@@ -7851,7 +8613,16 @@
               </a:defRPr>
             </a:pPr>
             <a:r>
-              <a:t>p grades.select { | name, grade | grade &lt;  97 }</a:t>
+              <a:rPr dirty="0"/>
+              <a:t>p </a:t>
+            </a:r>
+            <a:r>
+              <a:rPr dirty="0" err="1"/>
+              <a:t>grades.select</a:t>
+            </a:r>
+            <a:r>
+              <a:rPr dirty="0"/>
+              <a:t> { | name, grade | grade &lt;  97 }</a:t>
             </a:r>
           </a:p>
           <a:p>
@@ -7888,6 +8659,7 @@
                 <a:sym typeface="Consolas"/>
               </a:defRPr>
             </a:pPr>
+            <a:endParaRPr dirty="0"/>
           </a:p>
           <a:p>
             <a:pPr algn="l" defTabSz="457200">
@@ -7920,7 +8692,16 @@
               </a:defRPr>
             </a:pPr>
             <a:r>
-              <a:t># prints out { :bob =&gt; 92, :chris =&gt; 95 }</a:t>
+              <a:rPr dirty="0"/>
+              <a:t># prints out { :bob =&gt; 92, :</a:t>
+            </a:r>
+            <a:r>
+              <a:rPr dirty="0" err="1"/>
+              <a:t>chris</a:t>
+            </a:r>
+            <a:r>
+              <a:rPr dirty="0"/>
+              <a:t> =&gt; 95 }</a:t>
             </a:r>
           </a:p>
         </p:txBody>
@@ -7930,12 +8711,12 @@
   <p:clrMapOvr>
     <a:masterClrMapping/>
   </p:clrMapOvr>
-  <p:transition xmlns:p14="http://schemas.microsoft.com/office/powerpoint/2010/main" spd="med" advClick="1"/>
+  <p:transition spd="med"/>
 </p:sld>
 </file>
 
-<file path=ppt/slides/slide8.xml><?xml version="1.0" encoding="utf-8"?>
-<p:sld xmlns:a="http://schemas.openxmlformats.org/drawingml/2006/main" xmlns:r="http://schemas.openxmlformats.org/officeDocument/2006/relationships" xmlns:p="http://schemas.openxmlformats.org/presentationml/2006/main" xmlns:m="http://schemas.openxmlformats.org/officeDocument/2006/math" xmlns:a14="http://schemas.microsoft.com/office/drawing/2010/main" showMasterSp="1" showMasterPhAnim="1">
+<file path=ppt/slides/slide9.xml><?xml version="1.0" encoding="utf-8"?>
+<p:sld xmlns:a="http://schemas.openxmlformats.org/drawingml/2006/main" xmlns:r="http://schemas.openxmlformats.org/officeDocument/2006/relationships" xmlns:p="http://schemas.openxmlformats.org/presentationml/2006/main">
   <p:cSld>
     <p:spTree>
       <p:nvGrpSpPr>
@@ -7970,7 +8751,7 @@
           </a:ln>
           <a:extLst>
             <a:ext uri="{C572A759-6A51-4108-AA02-DFA0A04FC94B}">
-              <ma14:wrappingTextBoxFlag xmlns:ma14="http://schemas.microsoft.com/office/mac/drawingml/2011/main" val="1"/>
+              <ma14:wrappingTextBoxFlag xmlns:ma14="http://schemas.microsoft.com/office/mac/drawingml/2011/main" xmlns:a14="http://schemas.microsoft.com/office/drawing/2010/main" xmlns:m="http://schemas.openxmlformats.org/officeDocument/2006/math" xmlns="" val="1"/>
             </a:ext>
           </a:extLst>
         </p:spPr>
@@ -8029,7 +8810,7 @@
           </a:ln>
           <a:extLst>
             <a:ext uri="{C572A759-6A51-4108-AA02-DFA0A04FC94B}">
-              <ma14:wrappingTextBoxFlag xmlns:ma14="http://schemas.microsoft.com/office/mac/drawingml/2011/main" val="1"/>
+              <ma14:wrappingTextBoxFlag xmlns:ma14="http://schemas.microsoft.com/office/mac/drawingml/2011/main" xmlns:a14="http://schemas.microsoft.com/office/drawing/2010/main" xmlns:m="http://schemas.openxmlformats.org/officeDocument/2006/math" xmlns="" val="1"/>
             </a:ext>
           </a:extLst>
         </p:spPr>
@@ -8097,8 +8878,8 @@
         </p:nvSpPr>
         <p:spPr>
           <a:xfrm>
-            <a:off x="1174467" y="4984964"/>
-            <a:ext cx="10366073" cy="3296048"/>
+            <a:off x="1174467" y="4870967"/>
+            <a:ext cx="10366073" cy="3524042"/>
           </a:xfrm>
           <a:prstGeom prst="rect">
             <a:avLst/>
@@ -8108,7 +8889,7 @@
           </a:ln>
           <a:extLst>
             <a:ext uri="{C572A759-6A51-4108-AA02-DFA0A04FC94B}">
-              <ma14:wrappingTextBoxFlag xmlns:ma14="http://schemas.microsoft.com/office/mac/drawingml/2011/main" val="1"/>
+              <ma14:wrappingTextBoxFlag xmlns:ma14="http://schemas.microsoft.com/office/mac/drawingml/2011/main" xmlns:a14="http://schemas.microsoft.com/office/drawing/2010/main" xmlns:m="http://schemas.openxmlformats.org/officeDocument/2006/math" xmlns="" val="1"/>
             </a:ext>
           </a:extLst>
         </p:spPr>
@@ -8152,7 +8933,12 @@
               </a:defRPr>
             </a:pPr>
             <a:r>
-              <a:t>my_hash = { one: 1, two: 2, three: 3 }</a:t>
+              <a:rPr dirty="0" err="1"/>
+              <a:t>my_hash</a:t>
+            </a:r>
+            <a:r>
+              <a:rPr dirty="0"/>
+              <a:t> = { one: 1, two: 2, three: 3 }</a:t>
             </a:r>
           </a:p>
           <a:p>
@@ -8189,6 +8975,7 @@
                 <a:sym typeface="Consolas"/>
               </a:defRPr>
             </a:pPr>
+            <a:endParaRPr dirty="0"/>
           </a:p>
           <a:p>
             <a:pPr algn="l" defTabSz="457200">
@@ -8225,7 +9012,20 @@
               </a:defRPr>
             </a:pPr>
             <a:r>
-              <a:t>my_hash.each_key { |k| print k, " " }</a:t>
+              <a:rPr dirty="0" err="1"/>
+              <a:t>my_hash.each_key</a:t>
+            </a:r>
+            <a:r>
+              <a:rPr dirty="0"/>
+              <a:t> { |k| </a:t>
+            </a:r>
+            <a:r>
+              <a:rPr lang="en-CA" dirty="0"/>
+              <a:t>puts k </a:t>
+            </a:r>
+            <a:r>
+              <a:rPr dirty="0"/>
+              <a:t>}</a:t>
             </a:r>
           </a:p>
           <a:p>
@@ -8259,7 +9059,20 @@
               </a:defRPr>
             </a:pPr>
             <a:r>
-              <a:t># prints out: one two three</a:t>
+              <a:rPr dirty="0"/>
+              <a:t># p</a:t>
+            </a:r>
+            <a:r>
+              <a:rPr lang="en-CA" dirty="0"/>
+              <a:t>u</a:t>
+            </a:r>
+            <a:r>
+              <a:rPr dirty="0" err="1"/>
+              <a:t>ts</a:t>
+            </a:r>
+            <a:r>
+              <a:rPr dirty="0"/>
+              <a:t> out: one two three</a:t>
             </a:r>
           </a:p>
           <a:p>
@@ -8296,6 +9109,7 @@
                 <a:sym typeface="Consolas"/>
               </a:defRPr>
             </a:pPr>
+            <a:endParaRPr dirty="0"/>
           </a:p>
           <a:p>
             <a:pPr algn="l" defTabSz="457200">
@@ -8332,7 +9146,20 @@
               </a:defRPr>
             </a:pPr>
             <a:r>
-              <a:t>my_hash.each_value { |v| print v, " " }</a:t>
+              <a:rPr dirty="0" err="1"/>
+              <a:t>my_hash.each_value</a:t>
+            </a:r>
+            <a:r>
+              <a:rPr dirty="0"/>
+              <a:t> { |v| </a:t>
+            </a:r>
+            <a:r>
+              <a:rPr lang="en-CA" dirty="0"/>
+              <a:t>puts v </a:t>
+            </a:r>
+            <a:r>
+              <a:rPr dirty="0"/>
+              <a:t>}</a:t>
             </a:r>
           </a:p>
           <a:p>
@@ -8366,7 +9193,20 @@
               </a:defRPr>
             </a:pPr>
             <a:r>
-              <a:t># prints out: 1 2 3</a:t>
+              <a:rPr dirty="0"/>
+              <a:t># p</a:t>
+            </a:r>
+            <a:r>
+              <a:rPr lang="en-CA" dirty="0"/>
+              <a:t>u</a:t>
+            </a:r>
+            <a:r>
+              <a:rPr dirty="0" err="1"/>
+              <a:t>ts</a:t>
+            </a:r>
+            <a:r>
+              <a:rPr dirty="0"/>
+              <a:t> out: 1 2 3</a:t>
             </a:r>
           </a:p>
         </p:txBody>
@@ -8376,450 +9216,12 @@
   <p:clrMapOvr>
     <a:masterClrMapping/>
   </p:clrMapOvr>
-  <p:transition xmlns:p14="http://schemas.microsoft.com/office/powerpoint/2010/main" spd="med" advClick="1"/>
-</p:sld>
-</file>
-
-<file path=ppt/slides/slide9.xml><?xml version="1.0" encoding="utf-8"?>
-<p:sld xmlns:a="http://schemas.openxmlformats.org/drawingml/2006/main" xmlns:r="http://schemas.openxmlformats.org/officeDocument/2006/relationships" xmlns:p="http://schemas.openxmlformats.org/presentationml/2006/main" xmlns:m="http://schemas.openxmlformats.org/officeDocument/2006/math" xmlns:a14="http://schemas.microsoft.com/office/drawing/2010/main" showMasterSp="1" showMasterPhAnim="1">
-  <p:cSld>
-    <p:spTree>
-      <p:nvGrpSpPr>
-        <p:cNvPr id="1" name=""/>
-        <p:cNvGrpSpPr/>
-        <p:nvPr/>
-      </p:nvGrpSpPr>
-      <p:grpSpPr>
-        <a:xfrm>
-          <a:off x="0" y="0"/>
-          <a:ext cx="0" cy="0"/>
-          <a:chOff x="0" y="0"/>
-          <a:chExt cx="0" cy="0"/>
-        </a:xfrm>
-      </p:grpSpPr>
-      <p:sp>
-        <p:nvSpPr>
-          <p:cNvPr id="160" name="Selecting from hashes"/>
-          <p:cNvSpPr txBox="1"/>
-          <p:nvPr/>
-        </p:nvSpPr>
-        <p:spPr>
-          <a:xfrm>
-            <a:off x="1206637" y="555211"/>
-            <a:ext cx="10301733" cy="1295401"/>
-          </a:xfrm>
-          <a:prstGeom prst="rect">
-            <a:avLst/>
-          </a:prstGeom>
-          <a:ln w="3175">
-            <a:miter lim="400000"/>
-          </a:ln>
-          <a:extLst>
-            <a:ext uri="{C572A759-6A51-4108-AA02-DFA0A04FC94B}">
-              <ma14:wrappingTextBoxFlag xmlns:ma14="http://schemas.microsoft.com/office/mac/drawingml/2011/main" val="1"/>
-            </a:ext>
-          </a:extLst>
-        </p:spPr>
-        <p:txBody>
-          <a:bodyPr wrap="none" lIns="38100" tIns="38100" rIns="38100" bIns="38100" anchor="ctr">
-            <a:spAutoFit/>
-          </a:bodyPr>
-          <a:lstStyle/>
-          <a:p>
-            <a:pPr>
-              <a:defRPr sz="8000">
-                <a:solidFill>
-                  <a:schemeClr val="accent5">
-                    <a:hueOff val="-444211"/>
-                    <a:satOff val="-14915"/>
-                    <a:lumOff val="22857"/>
-                  </a:schemeClr>
-                </a:solidFill>
-              </a:defRPr>
-            </a:pPr>
-            <a:r>
-              <a:rPr>
-                <a:solidFill>
-                  <a:srgbClr val="FA1116"/>
-                </a:solidFill>
-              </a:rPr>
-              <a:t>S</a:t>
-            </a:r>
-            <a:r>
-              <a:rPr>
-                <a:solidFill>
-                  <a:srgbClr val="000000"/>
-                </a:solidFill>
-              </a:rPr>
-              <a:t>electing from hashes</a:t>
-            </a:r>
-          </a:p>
-        </p:txBody>
-      </p:sp>
-      <p:sp>
-        <p:nvSpPr>
-          <p:cNvPr id="161" name="If we try to access a key that doesn’t exist we’ll get nil as a result…"/>
-          <p:cNvSpPr txBox="1"/>
-          <p:nvPr/>
-        </p:nvSpPr>
-        <p:spPr>
-          <a:xfrm>
-            <a:off x="348691" y="2292380"/>
-            <a:ext cx="12307418" cy="3286715"/>
-          </a:xfrm>
-          <a:prstGeom prst="rect">
-            <a:avLst/>
-          </a:prstGeom>
-          <a:ln w="3175">
-            <a:miter lim="400000"/>
-          </a:ln>
-          <a:extLst>
-            <a:ext uri="{C572A759-6A51-4108-AA02-DFA0A04FC94B}">
-              <ma14:wrappingTextBoxFlag xmlns:ma14="http://schemas.microsoft.com/office/mac/drawingml/2011/main" val="1"/>
-            </a:ext>
-          </a:extLst>
-        </p:spPr>
-        <p:txBody>
-          <a:bodyPr lIns="38100" tIns="38100" rIns="38100" bIns="38100" anchor="ctr">
-            <a:spAutoFit/>
-          </a:bodyPr>
-          <a:lstStyle/>
-          <a:p>
-            <a:pPr algn="l" defTabSz="457200">
-              <a:spcBef>
-                <a:spcPts val="500"/>
-              </a:spcBef>
-              <a:defRPr sz="3500">
-                <a:latin typeface="Helvetica"/>
-                <a:ea typeface="Helvetica"/>
-                <a:cs typeface="Helvetica"/>
-                <a:sym typeface="Helvetica"/>
-              </a:defRPr>
-            </a:pPr>
-            <a:r>
-              <a:t>If we try to access a </a:t>
-            </a:r>
-            <a:r>
-              <a:rPr b="1" sz="3600">
-                <a:solidFill>
-                  <a:srgbClr val="FA1116"/>
-                </a:solidFill>
-              </a:rPr>
-              <a:t>key</a:t>
-            </a:r>
-            <a:r>
-              <a:t> that doesn’t exist we’ll get </a:t>
-            </a:r>
-            <a:r>
-              <a:rPr sz="3400">
-                <a:solidFill>
-                  <a:schemeClr val="accent1">
-                    <a:hueOff val="273561"/>
-                    <a:satOff val="2937"/>
-                    <a:lumOff val="-22233"/>
-                  </a:schemeClr>
-                </a:solidFill>
-                <a:latin typeface="Consolas"/>
-                <a:ea typeface="Consolas"/>
-                <a:cs typeface="Consolas"/>
-                <a:sym typeface="Consolas"/>
-              </a:rPr>
-              <a:t>nil</a:t>
-            </a:r>
-            <a:r>
-              <a:rPr i="1"/>
-              <a:t> </a:t>
-            </a:r>
-            <a:r>
-              <a:t>as a result</a:t>
-            </a:r>
-          </a:p>
-          <a:p>
-            <a:pPr algn="l" defTabSz="457200">
-              <a:spcBef>
-                <a:spcPts val="500"/>
-              </a:spcBef>
-              <a:defRPr sz="3500">
-                <a:latin typeface="Helvetica"/>
-                <a:ea typeface="Helvetica"/>
-                <a:cs typeface="Helvetica"/>
-                <a:sym typeface="Helvetica"/>
-              </a:defRPr>
-            </a:pPr>
-          </a:p>
-          <a:p>
-            <a:pPr algn="l" defTabSz="457200">
-              <a:spcBef>
-                <a:spcPts val="500"/>
-              </a:spcBef>
-              <a:defRPr sz="3500">
-                <a:latin typeface="Helvetica"/>
-                <a:ea typeface="Helvetica"/>
-                <a:cs typeface="Helvetica"/>
-                <a:sym typeface="Helvetica"/>
-              </a:defRPr>
-            </a:pPr>
-            <a:r>
-              <a:t>But if we create our </a:t>
-            </a:r>
-            <a:r>
-              <a:rPr b="1" sz="3600">
-                <a:solidFill>
-                  <a:srgbClr val="FA1116"/>
-                </a:solidFill>
-              </a:rPr>
-              <a:t>Hash</a:t>
-            </a:r>
-            <a:r>
-              <a:t> using the </a:t>
-            </a:r>
-            <a:r>
-              <a:rPr sz="3300">
-                <a:solidFill>
-                  <a:schemeClr val="accent1">
-                    <a:hueOff val="273561"/>
-                    <a:satOff val="2937"/>
-                    <a:lumOff val="-22233"/>
-                  </a:schemeClr>
-                </a:solidFill>
-                <a:latin typeface="Consolas"/>
-                <a:ea typeface="Consolas"/>
-                <a:cs typeface="Consolas"/>
-                <a:sym typeface="Consolas"/>
-              </a:rPr>
-              <a:t>Hash.new</a:t>
-            </a:r>
-            <a:r>
-              <a:t> syntax, we can specify a default value for non-existent keys</a:t>
-            </a:r>
-          </a:p>
-        </p:txBody>
-      </p:sp>
-      <p:sp>
-        <p:nvSpPr>
-          <p:cNvPr id="162" name="my_hash = Hash.new(&quot;Bob&quot;)…"/>
-          <p:cNvSpPr txBox="1"/>
-          <p:nvPr/>
-        </p:nvSpPr>
-        <p:spPr>
-          <a:xfrm>
-            <a:off x="1174467" y="6008558"/>
-            <a:ext cx="11178477" cy="3429001"/>
-          </a:xfrm>
-          <a:prstGeom prst="rect">
-            <a:avLst/>
-          </a:prstGeom>
-          <a:ln w="3175">
-            <a:miter lim="400000"/>
-          </a:ln>
-          <a:extLst>
-            <a:ext uri="{C572A759-6A51-4108-AA02-DFA0A04FC94B}">
-              <ma14:wrappingTextBoxFlag xmlns:ma14="http://schemas.microsoft.com/office/mac/drawingml/2011/main" val="1"/>
-            </a:ext>
-          </a:extLst>
-        </p:spPr>
-        <p:txBody>
-          <a:bodyPr lIns="38100" tIns="38100" rIns="38100" bIns="38100" anchor="ctr">
-            <a:spAutoFit/>
-          </a:bodyPr>
-          <a:lstStyle/>
-          <a:p>
-            <a:pPr algn="l" defTabSz="457200">
-              <a:tabLst>
-                <a:tab pos="571500" algn="l"/>
-                <a:tab pos="1155700" algn="l"/>
-                <a:tab pos="1739900" algn="l"/>
-                <a:tab pos="2324100" algn="l"/>
-                <a:tab pos="2908300" algn="l"/>
-                <a:tab pos="3479800" algn="l"/>
-                <a:tab pos="4064000" algn="l"/>
-                <a:tab pos="4648200" algn="l"/>
-                <a:tab pos="5232400" algn="l"/>
-                <a:tab pos="5816600" algn="l"/>
-                <a:tab pos="6388100" algn="l"/>
-                <a:tab pos="6972300" algn="l"/>
-                <a:tab pos="7556500" algn="l"/>
-                <a:tab pos="8140700" algn="l"/>
-                <a:tab pos="8724900" algn="l"/>
-                <a:tab pos="9296400" algn="l"/>
-              </a:tabLst>
-              <a:defRPr sz="3200">
-                <a:solidFill>
-                  <a:schemeClr val="accent1">
-                    <a:hueOff val="273561"/>
-                    <a:satOff val="2937"/>
-                    <a:lumOff val="-22233"/>
-                  </a:schemeClr>
-                </a:solidFill>
-                <a:latin typeface="Consolas"/>
-                <a:ea typeface="Consolas"/>
-                <a:cs typeface="Consolas"/>
-                <a:sym typeface="Consolas"/>
-              </a:defRPr>
-            </a:pPr>
-            <a:r>
-              <a:t>my_hash = Hash.new("Bob")</a:t>
-            </a:r>
-          </a:p>
-          <a:p>
-            <a:pPr algn="l" defTabSz="457200">
-              <a:tabLst>
-                <a:tab pos="571500" algn="l"/>
-                <a:tab pos="1155700" algn="l"/>
-                <a:tab pos="1739900" algn="l"/>
-                <a:tab pos="2324100" algn="l"/>
-                <a:tab pos="2908300" algn="l"/>
-                <a:tab pos="3479800" algn="l"/>
-                <a:tab pos="4064000" algn="l"/>
-                <a:tab pos="4648200" algn="l"/>
-                <a:tab pos="5232400" algn="l"/>
-                <a:tab pos="5816600" algn="l"/>
-                <a:tab pos="6388100" algn="l"/>
-                <a:tab pos="6972300" algn="l"/>
-                <a:tab pos="7556500" algn="l"/>
-                <a:tab pos="8140700" algn="l"/>
-                <a:tab pos="8724900" algn="l"/>
-                <a:tab pos="9296400" algn="l"/>
-              </a:tabLst>
-              <a:defRPr sz="3200">
-                <a:solidFill>
-                  <a:schemeClr val="accent1">
-                    <a:hueOff val="273561"/>
-                    <a:satOff val="2937"/>
-                    <a:lumOff val="-22233"/>
-                  </a:schemeClr>
-                </a:solidFill>
-                <a:latin typeface="Consolas"/>
-                <a:ea typeface="Consolas"/>
-                <a:cs typeface="Consolas"/>
-                <a:sym typeface="Consolas"/>
-              </a:defRPr>
-            </a:pPr>
-          </a:p>
-          <a:p>
-            <a:pPr algn="l" defTabSz="457200">
-              <a:tabLst>
-                <a:tab pos="571500" algn="l"/>
-                <a:tab pos="1155700" algn="l"/>
-                <a:tab pos="1739900" algn="l"/>
-                <a:tab pos="2324100" algn="l"/>
-                <a:tab pos="2908300" algn="l"/>
-                <a:tab pos="3479800" algn="l"/>
-                <a:tab pos="4064000" algn="l"/>
-                <a:tab pos="4648200" algn="l"/>
-                <a:tab pos="5232400" algn="l"/>
-                <a:tab pos="5816600" algn="l"/>
-                <a:tab pos="6388100" algn="l"/>
-                <a:tab pos="6972300" algn="l"/>
-                <a:tab pos="7556500" algn="l"/>
-                <a:tab pos="8140700" algn="l"/>
-                <a:tab pos="8724900" algn="l"/>
-                <a:tab pos="9296400" algn="l"/>
-              </a:tabLst>
-              <a:defRPr sz="3200">
-                <a:solidFill>
-                  <a:srgbClr val="53585F"/>
-                </a:solidFill>
-                <a:latin typeface="Consolas"/>
-                <a:ea typeface="Consolas"/>
-                <a:cs typeface="Consolas"/>
-                <a:sym typeface="Consolas"/>
-              </a:defRPr>
-            </a:pPr>
-            <a:r>
-              <a:t># now if we try to access a non-existent key in my_hash, we’ll get "Bob" as a result</a:t>
-            </a:r>
-          </a:p>
-          <a:p>
-            <a:pPr algn="l" defTabSz="457200">
-              <a:tabLst>
-                <a:tab pos="571500" algn="l"/>
-                <a:tab pos="1155700" algn="l"/>
-                <a:tab pos="1739900" algn="l"/>
-                <a:tab pos="2324100" algn="l"/>
-                <a:tab pos="2908300" algn="l"/>
-                <a:tab pos="3479800" algn="l"/>
-                <a:tab pos="4064000" algn="l"/>
-                <a:tab pos="4648200" algn="l"/>
-                <a:tab pos="5232400" algn="l"/>
-                <a:tab pos="5816600" algn="l"/>
-                <a:tab pos="6388100" algn="l"/>
-                <a:tab pos="6972300" algn="l"/>
-                <a:tab pos="7556500" algn="l"/>
-                <a:tab pos="8140700" algn="l"/>
-                <a:tab pos="8724900" algn="l"/>
-                <a:tab pos="9296400" algn="l"/>
-              </a:tabLst>
-              <a:defRPr sz="3200">
-                <a:solidFill>
-                  <a:srgbClr val="53585F"/>
-                </a:solidFill>
-                <a:latin typeface="Consolas"/>
-                <a:ea typeface="Consolas"/>
-                <a:cs typeface="Consolas"/>
-                <a:sym typeface="Consolas"/>
-              </a:defRPr>
-            </a:pPr>
-          </a:p>
-          <a:p>
-            <a:pPr algn="l" defTabSz="457200">
-              <a:tabLst>
-                <a:tab pos="571500" algn="l"/>
-                <a:tab pos="1155700" algn="l"/>
-                <a:tab pos="1739900" algn="l"/>
-                <a:tab pos="2324100" algn="l"/>
-                <a:tab pos="2908300" algn="l"/>
-                <a:tab pos="3479800" algn="l"/>
-                <a:tab pos="4064000" algn="l"/>
-                <a:tab pos="4648200" algn="l"/>
-                <a:tab pos="5232400" algn="l"/>
-                <a:tab pos="5816600" algn="l"/>
-                <a:tab pos="6388100" algn="l"/>
-                <a:tab pos="6972300" algn="l"/>
-                <a:tab pos="7556500" algn="l"/>
-                <a:tab pos="8140700" algn="l"/>
-                <a:tab pos="8724900" algn="l"/>
-                <a:tab pos="9296400" algn="l"/>
-              </a:tabLst>
-              <a:defRPr sz="3200">
-                <a:solidFill>
-                  <a:schemeClr val="accent1">
-                    <a:hueOff val="273561"/>
-                    <a:satOff val="2937"/>
-                    <a:lumOff val="-22233"/>
-                  </a:schemeClr>
-                </a:solidFill>
-                <a:latin typeface="Consolas"/>
-                <a:ea typeface="Consolas"/>
-                <a:cs typeface="Consolas"/>
-                <a:sym typeface="Consolas"/>
-              </a:defRPr>
-            </a:pPr>
-            <a:r>
-              <a:t>my_hash[:a_key]</a:t>
-            </a:r>
-            <a:r>
-              <a:rPr>
-                <a:solidFill>
-                  <a:srgbClr val="53585F"/>
-                </a:solidFill>
-              </a:rPr>
-              <a:t> =&gt; 'Bob'</a:t>
-            </a:r>
-          </a:p>
-        </p:txBody>
-      </p:sp>
-    </p:spTree>
-  </p:cSld>
-  <p:clrMapOvr>
-    <a:masterClrMapping/>
-  </p:clrMapOvr>
-  <p:transition xmlns:p14="http://schemas.microsoft.com/office/powerpoint/2010/main" spd="med" advClick="1"/>
+  <p:transition spd="med"/>
 </p:sld>
 </file>
 
 <file path=ppt/theme/theme1.xml><?xml version="1.0" encoding="utf-8"?>
-<a:theme xmlns:a="http://schemas.openxmlformats.org/drawingml/2006/main" xmlns:r="http://schemas.openxmlformats.org/officeDocument/2006/relationships" name="White">
+<a:theme xmlns:a="http://schemas.openxmlformats.org/drawingml/2006/main" name="White">
   <a:themeElements>
     <a:clrScheme name="White">
       <a:dk1>
@@ -8945,7 +9347,7 @@
       <a:effectStyleLst>
         <a:effectStyle>
           <a:effectLst>
-            <a:outerShdw sx="100000" sy="100000" kx="0" ky="0" algn="b" rotWithShape="0" blurRad="25400" dist="12700" dir="5400000">
+            <a:outerShdw blurRad="25400" dist="12700" dir="5400000" rotWithShape="0">
               <a:srgbClr val="000000">
                 <a:alpha val="50000"/>
               </a:srgbClr>
@@ -8954,7 +9356,7 @@
         </a:effectStyle>
         <a:effectStyle>
           <a:effectLst>
-            <a:outerShdw sx="100000" sy="100000" kx="0" ky="0" algn="b" rotWithShape="0" blurRad="25400" dist="0" dir="0">
+            <a:outerShdw blurRad="25400" rotWithShape="0">
               <a:srgbClr val="000000">
                 <a:alpha val="50000"/>
               </a:srgbClr>
@@ -8963,7 +9365,7 @@
         </a:effectStyle>
         <a:effectStyle>
           <a:effectLst>
-            <a:outerShdw sx="100000" sy="100000" kx="0" ky="0" algn="b" rotWithShape="0" blurRad="25400" dist="12700" dir="5400000">
+            <a:outerShdw blurRad="25400" dist="12700" dir="5400000" rotWithShape="0">
               <a:srgbClr val="000000">
                 <a:alpha val="50000"/>
               </a:srgbClr>
@@ -9027,8 +9429,8 @@
     <a:spDef>
       <a:spPr>
         <a:blipFill rotWithShape="1">
-          <a:blip r:embed="rId1"/>
-          <a:srcRect l="0" t="0" r="0" b="0"/>
+          <a:blip xmlns:r="http://schemas.openxmlformats.org/officeDocument/2006/relationships" r:embed="rId1"/>
+          <a:srcRect/>
           <a:tile tx="0" ty="0" sx="100000" sy="100000" flip="none" algn="tl"/>
         </a:blipFill>
         <a:ln w="3175" cap="flat">
@@ -9036,7 +9438,7 @@
           <a:miter lim="400000"/>
         </a:ln>
         <a:effectLst>
-          <a:outerShdw sx="100000" sy="100000" kx="0" ky="0" algn="b" rotWithShape="0" blurRad="25400" dist="12700" dir="5400000">
+          <a:outerShdw blurRad="25400" dist="12700" dir="5400000" rotWithShape="0">
             <a:srgbClr val="000000">
               <a:alpha val="50000"/>
             </a:srgbClr>
@@ -9044,7 +9446,7 @@
         </a:effectLst>
         <a:sp3d/>
       </a:spPr>
-      <a:bodyPr rot="0" spcFirstLastPara="1" vertOverflow="overflow" horzOverflow="overflow" vert="horz" wrap="square" lIns="38100" tIns="38100" rIns="38100" bIns="38100" numCol="1" spcCol="38100" rtlCol="0" anchor="ctr" upright="0">
+      <a:bodyPr rot="0" spcFirstLastPara="1" vertOverflow="overflow" horzOverflow="overflow" vert="horz" wrap="square" lIns="38100" tIns="38100" rIns="38100" bIns="38100" numCol="1" spcCol="38100" rtlCol="0" anchor="ctr">
         <a:spAutoFit/>
       </a:bodyPr>
       <a:lstStyle>
@@ -9063,7 +9465,7 @@
           <a:buFontTx/>
           <a:buNone/>
           <a:tabLst/>
-          <a:defRPr b="0" baseline="0" cap="none" i="0" spc="0" strike="noStrike" sz="2200" u="none" kumimoji="0" normalizeH="0">
+          <a:defRPr kumimoji="0" sz="2200" b="0" i="0" u="none" strike="noStrike" cap="none" spc="0" normalizeH="0" baseline="0">
             <a:ln>
               <a:noFill/>
             </a:ln>
@@ -9093,7 +9495,7 @@
           <a:buFontTx/>
           <a:buNone/>
           <a:tabLst/>
-          <a:defRPr b="0" baseline="0" cap="none" i="0" spc="0" strike="noStrike" sz="1800" u="none" kumimoji="0" normalizeH="0">
+          <a:defRPr kumimoji="0" sz="1800" b="0" i="0" u="none" strike="noStrike" cap="none" spc="0" normalizeH="0" baseline="0">
             <a:ln>
               <a:noFill/>
             </a:ln>
@@ -9119,7 +9521,7 @@
           <a:buFontTx/>
           <a:buNone/>
           <a:tabLst/>
-          <a:defRPr b="0" baseline="0" cap="none" i="0" spc="0" strike="noStrike" sz="1800" u="none" kumimoji="0" normalizeH="0">
+          <a:defRPr kumimoji="0" sz="1800" b="0" i="0" u="none" strike="noStrike" cap="none" spc="0" normalizeH="0" baseline="0">
             <a:ln>
               <a:noFill/>
             </a:ln>
@@ -9145,7 +9547,7 @@
           <a:buFontTx/>
           <a:buNone/>
           <a:tabLst/>
-          <a:defRPr b="0" baseline="0" cap="none" i="0" spc="0" strike="noStrike" sz="1800" u="none" kumimoji="0" normalizeH="0">
+          <a:defRPr kumimoji="0" sz="1800" b="0" i="0" u="none" strike="noStrike" cap="none" spc="0" normalizeH="0" baseline="0">
             <a:ln>
               <a:noFill/>
             </a:ln>
@@ -9171,7 +9573,7 @@
           <a:buFontTx/>
           <a:buNone/>
           <a:tabLst/>
-          <a:defRPr b="0" baseline="0" cap="none" i="0" spc="0" strike="noStrike" sz="1800" u="none" kumimoji="0" normalizeH="0">
+          <a:defRPr kumimoji="0" sz="1800" b="0" i="0" u="none" strike="noStrike" cap="none" spc="0" normalizeH="0" baseline="0">
             <a:ln>
               <a:noFill/>
             </a:ln>
@@ -9197,7 +9599,7 @@
           <a:buFontTx/>
           <a:buNone/>
           <a:tabLst/>
-          <a:defRPr b="0" baseline="0" cap="none" i="0" spc="0" strike="noStrike" sz="1800" u="none" kumimoji="0" normalizeH="0">
+          <a:defRPr kumimoji="0" sz="1800" b="0" i="0" u="none" strike="noStrike" cap="none" spc="0" normalizeH="0" baseline="0">
             <a:ln>
               <a:noFill/>
             </a:ln>
@@ -9223,7 +9625,7 @@
           <a:buFontTx/>
           <a:buNone/>
           <a:tabLst/>
-          <a:defRPr b="0" baseline="0" cap="none" i="0" spc="0" strike="noStrike" sz="1800" u="none" kumimoji="0" normalizeH="0">
+          <a:defRPr kumimoji="0" sz="1800" b="0" i="0" u="none" strike="noStrike" cap="none" spc="0" normalizeH="0" baseline="0">
             <a:ln>
               <a:noFill/>
             </a:ln>
@@ -9249,7 +9651,7 @@
           <a:buFontTx/>
           <a:buNone/>
           <a:tabLst/>
-          <a:defRPr b="0" baseline="0" cap="none" i="0" spc="0" strike="noStrike" sz="1800" u="none" kumimoji="0" normalizeH="0">
+          <a:defRPr kumimoji="0" sz="1800" b="0" i="0" u="none" strike="noStrike" cap="none" spc="0" normalizeH="0" baseline="0">
             <a:ln>
               <a:noFill/>
             </a:ln>
@@ -9275,7 +9677,7 @@
           <a:buFontTx/>
           <a:buNone/>
           <a:tabLst/>
-          <a:defRPr b="0" baseline="0" cap="none" i="0" spc="0" strike="noStrike" sz="1800" u="none" kumimoji="0" normalizeH="0">
+          <a:defRPr kumimoji="0" sz="1800" b="0" i="0" u="none" strike="noStrike" cap="none" spc="0" normalizeH="0" baseline="0">
             <a:ln>
               <a:noFill/>
             </a:ln>
@@ -9301,7 +9703,7 @@
           <a:buFontTx/>
           <a:buNone/>
           <a:tabLst/>
-          <a:defRPr b="0" baseline="0" cap="none" i="0" spc="0" strike="noStrike" sz="1800" u="none" kumimoji="0" normalizeH="0">
+          <a:defRPr kumimoji="0" sz="1800" b="0" i="0" u="none" strike="noStrike" cap="none" spc="0" normalizeH="0" baseline="0">
             <a:ln>
               <a:noFill/>
             </a:ln>
@@ -9314,9 +9716,15 @@
         </a:lvl9pPr>
       </a:lstStyle>
       <a:style>
-        <a:lnRef idx="0"/>
-        <a:fillRef idx="0"/>
-        <a:effectRef idx="0"/>
+        <a:lnRef idx="0">
+          <a:scrgbClr r="0" g="0" b="0"/>
+        </a:lnRef>
+        <a:fillRef idx="0">
+          <a:scrgbClr r="0" g="0" b="0"/>
+        </a:fillRef>
+        <a:effectRef idx="0">
+          <a:scrgbClr r="0" g="0" b="0"/>
+        </a:effectRef>
         <a:fontRef idx="none"/>
       </a:style>
     </a:spDef>
@@ -9333,7 +9741,7 @@
         <a:effectLst/>
         <a:sp3d/>
       </a:spPr>
-      <a:bodyPr rot="0" spcFirstLastPara="1" vertOverflow="overflow" horzOverflow="overflow" vert="horz" wrap="square" lIns="91439" tIns="45719" rIns="91439" bIns="45719" numCol="1" spcCol="38100" rtlCol="0" anchor="t" upright="0">
+      <a:bodyPr rot="0" spcFirstLastPara="1" vertOverflow="overflow" horzOverflow="overflow" vert="horz" wrap="square" lIns="91439" tIns="45719" rIns="91439" bIns="45719" numCol="1" spcCol="38100" rtlCol="0" anchor="t">
         <a:noAutofit/>
       </a:bodyPr>
       <a:lstStyle>
@@ -9352,7 +9760,7 @@
           <a:buFontTx/>
           <a:buNone/>
           <a:tabLst/>
-          <a:defRPr b="0" baseline="0" cap="none" i="0" spc="0" strike="noStrike" sz="1800" u="none" kumimoji="0" normalizeH="0">
+          <a:defRPr kumimoji="0" sz="1800" b="0" i="0" u="none" strike="noStrike" cap="none" spc="0" normalizeH="0" baseline="0">
             <a:ln>
               <a:noFill/>
             </a:ln>
@@ -9378,7 +9786,7 @@
           <a:buFontTx/>
           <a:buNone/>
           <a:tabLst/>
-          <a:defRPr b="0" baseline="0" cap="none" i="0" spc="0" strike="noStrike" sz="1800" u="none" kumimoji="0" normalizeH="0">
+          <a:defRPr kumimoji="0" sz="1800" b="0" i="0" u="none" strike="noStrike" cap="none" spc="0" normalizeH="0" baseline="0">
             <a:ln>
               <a:noFill/>
             </a:ln>
@@ -9404,7 +9812,7 @@
           <a:buFontTx/>
           <a:buNone/>
           <a:tabLst/>
-          <a:defRPr b="0" baseline="0" cap="none" i="0" spc="0" strike="noStrike" sz="1800" u="none" kumimoji="0" normalizeH="0">
+          <a:defRPr kumimoji="0" sz="1800" b="0" i="0" u="none" strike="noStrike" cap="none" spc="0" normalizeH="0" baseline="0">
             <a:ln>
               <a:noFill/>
             </a:ln>
@@ -9430,7 +9838,7 @@
           <a:buFontTx/>
           <a:buNone/>
           <a:tabLst/>
-          <a:defRPr b="0" baseline="0" cap="none" i="0" spc="0" strike="noStrike" sz="1800" u="none" kumimoji="0" normalizeH="0">
+          <a:defRPr kumimoji="0" sz="1800" b="0" i="0" u="none" strike="noStrike" cap="none" spc="0" normalizeH="0" baseline="0">
             <a:ln>
               <a:noFill/>
             </a:ln>
@@ -9456,7 +9864,7 @@
           <a:buFontTx/>
           <a:buNone/>
           <a:tabLst/>
-          <a:defRPr b="0" baseline="0" cap="none" i="0" spc="0" strike="noStrike" sz="1800" u="none" kumimoji="0" normalizeH="0">
+          <a:defRPr kumimoji="0" sz="1800" b="0" i="0" u="none" strike="noStrike" cap="none" spc="0" normalizeH="0" baseline="0">
             <a:ln>
               <a:noFill/>
             </a:ln>
@@ -9482,7 +9890,7 @@
           <a:buFontTx/>
           <a:buNone/>
           <a:tabLst/>
-          <a:defRPr b="0" baseline="0" cap="none" i="0" spc="0" strike="noStrike" sz="1800" u="none" kumimoji="0" normalizeH="0">
+          <a:defRPr kumimoji="0" sz="1800" b="0" i="0" u="none" strike="noStrike" cap="none" spc="0" normalizeH="0" baseline="0">
             <a:ln>
               <a:noFill/>
             </a:ln>
@@ -9508,7 +9916,7 @@
           <a:buFontTx/>
           <a:buNone/>
           <a:tabLst/>
-          <a:defRPr b="0" baseline="0" cap="none" i="0" spc="0" strike="noStrike" sz="1800" u="none" kumimoji="0" normalizeH="0">
+          <a:defRPr kumimoji="0" sz="1800" b="0" i="0" u="none" strike="noStrike" cap="none" spc="0" normalizeH="0" baseline="0">
             <a:ln>
               <a:noFill/>
             </a:ln>
@@ -9534,7 +9942,7 @@
           <a:buFontTx/>
           <a:buNone/>
           <a:tabLst/>
-          <a:defRPr b="0" baseline="0" cap="none" i="0" spc="0" strike="noStrike" sz="1800" u="none" kumimoji="0" normalizeH="0">
+          <a:defRPr kumimoji="0" sz="1800" b="0" i="0" u="none" strike="noStrike" cap="none" spc="0" normalizeH="0" baseline="0">
             <a:ln>
               <a:noFill/>
             </a:ln>
@@ -9560,7 +9968,7 @@
           <a:buFontTx/>
           <a:buNone/>
           <a:tabLst/>
-          <a:defRPr b="0" baseline="0" cap="none" i="0" spc="0" strike="noStrike" sz="1800" u="none" kumimoji="0" normalizeH="0">
+          <a:defRPr kumimoji="0" sz="1800" b="0" i="0" u="none" strike="noStrike" cap="none" spc="0" normalizeH="0" baseline="0">
             <a:ln>
               <a:noFill/>
             </a:ln>
@@ -9586,7 +9994,7 @@
           <a:buFontTx/>
           <a:buNone/>
           <a:tabLst/>
-          <a:defRPr b="0" baseline="0" cap="none" i="0" spc="0" strike="noStrike" sz="1800" u="none" kumimoji="0" normalizeH="0">
+          <a:defRPr kumimoji="0" sz="1800" b="0" i="0" u="none" strike="noStrike" cap="none" spc="0" normalizeH="0" baseline="0">
             <a:ln>
               <a:noFill/>
             </a:ln>
@@ -9599,9 +10007,15 @@
         </a:lvl9pPr>
       </a:lstStyle>
       <a:style>
-        <a:lnRef idx="0"/>
-        <a:fillRef idx="0"/>
-        <a:effectRef idx="0"/>
+        <a:lnRef idx="0">
+          <a:scrgbClr r="0" g="0" b="0"/>
+        </a:lnRef>
+        <a:fillRef idx="0">
+          <a:scrgbClr r="0" g="0" b="0"/>
+        </a:fillRef>
+        <a:effectRef idx="0">
+          <a:scrgbClr r="0" g="0" b="0"/>
+        </a:effectRef>
         <a:fontRef idx="none"/>
       </a:style>
     </a:lnDef>
@@ -9615,7 +10029,7 @@
         <a:effectLst/>
         <a:sp3d/>
       </a:spPr>
-      <a:bodyPr rot="0" spcFirstLastPara="1" vertOverflow="overflow" horzOverflow="overflow" vert="horz" wrap="square" lIns="38100" tIns="38100" rIns="38100" bIns="38100" numCol="1" spcCol="38100" rtlCol="0" anchor="ctr" upright="0">
+      <a:bodyPr rot="0" spcFirstLastPara="1" vertOverflow="overflow" horzOverflow="overflow" vert="horz" wrap="square" lIns="38100" tIns="38100" rIns="38100" bIns="38100" numCol="1" spcCol="38100" rtlCol="0" anchor="ctr">
         <a:spAutoFit/>
       </a:bodyPr>
       <a:lstStyle>
@@ -9634,7 +10048,7 @@
           <a:buFontTx/>
           <a:buNone/>
           <a:tabLst/>
-          <a:defRPr b="0" baseline="0" cap="none" i="0" spc="0" strike="noStrike" sz="5800" u="none" kumimoji="0" normalizeH="0">
+          <a:defRPr kumimoji="0" sz="5800" b="0" i="0" u="none" strike="noStrike" cap="none" spc="0" normalizeH="0" baseline="0">
             <a:ln>
               <a:noFill/>
             </a:ln>
@@ -9664,7 +10078,7 @@
           <a:buFontTx/>
           <a:buNone/>
           <a:tabLst/>
-          <a:defRPr b="0" baseline="0" cap="none" i="0" spc="0" strike="noStrike" sz="1800" u="none" kumimoji="0" normalizeH="0">
+          <a:defRPr kumimoji="0" sz="1800" b="0" i="0" u="none" strike="noStrike" cap="none" spc="0" normalizeH="0" baseline="0">
             <a:ln>
               <a:noFill/>
             </a:ln>
@@ -9690,7 +10104,7 @@
           <a:buFontTx/>
           <a:buNone/>
           <a:tabLst/>
-          <a:defRPr b="0" baseline="0" cap="none" i="0" spc="0" strike="noStrike" sz="1800" u="none" kumimoji="0" normalizeH="0">
+          <a:defRPr kumimoji="0" sz="1800" b="0" i="0" u="none" strike="noStrike" cap="none" spc="0" normalizeH="0" baseline="0">
             <a:ln>
               <a:noFill/>
             </a:ln>
@@ -9716,7 +10130,7 @@
           <a:buFontTx/>
           <a:buNone/>
           <a:tabLst/>
-          <a:defRPr b="0" baseline="0" cap="none" i="0" spc="0" strike="noStrike" sz="1800" u="none" kumimoji="0" normalizeH="0">
+          <a:defRPr kumimoji="0" sz="1800" b="0" i="0" u="none" strike="noStrike" cap="none" spc="0" normalizeH="0" baseline="0">
             <a:ln>
               <a:noFill/>
             </a:ln>
@@ -9742,7 +10156,7 @@
           <a:buFontTx/>
           <a:buNone/>
           <a:tabLst/>
-          <a:defRPr b="0" baseline="0" cap="none" i="0" spc="0" strike="noStrike" sz="1800" u="none" kumimoji="0" normalizeH="0">
+          <a:defRPr kumimoji="0" sz="1800" b="0" i="0" u="none" strike="noStrike" cap="none" spc="0" normalizeH="0" baseline="0">
             <a:ln>
               <a:noFill/>
             </a:ln>
@@ -9768,7 +10182,7 @@
           <a:buFontTx/>
           <a:buNone/>
           <a:tabLst/>
-          <a:defRPr b="0" baseline="0" cap="none" i="0" spc="0" strike="noStrike" sz="1800" u="none" kumimoji="0" normalizeH="0">
+          <a:defRPr kumimoji="0" sz="1800" b="0" i="0" u="none" strike="noStrike" cap="none" spc="0" normalizeH="0" baseline="0">
             <a:ln>
               <a:noFill/>
             </a:ln>
@@ -9794,7 +10208,7 @@
           <a:buFontTx/>
           <a:buNone/>
           <a:tabLst/>
-          <a:defRPr b="0" baseline="0" cap="none" i="0" spc="0" strike="noStrike" sz="1800" u="none" kumimoji="0" normalizeH="0">
+          <a:defRPr kumimoji="0" sz="1800" b="0" i="0" u="none" strike="noStrike" cap="none" spc="0" normalizeH="0" baseline="0">
             <a:ln>
               <a:noFill/>
             </a:ln>
@@ -9820,7 +10234,7 @@
           <a:buFontTx/>
           <a:buNone/>
           <a:tabLst/>
-          <a:defRPr b="0" baseline="0" cap="none" i="0" spc="0" strike="noStrike" sz="1800" u="none" kumimoji="0" normalizeH="0">
+          <a:defRPr kumimoji="0" sz="1800" b="0" i="0" u="none" strike="noStrike" cap="none" spc="0" normalizeH="0" baseline="0">
             <a:ln>
               <a:noFill/>
             </a:ln>
@@ -9846,7 +10260,7 @@
           <a:buFontTx/>
           <a:buNone/>
           <a:tabLst/>
-          <a:defRPr b="0" baseline="0" cap="none" i="0" spc="0" strike="noStrike" sz="1800" u="none" kumimoji="0" normalizeH="0">
+          <a:defRPr kumimoji="0" sz="1800" b="0" i="0" u="none" strike="noStrike" cap="none" spc="0" normalizeH="0" baseline="0">
             <a:ln>
               <a:noFill/>
             </a:ln>
@@ -9872,7 +10286,7 @@
           <a:buFontTx/>
           <a:buNone/>
           <a:tabLst/>
-          <a:defRPr b="0" baseline="0" cap="none" i="0" spc="0" strike="noStrike" sz="1800" u="none" kumimoji="0" normalizeH="0">
+          <a:defRPr kumimoji="0" sz="1800" b="0" i="0" u="none" strike="noStrike" cap="none" spc="0" normalizeH="0" baseline="0">
             <a:ln>
               <a:noFill/>
             </a:ln>
@@ -9885,18 +10299,25 @@
         </a:lvl9pPr>
       </a:lstStyle>
       <a:style>
-        <a:lnRef idx="0"/>
-        <a:fillRef idx="0"/>
-        <a:effectRef idx="0"/>
+        <a:lnRef idx="0">
+          <a:scrgbClr r="0" g="0" b="0"/>
+        </a:lnRef>
+        <a:fillRef idx="0">
+          <a:scrgbClr r="0" g="0" b="0"/>
+        </a:fillRef>
+        <a:effectRef idx="0">
+          <a:scrgbClr r="0" g="0" b="0"/>
+        </a:effectRef>
         <a:fontRef idx="none"/>
       </a:style>
     </a:txDef>
   </a:objectDefaults>
+  <a:extraClrSchemeLst/>
 </a:theme>
 </file>
 
 <file path=ppt/theme/theme2.xml><?xml version="1.0" encoding="utf-8"?>
-<a:theme xmlns:a="http://schemas.openxmlformats.org/drawingml/2006/main" xmlns:r="http://schemas.openxmlformats.org/officeDocument/2006/relationships" name="White">
+<a:theme xmlns:a="http://schemas.openxmlformats.org/drawingml/2006/main" name="White">
   <a:themeElements>
     <a:clrScheme name="White">
       <a:dk1>
@@ -10022,7 +10443,7 @@
       <a:effectStyleLst>
         <a:effectStyle>
           <a:effectLst>
-            <a:outerShdw sx="100000" sy="100000" kx="0" ky="0" algn="b" rotWithShape="0" blurRad="25400" dist="12700" dir="5400000">
+            <a:outerShdw blurRad="25400" dist="12700" dir="5400000" rotWithShape="0">
               <a:srgbClr val="000000">
                 <a:alpha val="50000"/>
               </a:srgbClr>
@@ -10031,7 +10452,7 @@
         </a:effectStyle>
         <a:effectStyle>
           <a:effectLst>
-            <a:outerShdw sx="100000" sy="100000" kx="0" ky="0" algn="b" rotWithShape="0" blurRad="25400" dist="0" dir="0">
+            <a:outerShdw blurRad="25400" rotWithShape="0">
               <a:srgbClr val="000000">
                 <a:alpha val="50000"/>
               </a:srgbClr>
@@ -10040,7 +10461,7 @@
         </a:effectStyle>
         <a:effectStyle>
           <a:effectLst>
-            <a:outerShdw sx="100000" sy="100000" kx="0" ky="0" algn="b" rotWithShape="0" blurRad="25400" dist="12700" dir="5400000">
+            <a:outerShdw blurRad="25400" dist="12700" dir="5400000" rotWithShape="0">
               <a:srgbClr val="000000">
                 <a:alpha val="50000"/>
               </a:srgbClr>
@@ -10104,8 +10525,8 @@
     <a:spDef>
       <a:spPr>
         <a:blipFill rotWithShape="1">
-          <a:blip r:embed="rId1"/>
-          <a:srcRect l="0" t="0" r="0" b="0"/>
+          <a:blip xmlns:r="http://schemas.openxmlformats.org/officeDocument/2006/relationships" r:embed="rId1"/>
+          <a:srcRect/>
           <a:tile tx="0" ty="0" sx="100000" sy="100000" flip="none" algn="tl"/>
         </a:blipFill>
         <a:ln w="3175" cap="flat">
@@ -10113,7 +10534,7 @@
           <a:miter lim="400000"/>
         </a:ln>
         <a:effectLst>
-          <a:outerShdw sx="100000" sy="100000" kx="0" ky="0" algn="b" rotWithShape="0" blurRad="25400" dist="12700" dir="5400000">
+          <a:outerShdw blurRad="25400" dist="12700" dir="5400000" rotWithShape="0">
             <a:srgbClr val="000000">
               <a:alpha val="50000"/>
             </a:srgbClr>
@@ -10121,7 +10542,7 @@
         </a:effectLst>
         <a:sp3d/>
       </a:spPr>
-      <a:bodyPr rot="0" spcFirstLastPara="1" vertOverflow="overflow" horzOverflow="overflow" vert="horz" wrap="square" lIns="38100" tIns="38100" rIns="38100" bIns="38100" numCol="1" spcCol="38100" rtlCol="0" anchor="ctr" upright="0">
+      <a:bodyPr rot="0" spcFirstLastPara="1" vertOverflow="overflow" horzOverflow="overflow" vert="horz" wrap="square" lIns="38100" tIns="38100" rIns="38100" bIns="38100" numCol="1" spcCol="38100" rtlCol="0" anchor="ctr">
         <a:spAutoFit/>
       </a:bodyPr>
       <a:lstStyle>
@@ -10140,7 +10561,7 @@
           <a:buFontTx/>
           <a:buNone/>
           <a:tabLst/>
-          <a:defRPr b="0" baseline="0" cap="none" i="0" spc="0" strike="noStrike" sz="2200" u="none" kumimoji="0" normalizeH="0">
+          <a:defRPr kumimoji="0" sz="2200" b="0" i="0" u="none" strike="noStrike" cap="none" spc="0" normalizeH="0" baseline="0">
             <a:ln>
               <a:noFill/>
             </a:ln>
@@ -10170,7 +10591,7 @@
           <a:buFontTx/>
           <a:buNone/>
           <a:tabLst/>
-          <a:defRPr b="0" baseline="0" cap="none" i="0" spc="0" strike="noStrike" sz="1800" u="none" kumimoji="0" normalizeH="0">
+          <a:defRPr kumimoji="0" sz="1800" b="0" i="0" u="none" strike="noStrike" cap="none" spc="0" normalizeH="0" baseline="0">
             <a:ln>
               <a:noFill/>
             </a:ln>
@@ -10196,7 +10617,7 @@
           <a:buFontTx/>
           <a:buNone/>
           <a:tabLst/>
-          <a:defRPr b="0" baseline="0" cap="none" i="0" spc="0" strike="noStrike" sz="1800" u="none" kumimoji="0" normalizeH="0">
+          <a:defRPr kumimoji="0" sz="1800" b="0" i="0" u="none" strike="noStrike" cap="none" spc="0" normalizeH="0" baseline="0">
             <a:ln>
               <a:noFill/>
             </a:ln>
@@ -10222,7 +10643,7 @@
           <a:buFontTx/>
           <a:buNone/>
           <a:tabLst/>
-          <a:defRPr b="0" baseline="0" cap="none" i="0" spc="0" strike="noStrike" sz="1800" u="none" kumimoji="0" normalizeH="0">
+          <a:defRPr kumimoji="0" sz="1800" b="0" i="0" u="none" strike="noStrike" cap="none" spc="0" normalizeH="0" baseline="0">
             <a:ln>
               <a:noFill/>
             </a:ln>
@@ -10248,7 +10669,7 @@
           <a:buFontTx/>
           <a:buNone/>
           <a:tabLst/>
-          <a:defRPr b="0" baseline="0" cap="none" i="0" spc="0" strike="noStrike" sz="1800" u="none" kumimoji="0" normalizeH="0">
+          <a:defRPr kumimoji="0" sz="1800" b="0" i="0" u="none" strike="noStrike" cap="none" spc="0" normalizeH="0" baseline="0">
             <a:ln>
               <a:noFill/>
             </a:ln>
@@ -10274,7 +10695,7 @@
           <a:buFontTx/>
           <a:buNone/>
           <a:tabLst/>
-          <a:defRPr b="0" baseline="0" cap="none" i="0" spc="0" strike="noStrike" sz="1800" u="none" kumimoji="0" normalizeH="0">
+          <a:defRPr kumimoji="0" sz="1800" b="0" i="0" u="none" strike="noStrike" cap="none" spc="0" normalizeH="0" baseline="0">
             <a:ln>
               <a:noFill/>
             </a:ln>
@@ -10300,7 +10721,7 @@
           <a:buFontTx/>
           <a:buNone/>
           <a:tabLst/>
-          <a:defRPr b="0" baseline="0" cap="none" i="0" spc="0" strike="noStrike" sz="1800" u="none" kumimoji="0" normalizeH="0">
+          <a:defRPr kumimoji="0" sz="1800" b="0" i="0" u="none" strike="noStrike" cap="none" spc="0" normalizeH="0" baseline="0">
             <a:ln>
               <a:noFill/>
             </a:ln>
@@ -10326,7 +10747,7 @@
           <a:buFontTx/>
           <a:buNone/>
           <a:tabLst/>
-          <a:defRPr b="0" baseline="0" cap="none" i="0" spc="0" strike="noStrike" sz="1800" u="none" kumimoji="0" normalizeH="0">
+          <a:defRPr kumimoji="0" sz="1800" b="0" i="0" u="none" strike="noStrike" cap="none" spc="0" normalizeH="0" baseline="0">
             <a:ln>
               <a:noFill/>
             </a:ln>
@@ -10352,7 +10773,7 @@
           <a:buFontTx/>
           <a:buNone/>
           <a:tabLst/>
-          <a:defRPr b="0" baseline="0" cap="none" i="0" spc="0" strike="noStrike" sz="1800" u="none" kumimoji="0" normalizeH="0">
+          <a:defRPr kumimoji="0" sz="1800" b="0" i="0" u="none" strike="noStrike" cap="none" spc="0" normalizeH="0" baseline="0">
             <a:ln>
               <a:noFill/>
             </a:ln>
@@ -10378,7 +10799,7 @@
           <a:buFontTx/>
           <a:buNone/>
           <a:tabLst/>
-          <a:defRPr b="0" baseline="0" cap="none" i="0" spc="0" strike="noStrike" sz="1800" u="none" kumimoji="0" normalizeH="0">
+          <a:defRPr kumimoji="0" sz="1800" b="0" i="0" u="none" strike="noStrike" cap="none" spc="0" normalizeH="0" baseline="0">
             <a:ln>
               <a:noFill/>
             </a:ln>
@@ -10391,9 +10812,15 @@
         </a:lvl9pPr>
       </a:lstStyle>
       <a:style>
-        <a:lnRef idx="0"/>
-        <a:fillRef idx="0"/>
-        <a:effectRef idx="0"/>
+        <a:lnRef idx="0">
+          <a:scrgbClr r="0" g="0" b="0"/>
+        </a:lnRef>
+        <a:fillRef idx="0">
+          <a:scrgbClr r="0" g="0" b="0"/>
+        </a:fillRef>
+        <a:effectRef idx="0">
+          <a:scrgbClr r="0" g="0" b="0"/>
+        </a:effectRef>
         <a:fontRef idx="none"/>
       </a:style>
     </a:spDef>
@@ -10410,7 +10837,7 @@
         <a:effectLst/>
         <a:sp3d/>
       </a:spPr>
-      <a:bodyPr rot="0" spcFirstLastPara="1" vertOverflow="overflow" horzOverflow="overflow" vert="horz" wrap="square" lIns="91439" tIns="45719" rIns="91439" bIns="45719" numCol="1" spcCol="38100" rtlCol="0" anchor="t" upright="0">
+      <a:bodyPr rot="0" spcFirstLastPara="1" vertOverflow="overflow" horzOverflow="overflow" vert="horz" wrap="square" lIns="91439" tIns="45719" rIns="91439" bIns="45719" numCol="1" spcCol="38100" rtlCol="0" anchor="t">
         <a:noAutofit/>
       </a:bodyPr>
       <a:lstStyle>
@@ -10429,7 +10856,7 @@
           <a:buFontTx/>
           <a:buNone/>
           <a:tabLst/>
-          <a:defRPr b="0" baseline="0" cap="none" i="0" spc="0" strike="noStrike" sz="1800" u="none" kumimoji="0" normalizeH="0">
+          <a:defRPr kumimoji="0" sz="1800" b="0" i="0" u="none" strike="noStrike" cap="none" spc="0" normalizeH="0" baseline="0">
             <a:ln>
               <a:noFill/>
             </a:ln>
@@ -10455,7 +10882,7 @@
           <a:buFontTx/>
           <a:buNone/>
           <a:tabLst/>
-          <a:defRPr b="0" baseline="0" cap="none" i="0" spc="0" strike="noStrike" sz="1800" u="none" kumimoji="0" normalizeH="0">
+          <a:defRPr kumimoji="0" sz="1800" b="0" i="0" u="none" strike="noStrike" cap="none" spc="0" normalizeH="0" baseline="0">
             <a:ln>
               <a:noFill/>
             </a:ln>
@@ -10481,7 +10908,7 @@
           <a:buFontTx/>
           <a:buNone/>
           <a:tabLst/>
-          <a:defRPr b="0" baseline="0" cap="none" i="0" spc="0" strike="noStrike" sz="1800" u="none" kumimoji="0" normalizeH="0">
+          <a:defRPr kumimoji="0" sz="1800" b="0" i="0" u="none" strike="noStrike" cap="none" spc="0" normalizeH="0" baseline="0">
             <a:ln>
               <a:noFill/>
             </a:ln>
@@ -10507,7 +10934,7 @@
           <a:buFontTx/>
           <a:buNone/>
           <a:tabLst/>
-          <a:defRPr b="0" baseline="0" cap="none" i="0" spc="0" strike="noStrike" sz="1800" u="none" kumimoji="0" normalizeH="0">
+          <a:defRPr kumimoji="0" sz="1800" b="0" i="0" u="none" strike="noStrike" cap="none" spc="0" normalizeH="0" baseline="0">
             <a:ln>
               <a:noFill/>
             </a:ln>
@@ -10533,7 +10960,7 @@
           <a:buFontTx/>
           <a:buNone/>
           <a:tabLst/>
-          <a:defRPr b="0" baseline="0" cap="none" i="0" spc="0" strike="noStrike" sz="1800" u="none" kumimoji="0" normalizeH="0">
+          <a:defRPr kumimoji="0" sz="1800" b="0" i="0" u="none" strike="noStrike" cap="none" spc="0" normalizeH="0" baseline="0">
             <a:ln>
               <a:noFill/>
             </a:ln>
@@ -10559,7 +10986,7 @@
           <a:buFontTx/>
           <a:buNone/>
           <a:tabLst/>
-          <a:defRPr b="0" baseline="0" cap="none" i="0" spc="0" strike="noStrike" sz="1800" u="none" kumimoji="0" normalizeH="0">
+          <a:defRPr kumimoji="0" sz="1800" b="0" i="0" u="none" strike="noStrike" cap="none" spc="0" normalizeH="0" baseline="0">
             <a:ln>
               <a:noFill/>
             </a:ln>
@@ -10585,7 +11012,7 @@
           <a:buFontTx/>
           <a:buNone/>
           <a:tabLst/>
-          <a:defRPr b="0" baseline="0" cap="none" i="0" spc="0" strike="noStrike" sz="1800" u="none" kumimoji="0" normalizeH="0">
+          <a:defRPr kumimoji="0" sz="1800" b="0" i="0" u="none" strike="noStrike" cap="none" spc="0" normalizeH="0" baseline="0">
             <a:ln>
               <a:noFill/>
             </a:ln>
@@ -10611,7 +11038,7 @@
           <a:buFontTx/>
           <a:buNone/>
           <a:tabLst/>
-          <a:defRPr b="0" baseline="0" cap="none" i="0" spc="0" strike="noStrike" sz="1800" u="none" kumimoji="0" normalizeH="0">
+          <a:defRPr kumimoji="0" sz="1800" b="0" i="0" u="none" strike="noStrike" cap="none" spc="0" normalizeH="0" baseline="0">
             <a:ln>
               <a:noFill/>
             </a:ln>
@@ -10637,7 +11064,7 @@
           <a:buFontTx/>
           <a:buNone/>
           <a:tabLst/>
-          <a:defRPr b="0" baseline="0" cap="none" i="0" spc="0" strike="noStrike" sz="1800" u="none" kumimoji="0" normalizeH="0">
+          <a:defRPr kumimoji="0" sz="1800" b="0" i="0" u="none" strike="noStrike" cap="none" spc="0" normalizeH="0" baseline="0">
             <a:ln>
               <a:noFill/>
             </a:ln>
@@ -10663,7 +11090,7 @@
           <a:buFontTx/>
           <a:buNone/>
           <a:tabLst/>
-          <a:defRPr b="0" baseline="0" cap="none" i="0" spc="0" strike="noStrike" sz="1800" u="none" kumimoji="0" normalizeH="0">
+          <a:defRPr kumimoji="0" sz="1800" b="0" i="0" u="none" strike="noStrike" cap="none" spc="0" normalizeH="0" baseline="0">
             <a:ln>
               <a:noFill/>
             </a:ln>
@@ -10676,9 +11103,15 @@
         </a:lvl9pPr>
       </a:lstStyle>
       <a:style>
-        <a:lnRef idx="0"/>
-        <a:fillRef idx="0"/>
-        <a:effectRef idx="0"/>
+        <a:lnRef idx="0">
+          <a:scrgbClr r="0" g="0" b="0"/>
+        </a:lnRef>
+        <a:fillRef idx="0">
+          <a:scrgbClr r="0" g="0" b="0"/>
+        </a:fillRef>
+        <a:effectRef idx="0">
+          <a:scrgbClr r="0" g="0" b="0"/>
+        </a:effectRef>
         <a:fontRef idx="none"/>
       </a:style>
     </a:lnDef>
@@ -10692,7 +11125,7 @@
         <a:effectLst/>
         <a:sp3d/>
       </a:spPr>
-      <a:bodyPr rot="0" spcFirstLastPara="1" vertOverflow="overflow" horzOverflow="overflow" vert="horz" wrap="square" lIns="38100" tIns="38100" rIns="38100" bIns="38100" numCol="1" spcCol="38100" rtlCol="0" anchor="ctr" upright="0">
+      <a:bodyPr rot="0" spcFirstLastPara="1" vertOverflow="overflow" horzOverflow="overflow" vert="horz" wrap="square" lIns="38100" tIns="38100" rIns="38100" bIns="38100" numCol="1" spcCol="38100" rtlCol="0" anchor="ctr">
         <a:spAutoFit/>
       </a:bodyPr>
       <a:lstStyle>
@@ -10711,7 +11144,7 @@
           <a:buFontTx/>
           <a:buNone/>
           <a:tabLst/>
-          <a:defRPr b="0" baseline="0" cap="none" i="0" spc="0" strike="noStrike" sz="5800" u="none" kumimoji="0" normalizeH="0">
+          <a:defRPr kumimoji="0" sz="5800" b="0" i="0" u="none" strike="noStrike" cap="none" spc="0" normalizeH="0" baseline="0">
             <a:ln>
               <a:noFill/>
             </a:ln>
@@ -10741,7 +11174,7 @@
           <a:buFontTx/>
           <a:buNone/>
           <a:tabLst/>
-          <a:defRPr b="0" baseline="0" cap="none" i="0" spc="0" strike="noStrike" sz="1800" u="none" kumimoji="0" normalizeH="0">
+          <a:defRPr kumimoji="0" sz="1800" b="0" i="0" u="none" strike="noStrike" cap="none" spc="0" normalizeH="0" baseline="0">
             <a:ln>
               <a:noFill/>
             </a:ln>
@@ -10767,7 +11200,7 @@
           <a:buFontTx/>
           <a:buNone/>
           <a:tabLst/>
-          <a:defRPr b="0" baseline="0" cap="none" i="0" spc="0" strike="noStrike" sz="1800" u="none" kumimoji="0" normalizeH="0">
+          <a:defRPr kumimoji="0" sz="1800" b="0" i="0" u="none" strike="noStrike" cap="none" spc="0" normalizeH="0" baseline="0">
             <a:ln>
               <a:noFill/>
             </a:ln>
@@ -10793,7 +11226,7 @@
           <a:buFontTx/>
           <a:buNone/>
           <a:tabLst/>
-          <a:defRPr b="0" baseline="0" cap="none" i="0" spc="0" strike="noStrike" sz="1800" u="none" kumimoji="0" normalizeH="0">
+          <a:defRPr kumimoji="0" sz="1800" b="0" i="0" u="none" strike="noStrike" cap="none" spc="0" normalizeH="0" baseline="0">
             <a:ln>
               <a:noFill/>
             </a:ln>
@@ -10819,7 +11252,7 @@
           <a:buFontTx/>
           <a:buNone/>
           <a:tabLst/>
-          <a:defRPr b="0" baseline="0" cap="none" i="0" spc="0" strike="noStrike" sz="1800" u="none" kumimoji="0" normalizeH="0">
+          <a:defRPr kumimoji="0" sz="1800" b="0" i="0" u="none" strike="noStrike" cap="none" spc="0" normalizeH="0" baseline="0">
             <a:ln>
               <a:noFill/>
             </a:ln>
@@ -10845,7 +11278,7 @@
           <a:buFontTx/>
           <a:buNone/>
           <a:tabLst/>
-          <a:defRPr b="0" baseline="0" cap="none" i="0" spc="0" strike="noStrike" sz="1800" u="none" kumimoji="0" normalizeH="0">
+          <a:defRPr kumimoji="0" sz="1800" b="0" i="0" u="none" strike="noStrike" cap="none" spc="0" normalizeH="0" baseline="0">
             <a:ln>
               <a:noFill/>
             </a:ln>
@@ -10871,7 +11304,7 @@
           <a:buFontTx/>
           <a:buNone/>
           <a:tabLst/>
-          <a:defRPr b="0" baseline="0" cap="none" i="0" spc="0" strike="noStrike" sz="1800" u="none" kumimoji="0" normalizeH="0">
+          <a:defRPr kumimoji="0" sz="1800" b="0" i="0" u="none" strike="noStrike" cap="none" spc="0" normalizeH="0" baseline="0">
             <a:ln>
               <a:noFill/>
             </a:ln>
@@ -10897,7 +11330,7 @@
           <a:buFontTx/>
           <a:buNone/>
           <a:tabLst/>
-          <a:defRPr b="0" baseline="0" cap="none" i="0" spc="0" strike="noStrike" sz="1800" u="none" kumimoji="0" normalizeH="0">
+          <a:defRPr kumimoji="0" sz="1800" b="0" i="0" u="none" strike="noStrike" cap="none" spc="0" normalizeH="0" baseline="0">
             <a:ln>
               <a:noFill/>
             </a:ln>
@@ -10923,7 +11356,7 @@
           <a:buFontTx/>
           <a:buNone/>
           <a:tabLst/>
-          <a:defRPr b="0" baseline="0" cap="none" i="0" spc="0" strike="noStrike" sz="1800" u="none" kumimoji="0" normalizeH="0">
+          <a:defRPr kumimoji="0" sz="1800" b="0" i="0" u="none" strike="noStrike" cap="none" spc="0" normalizeH="0" baseline="0">
             <a:ln>
               <a:noFill/>
             </a:ln>
@@ -10949,7 +11382,7 @@
           <a:buFontTx/>
           <a:buNone/>
           <a:tabLst/>
-          <a:defRPr b="0" baseline="0" cap="none" i="0" spc="0" strike="noStrike" sz="1800" u="none" kumimoji="0" normalizeH="0">
+          <a:defRPr kumimoji="0" sz="1800" b="0" i="0" u="none" strike="noStrike" cap="none" spc="0" normalizeH="0" baseline="0">
             <a:ln>
               <a:noFill/>
             </a:ln>
@@ -10962,12 +11395,19 @@
         </a:lvl9pPr>
       </a:lstStyle>
       <a:style>
-        <a:lnRef idx="0"/>
-        <a:fillRef idx="0"/>
-        <a:effectRef idx="0"/>
+        <a:lnRef idx="0">
+          <a:scrgbClr r="0" g="0" b="0"/>
+        </a:lnRef>
+        <a:fillRef idx="0">
+          <a:scrgbClr r="0" g="0" b="0"/>
+        </a:fillRef>
+        <a:effectRef idx="0">
+          <a:scrgbClr r="0" g="0" b="0"/>
+        </a:effectRef>
         <a:fontRef idx="none"/>
       </a:style>
     </a:txDef>
   </a:objectDefaults>
+  <a:extraClrSchemeLst/>
 </a:theme>
 </file>